--- a/wrims2_vscript/doc/Position Analysis with CalLite.pptx
+++ b/wrims2_vscript/doc/Position Analysis with CalLite.pptx
@@ -6,7 +6,8 @@
   </p:sldMasterIdLst>
   <p:sldIdLst>
     <p:sldId id="256" r:id="rId2"/>
-    <p:sldId id="257" r:id="rId3"/>
+    <p:sldId id="258" r:id="rId3"/>
+    <p:sldId id="257" r:id="rId4"/>
   </p:sldIdLst>
   <p:sldSz cx="9144000" cy="6858000" type="screen4x3"/>
   <p:notesSz cx="6858000" cy="9144000"/>
@@ -289,7 +290,7 @@
           <a:p>
             <a:fld id="{2C308518-5484-4D27-A27E-16604AEEC442}" type="datetimeFigureOut">
               <a:rPr lang="en-US" smtClean="0"/>
-              <a:t>7/12/2013</a:t>
+              <a:t>7/16/2013</a:t>
             </a:fld>
             <a:endParaRPr lang="en-US"/>
           </a:p>
@@ -459,7 +460,7 @@
           <a:p>
             <a:fld id="{2C308518-5484-4D27-A27E-16604AEEC442}" type="datetimeFigureOut">
               <a:rPr lang="en-US" smtClean="0"/>
-              <a:t>7/12/2013</a:t>
+              <a:t>7/16/2013</a:t>
             </a:fld>
             <a:endParaRPr lang="en-US"/>
           </a:p>
@@ -639,7 +640,7 @@
           <a:p>
             <a:fld id="{2C308518-5484-4D27-A27E-16604AEEC442}" type="datetimeFigureOut">
               <a:rPr lang="en-US" smtClean="0"/>
-              <a:t>7/12/2013</a:t>
+              <a:t>7/16/2013</a:t>
             </a:fld>
             <a:endParaRPr lang="en-US"/>
           </a:p>
@@ -809,7 +810,7 @@
           <a:p>
             <a:fld id="{2C308518-5484-4D27-A27E-16604AEEC442}" type="datetimeFigureOut">
               <a:rPr lang="en-US" smtClean="0"/>
-              <a:t>7/12/2013</a:t>
+              <a:t>7/16/2013</a:t>
             </a:fld>
             <a:endParaRPr lang="en-US"/>
           </a:p>
@@ -1055,7 +1056,7 @@
           <a:p>
             <a:fld id="{2C308518-5484-4D27-A27E-16604AEEC442}" type="datetimeFigureOut">
               <a:rPr lang="en-US" smtClean="0"/>
-              <a:t>7/12/2013</a:t>
+              <a:t>7/16/2013</a:t>
             </a:fld>
             <a:endParaRPr lang="en-US"/>
           </a:p>
@@ -1343,7 +1344,7 @@
           <a:p>
             <a:fld id="{2C308518-5484-4D27-A27E-16604AEEC442}" type="datetimeFigureOut">
               <a:rPr lang="en-US" smtClean="0"/>
-              <a:t>7/12/2013</a:t>
+              <a:t>7/16/2013</a:t>
             </a:fld>
             <a:endParaRPr lang="en-US"/>
           </a:p>
@@ -1765,7 +1766,7 @@
           <a:p>
             <a:fld id="{2C308518-5484-4D27-A27E-16604AEEC442}" type="datetimeFigureOut">
               <a:rPr lang="en-US" smtClean="0"/>
-              <a:t>7/12/2013</a:t>
+              <a:t>7/16/2013</a:t>
             </a:fld>
             <a:endParaRPr lang="en-US"/>
           </a:p>
@@ -1883,7 +1884,7 @@
           <a:p>
             <a:fld id="{2C308518-5484-4D27-A27E-16604AEEC442}" type="datetimeFigureOut">
               <a:rPr lang="en-US" smtClean="0"/>
-              <a:t>7/12/2013</a:t>
+              <a:t>7/16/2013</a:t>
             </a:fld>
             <a:endParaRPr lang="en-US"/>
           </a:p>
@@ -1978,7 +1979,7 @@
           <a:p>
             <a:fld id="{2C308518-5484-4D27-A27E-16604AEEC442}" type="datetimeFigureOut">
               <a:rPr lang="en-US" smtClean="0"/>
-              <a:t>7/12/2013</a:t>
+              <a:t>7/16/2013</a:t>
             </a:fld>
             <a:endParaRPr lang="en-US"/>
           </a:p>
@@ -2255,7 +2256,7 @@
           <a:p>
             <a:fld id="{2C308518-5484-4D27-A27E-16604AEEC442}" type="datetimeFigureOut">
               <a:rPr lang="en-US" smtClean="0"/>
-              <a:t>7/12/2013</a:t>
+              <a:t>7/16/2013</a:t>
             </a:fld>
             <a:endParaRPr lang="en-US"/>
           </a:p>
@@ -2508,7 +2509,7 @@
           <a:p>
             <a:fld id="{2C308518-5484-4D27-A27E-16604AEEC442}" type="datetimeFigureOut">
               <a:rPr lang="en-US" smtClean="0"/>
-              <a:t>7/12/2013</a:t>
+              <a:t>7/16/2013</a:t>
             </a:fld>
             <a:endParaRPr lang="en-US"/>
           </a:p>
@@ -2721,7 +2722,7 @@
           <a:p>
             <a:fld id="{2C308518-5484-4D27-A27E-16604AEEC442}" type="datetimeFigureOut">
               <a:rPr lang="en-US" smtClean="0"/>
-              <a:t>7/12/2013</a:t>
+              <a:t>7/16/2013</a:t>
             </a:fld>
             <a:endParaRPr lang="en-US"/>
           </a:p>
@@ -3184,6 +3185,1092 @@
         </p:nvSpPr>
         <p:spPr/>
         <p:txBody>
+          <a:bodyPr>
+            <a:normAutofit/>
+          </a:bodyPr>
+          <a:lstStyle/>
+          <a:p>
+            <a:r>
+              <a:rPr lang="en-US" sz="3600" dirty="0"/>
+              <a:t>Position Analysis with </a:t>
+            </a:r>
+            <a:r>
+              <a:rPr lang="en-US" sz="3600" dirty="0" err="1"/>
+              <a:t>CalLite</a:t>
+            </a:r>
+            <a:endParaRPr lang="en-US" sz="3600" dirty="0"/>
+          </a:p>
+        </p:txBody>
+      </p:sp>
+      <p:grpSp>
+        <p:nvGrpSpPr>
+          <p:cNvPr id="31" name="Group 30"/>
+          <p:cNvGrpSpPr/>
+          <p:nvPr/>
+        </p:nvGrpSpPr>
+        <p:grpSpPr>
+          <a:xfrm>
+            <a:off x="1066800" y="2286000"/>
+            <a:ext cx="7010400" cy="2743200"/>
+            <a:chOff x="1066800" y="2286000"/>
+            <a:chExt cx="7010400" cy="2743200"/>
+          </a:xfrm>
+        </p:grpSpPr>
+        <p:cxnSp>
+          <p:nvCxnSpPr>
+            <p:cNvPr id="27" name="Straight Connector 26"/>
+            <p:cNvCxnSpPr/>
+            <p:nvPr/>
+          </p:nvCxnSpPr>
+          <p:spPr>
+            <a:xfrm>
+              <a:off x="3733800" y="2286000"/>
+              <a:ext cx="0" cy="2743200"/>
+            </a:xfrm>
+            <a:prstGeom prst="line">
+              <a:avLst/>
+            </a:prstGeom>
+            <a:ln w="22225">
+              <a:solidFill>
+                <a:schemeClr val="accent1">
+                  <a:lumMod val="50000"/>
+                </a:schemeClr>
+              </a:solidFill>
+              <a:prstDash val="sysDash"/>
+            </a:ln>
+          </p:spPr>
+          <p:style>
+            <a:lnRef idx="1">
+              <a:schemeClr val="accent1"/>
+            </a:lnRef>
+            <a:fillRef idx="0">
+              <a:schemeClr val="accent1"/>
+            </a:fillRef>
+            <a:effectRef idx="0">
+              <a:schemeClr val="accent1"/>
+            </a:effectRef>
+            <a:fontRef idx="minor">
+              <a:schemeClr val="tx1"/>
+            </a:fontRef>
+          </p:style>
+        </p:cxnSp>
+        <p:sp>
+          <p:nvSpPr>
+            <p:cNvPr id="4" name="Rectangle 3"/>
+            <p:cNvSpPr/>
+            <p:nvPr/>
+          </p:nvSpPr>
+          <p:spPr>
+            <a:xfrm>
+              <a:off x="3124200" y="3124200"/>
+              <a:ext cx="609600" cy="990600"/>
+            </a:xfrm>
+            <a:prstGeom prst="rect">
+              <a:avLst/>
+            </a:prstGeom>
+          </p:spPr>
+          <p:style>
+            <a:lnRef idx="2">
+              <a:schemeClr val="accent1">
+                <a:shade val="50000"/>
+              </a:schemeClr>
+            </a:lnRef>
+            <a:fillRef idx="1">
+              <a:schemeClr val="accent1"/>
+            </a:fillRef>
+            <a:effectRef idx="0">
+              <a:schemeClr val="accent1"/>
+            </a:effectRef>
+            <a:fontRef idx="minor">
+              <a:schemeClr val="lt1"/>
+            </a:fontRef>
+          </p:style>
+          <p:txBody>
+            <a:bodyPr rtlCol="0" anchor="ctr"/>
+            <a:lstStyle/>
+            <a:p>
+              <a:pPr algn="ctr"/>
+              <a:r>
+                <a:rPr lang="en-US" dirty="0" smtClean="0">
+                  <a:latin typeface="Consolas" pitchFamily="49" charset="0"/>
+                  <a:cs typeface="Consolas" pitchFamily="49" charset="0"/>
+                </a:rPr>
+                <a:t>SEP</a:t>
+              </a:r>
+              <a:endParaRPr lang="en-US" dirty="0">
+                <a:latin typeface="Consolas" pitchFamily="49" charset="0"/>
+                <a:cs typeface="Consolas" pitchFamily="49" charset="0"/>
+              </a:endParaRPr>
+            </a:p>
+          </p:txBody>
+        </p:sp>
+        <p:sp>
+          <p:nvSpPr>
+            <p:cNvPr id="5" name="Rectangle 4"/>
+            <p:cNvSpPr/>
+            <p:nvPr/>
+          </p:nvSpPr>
+          <p:spPr>
+            <a:xfrm>
+              <a:off x="2514600" y="3124200"/>
+              <a:ext cx="609600" cy="990600"/>
+            </a:xfrm>
+            <a:prstGeom prst="rect">
+              <a:avLst/>
+            </a:prstGeom>
+          </p:spPr>
+          <p:style>
+            <a:lnRef idx="2">
+              <a:schemeClr val="accent1">
+                <a:shade val="50000"/>
+              </a:schemeClr>
+            </a:lnRef>
+            <a:fillRef idx="1">
+              <a:schemeClr val="accent1"/>
+            </a:fillRef>
+            <a:effectRef idx="0">
+              <a:schemeClr val="accent1"/>
+            </a:effectRef>
+            <a:fontRef idx="minor">
+              <a:schemeClr val="lt1"/>
+            </a:fontRef>
+          </p:style>
+          <p:txBody>
+            <a:bodyPr rtlCol="0" anchor="ctr"/>
+            <a:lstStyle/>
+            <a:p>
+              <a:pPr algn="ctr"/>
+              <a:r>
+                <a:rPr lang="en-US" dirty="0" smtClean="0">
+                  <a:latin typeface="Consolas" pitchFamily="49" charset="0"/>
+                  <a:cs typeface="Consolas" pitchFamily="49" charset="0"/>
+                </a:rPr>
+                <a:t>AUG</a:t>
+              </a:r>
+              <a:endParaRPr lang="en-US" dirty="0">
+                <a:latin typeface="Consolas" pitchFamily="49" charset="0"/>
+                <a:cs typeface="Consolas" pitchFamily="49" charset="0"/>
+              </a:endParaRPr>
+            </a:p>
+          </p:txBody>
+        </p:sp>
+        <p:sp>
+          <p:nvSpPr>
+            <p:cNvPr id="8" name="Rectangle 7"/>
+            <p:cNvSpPr/>
+            <p:nvPr/>
+          </p:nvSpPr>
+          <p:spPr>
+            <a:xfrm>
+              <a:off x="1905000" y="3124200"/>
+              <a:ext cx="609600" cy="990600"/>
+            </a:xfrm>
+            <a:prstGeom prst="rect">
+              <a:avLst/>
+            </a:prstGeom>
+          </p:spPr>
+          <p:style>
+            <a:lnRef idx="2">
+              <a:schemeClr val="accent1">
+                <a:shade val="50000"/>
+              </a:schemeClr>
+            </a:lnRef>
+            <a:fillRef idx="1">
+              <a:schemeClr val="accent1"/>
+            </a:fillRef>
+            <a:effectRef idx="0">
+              <a:schemeClr val="accent1"/>
+            </a:effectRef>
+            <a:fontRef idx="minor">
+              <a:schemeClr val="lt1"/>
+            </a:fontRef>
+          </p:style>
+          <p:txBody>
+            <a:bodyPr rtlCol="0" anchor="ctr"/>
+            <a:lstStyle/>
+            <a:p>
+              <a:pPr algn="ctr"/>
+              <a:r>
+                <a:rPr lang="en-US" dirty="0" smtClean="0">
+                  <a:latin typeface="Consolas" pitchFamily="49" charset="0"/>
+                  <a:cs typeface="Consolas" pitchFamily="49" charset="0"/>
+                </a:rPr>
+                <a:t>JUL</a:t>
+              </a:r>
+              <a:endParaRPr lang="en-US" dirty="0">
+                <a:latin typeface="Consolas" pitchFamily="49" charset="0"/>
+                <a:cs typeface="Consolas" pitchFamily="49" charset="0"/>
+              </a:endParaRPr>
+            </a:p>
+          </p:txBody>
+        </p:sp>
+        <p:sp>
+          <p:nvSpPr>
+            <p:cNvPr id="9" name="Rectangle 8"/>
+            <p:cNvSpPr/>
+            <p:nvPr/>
+          </p:nvSpPr>
+          <p:spPr>
+            <a:xfrm>
+              <a:off x="1295400" y="3124200"/>
+              <a:ext cx="609600" cy="990600"/>
+            </a:xfrm>
+            <a:prstGeom prst="rect">
+              <a:avLst/>
+            </a:prstGeom>
+            <a:gradFill flip="none" rotWithShape="1">
+              <a:gsLst>
+                <a:gs pos="0">
+                  <a:schemeClr val="tx2">
+                    <a:lumMod val="20000"/>
+                    <a:lumOff val="80000"/>
+                  </a:schemeClr>
+                </a:gs>
+                <a:gs pos="100000">
+                  <a:schemeClr val="tx2">
+                    <a:lumMod val="60000"/>
+                    <a:lumOff val="40000"/>
+                  </a:schemeClr>
+                </a:gs>
+                <a:gs pos="100000">
+                  <a:schemeClr val="accent1">
+                    <a:tint val="23500"/>
+                    <a:satMod val="160000"/>
+                  </a:schemeClr>
+                </a:gs>
+              </a:gsLst>
+              <a:lin ang="0" scaled="1"/>
+              <a:tileRect/>
+            </a:gradFill>
+            <a:ln>
+              <a:gradFill flip="none" rotWithShape="1">
+                <a:gsLst>
+                  <a:gs pos="0">
+                    <a:schemeClr val="tx2">
+                      <a:lumMod val="40000"/>
+                      <a:lumOff val="60000"/>
+                    </a:schemeClr>
+                  </a:gs>
+                  <a:gs pos="50000">
+                    <a:schemeClr val="tx2">
+                      <a:lumMod val="60000"/>
+                      <a:lumOff val="40000"/>
+                    </a:schemeClr>
+                  </a:gs>
+                  <a:gs pos="100000">
+                    <a:schemeClr val="accent1">
+                      <a:lumMod val="75000"/>
+                    </a:schemeClr>
+                  </a:gs>
+                </a:gsLst>
+                <a:lin ang="0" scaled="1"/>
+                <a:tileRect/>
+              </a:gradFill>
+            </a:ln>
+          </p:spPr>
+          <p:style>
+            <a:lnRef idx="2">
+              <a:schemeClr val="accent1">
+                <a:shade val="50000"/>
+              </a:schemeClr>
+            </a:lnRef>
+            <a:fillRef idx="1">
+              <a:schemeClr val="accent1"/>
+            </a:fillRef>
+            <a:effectRef idx="0">
+              <a:schemeClr val="accent1"/>
+            </a:effectRef>
+            <a:fontRef idx="minor">
+              <a:schemeClr val="lt1"/>
+            </a:fontRef>
+          </p:style>
+          <p:txBody>
+            <a:bodyPr rtlCol="0" anchor="ctr"/>
+            <a:lstStyle/>
+            <a:p>
+              <a:pPr algn="ctr"/>
+              <a:r>
+                <a:rPr lang="en-US" dirty="0" smtClean="0">
+                  <a:latin typeface="Consolas" pitchFamily="49" charset="0"/>
+                  <a:cs typeface="Consolas" pitchFamily="49" charset="0"/>
+                </a:rPr>
+                <a:t>JUN</a:t>
+              </a:r>
+              <a:endParaRPr lang="en-US" dirty="0">
+                <a:latin typeface="Consolas" pitchFamily="49" charset="0"/>
+                <a:cs typeface="Consolas" pitchFamily="49" charset="0"/>
+              </a:endParaRPr>
+            </a:p>
+          </p:txBody>
+        </p:sp>
+        <p:sp>
+          <p:nvSpPr>
+            <p:cNvPr id="11" name="Rectangle 10"/>
+            <p:cNvSpPr/>
+            <p:nvPr/>
+          </p:nvSpPr>
+          <p:spPr>
+            <a:xfrm>
+              <a:off x="3733800" y="3124200"/>
+              <a:ext cx="609600" cy="990600"/>
+            </a:xfrm>
+            <a:prstGeom prst="rect">
+              <a:avLst/>
+            </a:prstGeom>
+            <a:solidFill>
+              <a:schemeClr val="accent2">
+                <a:lumMod val="75000"/>
+              </a:schemeClr>
+            </a:solidFill>
+            <a:ln>
+              <a:solidFill>
+                <a:schemeClr val="accent2">
+                  <a:lumMod val="50000"/>
+                </a:schemeClr>
+              </a:solidFill>
+            </a:ln>
+          </p:spPr>
+          <p:style>
+            <a:lnRef idx="2">
+              <a:schemeClr val="accent1">
+                <a:shade val="50000"/>
+              </a:schemeClr>
+            </a:lnRef>
+            <a:fillRef idx="1">
+              <a:schemeClr val="accent1"/>
+            </a:fillRef>
+            <a:effectRef idx="0">
+              <a:schemeClr val="accent1"/>
+            </a:effectRef>
+            <a:fontRef idx="minor">
+              <a:schemeClr val="lt1"/>
+            </a:fontRef>
+          </p:style>
+          <p:txBody>
+            <a:bodyPr rtlCol="0" anchor="ctr"/>
+            <a:lstStyle/>
+            <a:p>
+              <a:pPr algn="ctr"/>
+              <a:r>
+                <a:rPr lang="en-US" dirty="0" smtClean="0">
+                  <a:latin typeface="Consolas" pitchFamily="49" charset="0"/>
+                  <a:cs typeface="Consolas" pitchFamily="49" charset="0"/>
+                </a:rPr>
+                <a:t>OCT</a:t>
+              </a:r>
+              <a:endParaRPr lang="en-US" dirty="0">
+                <a:latin typeface="Consolas" pitchFamily="49" charset="0"/>
+                <a:cs typeface="Consolas" pitchFamily="49" charset="0"/>
+              </a:endParaRPr>
+            </a:p>
+          </p:txBody>
+        </p:sp>
+        <p:sp>
+          <p:nvSpPr>
+            <p:cNvPr id="12" name="Rectangle 11"/>
+            <p:cNvSpPr/>
+            <p:nvPr/>
+          </p:nvSpPr>
+          <p:spPr>
+            <a:xfrm>
+              <a:off x="4343400" y="3124200"/>
+              <a:ext cx="609600" cy="990600"/>
+            </a:xfrm>
+            <a:prstGeom prst="rect">
+              <a:avLst/>
+            </a:prstGeom>
+            <a:solidFill>
+              <a:schemeClr val="accent2">
+                <a:lumMod val="75000"/>
+              </a:schemeClr>
+            </a:solidFill>
+            <a:ln>
+              <a:solidFill>
+                <a:schemeClr val="accent2">
+                  <a:lumMod val="50000"/>
+                </a:schemeClr>
+              </a:solidFill>
+            </a:ln>
+          </p:spPr>
+          <p:style>
+            <a:lnRef idx="2">
+              <a:schemeClr val="accent1">
+                <a:shade val="50000"/>
+              </a:schemeClr>
+            </a:lnRef>
+            <a:fillRef idx="1">
+              <a:schemeClr val="accent1"/>
+            </a:fillRef>
+            <a:effectRef idx="0">
+              <a:schemeClr val="accent1"/>
+            </a:effectRef>
+            <a:fontRef idx="minor">
+              <a:schemeClr val="lt1"/>
+            </a:fontRef>
+          </p:style>
+          <p:txBody>
+            <a:bodyPr rtlCol="0" anchor="ctr"/>
+            <a:lstStyle/>
+            <a:p>
+              <a:pPr algn="ctr"/>
+              <a:r>
+                <a:rPr lang="en-US" dirty="0" smtClean="0">
+                  <a:latin typeface="Consolas" pitchFamily="49" charset="0"/>
+                  <a:cs typeface="Consolas" pitchFamily="49" charset="0"/>
+                </a:rPr>
+                <a:t>NOV</a:t>
+              </a:r>
+              <a:endParaRPr lang="en-US" dirty="0">
+                <a:latin typeface="Consolas" pitchFamily="49" charset="0"/>
+                <a:cs typeface="Consolas" pitchFamily="49" charset="0"/>
+              </a:endParaRPr>
+            </a:p>
+          </p:txBody>
+        </p:sp>
+        <p:sp>
+          <p:nvSpPr>
+            <p:cNvPr id="13" name="Rectangle 12"/>
+            <p:cNvSpPr/>
+            <p:nvPr/>
+          </p:nvSpPr>
+          <p:spPr>
+            <a:xfrm>
+              <a:off x="4953000" y="3124200"/>
+              <a:ext cx="609600" cy="990600"/>
+            </a:xfrm>
+            <a:prstGeom prst="rect">
+              <a:avLst/>
+            </a:prstGeom>
+            <a:solidFill>
+              <a:schemeClr val="accent2">
+                <a:lumMod val="75000"/>
+              </a:schemeClr>
+            </a:solidFill>
+            <a:ln>
+              <a:solidFill>
+                <a:schemeClr val="accent2">
+                  <a:lumMod val="50000"/>
+                </a:schemeClr>
+              </a:solidFill>
+            </a:ln>
+          </p:spPr>
+          <p:style>
+            <a:lnRef idx="2">
+              <a:schemeClr val="accent1">
+                <a:shade val="50000"/>
+              </a:schemeClr>
+            </a:lnRef>
+            <a:fillRef idx="1">
+              <a:schemeClr val="accent1"/>
+            </a:fillRef>
+            <a:effectRef idx="0">
+              <a:schemeClr val="accent1"/>
+            </a:effectRef>
+            <a:fontRef idx="minor">
+              <a:schemeClr val="lt1"/>
+            </a:fontRef>
+          </p:style>
+          <p:txBody>
+            <a:bodyPr rtlCol="0" anchor="ctr"/>
+            <a:lstStyle/>
+            <a:p>
+              <a:pPr algn="ctr"/>
+              <a:r>
+                <a:rPr lang="en-US" dirty="0" smtClean="0">
+                  <a:latin typeface="Consolas" pitchFamily="49" charset="0"/>
+                  <a:cs typeface="Consolas" pitchFamily="49" charset="0"/>
+                </a:rPr>
+                <a:t>DEC</a:t>
+              </a:r>
+              <a:endParaRPr lang="en-US" dirty="0">
+                <a:latin typeface="Consolas" pitchFamily="49" charset="0"/>
+                <a:cs typeface="Consolas" pitchFamily="49" charset="0"/>
+              </a:endParaRPr>
+            </a:p>
+          </p:txBody>
+        </p:sp>
+        <p:sp>
+          <p:nvSpPr>
+            <p:cNvPr id="14" name="Rectangle 13"/>
+            <p:cNvSpPr/>
+            <p:nvPr/>
+          </p:nvSpPr>
+          <p:spPr>
+            <a:xfrm>
+              <a:off x="5562600" y="3124200"/>
+              <a:ext cx="609600" cy="990600"/>
+            </a:xfrm>
+            <a:prstGeom prst="rect">
+              <a:avLst/>
+            </a:prstGeom>
+            <a:solidFill>
+              <a:schemeClr val="accent2">
+                <a:lumMod val="75000"/>
+              </a:schemeClr>
+            </a:solidFill>
+            <a:ln>
+              <a:solidFill>
+                <a:schemeClr val="accent2">
+                  <a:lumMod val="50000"/>
+                </a:schemeClr>
+              </a:solidFill>
+            </a:ln>
+          </p:spPr>
+          <p:style>
+            <a:lnRef idx="2">
+              <a:schemeClr val="accent1">
+                <a:shade val="50000"/>
+              </a:schemeClr>
+            </a:lnRef>
+            <a:fillRef idx="1">
+              <a:schemeClr val="accent1"/>
+            </a:fillRef>
+            <a:effectRef idx="0">
+              <a:schemeClr val="accent1"/>
+            </a:effectRef>
+            <a:fontRef idx="minor">
+              <a:schemeClr val="lt1"/>
+            </a:fontRef>
+          </p:style>
+          <p:txBody>
+            <a:bodyPr rtlCol="0" anchor="ctr"/>
+            <a:lstStyle/>
+            <a:p>
+              <a:pPr algn="ctr"/>
+              <a:r>
+                <a:rPr lang="en-US" dirty="0" smtClean="0">
+                  <a:latin typeface="Consolas" pitchFamily="49" charset="0"/>
+                  <a:cs typeface="Consolas" pitchFamily="49" charset="0"/>
+                </a:rPr>
+                <a:t>JAN</a:t>
+              </a:r>
+              <a:endParaRPr lang="en-US" dirty="0">
+                <a:latin typeface="Consolas" pitchFamily="49" charset="0"/>
+                <a:cs typeface="Consolas" pitchFamily="49" charset="0"/>
+              </a:endParaRPr>
+            </a:p>
+          </p:txBody>
+        </p:sp>
+        <p:sp>
+          <p:nvSpPr>
+            <p:cNvPr id="15" name="Rectangle 14"/>
+            <p:cNvSpPr/>
+            <p:nvPr/>
+          </p:nvSpPr>
+          <p:spPr>
+            <a:xfrm>
+              <a:off x="6172200" y="3124200"/>
+              <a:ext cx="609600" cy="990600"/>
+            </a:xfrm>
+            <a:prstGeom prst="rect">
+              <a:avLst/>
+            </a:prstGeom>
+            <a:solidFill>
+              <a:schemeClr val="accent2">
+                <a:lumMod val="75000"/>
+              </a:schemeClr>
+            </a:solidFill>
+            <a:ln>
+              <a:solidFill>
+                <a:schemeClr val="accent2">
+                  <a:lumMod val="50000"/>
+                </a:schemeClr>
+              </a:solidFill>
+            </a:ln>
+          </p:spPr>
+          <p:style>
+            <a:lnRef idx="2">
+              <a:schemeClr val="accent1">
+                <a:shade val="50000"/>
+              </a:schemeClr>
+            </a:lnRef>
+            <a:fillRef idx="1">
+              <a:schemeClr val="accent1"/>
+            </a:fillRef>
+            <a:effectRef idx="0">
+              <a:schemeClr val="accent1"/>
+            </a:effectRef>
+            <a:fontRef idx="minor">
+              <a:schemeClr val="lt1"/>
+            </a:fontRef>
+          </p:style>
+          <p:txBody>
+            <a:bodyPr rtlCol="0" anchor="ctr"/>
+            <a:lstStyle/>
+            <a:p>
+              <a:pPr algn="ctr"/>
+              <a:r>
+                <a:rPr lang="en-US" dirty="0" smtClean="0">
+                  <a:latin typeface="Consolas" pitchFamily="49" charset="0"/>
+                  <a:cs typeface="Consolas" pitchFamily="49" charset="0"/>
+                </a:rPr>
+                <a:t>FEB</a:t>
+              </a:r>
+              <a:endParaRPr lang="en-US" dirty="0">
+                <a:latin typeface="Consolas" pitchFamily="49" charset="0"/>
+                <a:cs typeface="Consolas" pitchFamily="49" charset="0"/>
+              </a:endParaRPr>
+            </a:p>
+          </p:txBody>
+        </p:sp>
+        <p:sp>
+          <p:nvSpPr>
+            <p:cNvPr id="16" name="Rectangle 15"/>
+            <p:cNvSpPr/>
+            <p:nvPr/>
+          </p:nvSpPr>
+          <p:spPr>
+            <a:xfrm>
+              <a:off x="7391400" y="3124200"/>
+              <a:ext cx="609600" cy="990600"/>
+            </a:xfrm>
+            <a:prstGeom prst="rect">
+              <a:avLst/>
+            </a:prstGeom>
+            <a:gradFill flip="none" rotWithShape="1">
+              <a:gsLst>
+                <a:gs pos="0">
+                  <a:schemeClr val="accent2">
+                    <a:lumMod val="75000"/>
+                  </a:schemeClr>
+                </a:gs>
+                <a:gs pos="100000">
+                  <a:schemeClr val="accent2">
+                    <a:lumMod val="40000"/>
+                    <a:lumOff val="60000"/>
+                  </a:schemeClr>
+                </a:gs>
+                <a:gs pos="100000">
+                  <a:schemeClr val="accent1">
+                    <a:tint val="23500"/>
+                    <a:satMod val="160000"/>
+                  </a:schemeClr>
+                </a:gs>
+              </a:gsLst>
+              <a:lin ang="0" scaled="1"/>
+              <a:tileRect/>
+            </a:gradFill>
+            <a:ln>
+              <a:gradFill flip="none" rotWithShape="1">
+                <a:gsLst>
+                  <a:gs pos="0">
+                    <a:schemeClr val="accent2">
+                      <a:lumMod val="50000"/>
+                    </a:schemeClr>
+                  </a:gs>
+                  <a:gs pos="50000">
+                    <a:schemeClr val="accent2">
+                      <a:lumMod val="75000"/>
+                    </a:schemeClr>
+                  </a:gs>
+                  <a:gs pos="100000">
+                    <a:schemeClr val="accent2">
+                      <a:lumMod val="60000"/>
+                      <a:lumOff val="40000"/>
+                    </a:schemeClr>
+                  </a:gs>
+                </a:gsLst>
+                <a:lin ang="0" scaled="1"/>
+                <a:tileRect/>
+              </a:gradFill>
+            </a:ln>
+          </p:spPr>
+          <p:style>
+            <a:lnRef idx="2">
+              <a:schemeClr val="accent1">
+                <a:shade val="50000"/>
+              </a:schemeClr>
+            </a:lnRef>
+            <a:fillRef idx="1">
+              <a:schemeClr val="accent1"/>
+            </a:fillRef>
+            <a:effectRef idx="0">
+              <a:schemeClr val="accent1"/>
+            </a:effectRef>
+            <a:fontRef idx="minor">
+              <a:schemeClr val="lt1"/>
+            </a:fontRef>
+          </p:style>
+          <p:txBody>
+            <a:bodyPr rtlCol="0" anchor="ctr"/>
+            <a:lstStyle/>
+            <a:p>
+              <a:pPr algn="ctr"/>
+              <a:r>
+                <a:rPr lang="en-US" dirty="0" smtClean="0">
+                  <a:latin typeface="Consolas" pitchFamily="49" charset="0"/>
+                  <a:cs typeface="Consolas" pitchFamily="49" charset="0"/>
+                </a:rPr>
+                <a:t>APR</a:t>
+              </a:r>
+              <a:endParaRPr lang="en-US" dirty="0">
+                <a:latin typeface="Consolas" pitchFamily="49" charset="0"/>
+                <a:cs typeface="Consolas" pitchFamily="49" charset="0"/>
+              </a:endParaRPr>
+            </a:p>
+          </p:txBody>
+        </p:sp>
+        <p:sp>
+          <p:nvSpPr>
+            <p:cNvPr id="22" name="Rectangle 21"/>
+            <p:cNvSpPr/>
+            <p:nvPr/>
+          </p:nvSpPr>
+          <p:spPr>
+            <a:xfrm>
+              <a:off x="1752600" y="2368670"/>
+              <a:ext cx="1600200" cy="533400"/>
+            </a:xfrm>
+            <a:prstGeom prst="rect">
+              <a:avLst/>
+            </a:prstGeom>
+            <a:noFill/>
+            <a:ln>
+              <a:noFill/>
+            </a:ln>
+          </p:spPr>
+          <p:style>
+            <a:lnRef idx="2">
+              <a:schemeClr val="accent1">
+                <a:shade val="50000"/>
+              </a:schemeClr>
+            </a:lnRef>
+            <a:fillRef idx="1">
+              <a:schemeClr val="accent1"/>
+            </a:fillRef>
+            <a:effectRef idx="0">
+              <a:schemeClr val="accent1"/>
+            </a:effectRef>
+            <a:fontRef idx="minor">
+              <a:schemeClr val="lt1"/>
+            </a:fontRef>
+          </p:style>
+          <p:txBody>
+            <a:bodyPr rtlCol="0" anchor="ctr"/>
+            <a:lstStyle/>
+            <a:p>
+              <a:pPr algn="ctr"/>
+              <a:r>
+                <a:rPr lang="en-US" sz="2400" b="1" dirty="0" smtClean="0">
+                  <a:solidFill>
+                    <a:schemeClr val="tx2">
+                      <a:lumMod val="75000"/>
+                    </a:schemeClr>
+                  </a:solidFill>
+                  <a:latin typeface="Consolas" pitchFamily="49" charset="0"/>
+                  <a:cs typeface="Consolas" pitchFamily="49" charset="0"/>
+                </a:rPr>
+                <a:t>2012 WY</a:t>
+              </a:r>
+              <a:endParaRPr lang="en-US" sz="2400" b="1" dirty="0">
+                <a:solidFill>
+                  <a:schemeClr val="tx2">
+                    <a:lumMod val="75000"/>
+                  </a:schemeClr>
+                </a:solidFill>
+                <a:latin typeface="Consolas" pitchFamily="49" charset="0"/>
+                <a:cs typeface="Consolas" pitchFamily="49" charset="0"/>
+              </a:endParaRPr>
+            </a:p>
+          </p:txBody>
+        </p:sp>
+        <p:sp>
+          <p:nvSpPr>
+            <p:cNvPr id="23" name="Rectangle 22"/>
+            <p:cNvSpPr/>
+            <p:nvPr/>
+          </p:nvSpPr>
+          <p:spPr>
+            <a:xfrm>
+              <a:off x="4648200" y="2368670"/>
+              <a:ext cx="1600200" cy="533400"/>
+            </a:xfrm>
+            <a:prstGeom prst="rect">
+              <a:avLst/>
+            </a:prstGeom>
+            <a:noFill/>
+            <a:ln>
+              <a:noFill/>
+            </a:ln>
+          </p:spPr>
+          <p:style>
+            <a:lnRef idx="2">
+              <a:schemeClr val="accent1">
+                <a:shade val="50000"/>
+              </a:schemeClr>
+            </a:lnRef>
+            <a:fillRef idx="1">
+              <a:schemeClr val="accent1"/>
+            </a:fillRef>
+            <a:effectRef idx="0">
+              <a:schemeClr val="accent1"/>
+            </a:effectRef>
+            <a:fontRef idx="minor">
+              <a:schemeClr val="lt1"/>
+            </a:fontRef>
+          </p:style>
+          <p:txBody>
+            <a:bodyPr rtlCol="0" anchor="ctr"/>
+            <a:lstStyle/>
+            <a:p>
+              <a:pPr algn="ctr"/>
+              <a:r>
+                <a:rPr lang="en-US" sz="2400" b="1" dirty="0" smtClean="0">
+                  <a:solidFill>
+                    <a:schemeClr val="tx2">
+                      <a:lumMod val="75000"/>
+                    </a:schemeClr>
+                  </a:solidFill>
+                  <a:latin typeface="Consolas" pitchFamily="49" charset="0"/>
+                  <a:cs typeface="Consolas" pitchFamily="49" charset="0"/>
+                </a:rPr>
+                <a:t>2013 WY</a:t>
+              </a:r>
+              <a:endParaRPr lang="en-US" sz="2400" b="1" dirty="0">
+                <a:solidFill>
+                  <a:schemeClr val="tx2">
+                    <a:lumMod val="75000"/>
+                  </a:schemeClr>
+                </a:solidFill>
+                <a:latin typeface="Consolas" pitchFamily="49" charset="0"/>
+                <a:cs typeface="Consolas" pitchFamily="49" charset="0"/>
+              </a:endParaRPr>
+            </a:p>
+          </p:txBody>
+        </p:sp>
+        <p:sp>
+          <p:nvSpPr>
+            <p:cNvPr id="25" name="Rectangle 24"/>
+            <p:cNvSpPr/>
+            <p:nvPr/>
+          </p:nvSpPr>
+          <p:spPr>
+            <a:xfrm>
+              <a:off x="1066800" y="4343400"/>
+              <a:ext cx="2590800" cy="533400"/>
+            </a:xfrm>
+            <a:prstGeom prst="rect">
+              <a:avLst/>
+            </a:prstGeom>
+            <a:noFill/>
+            <a:ln>
+              <a:noFill/>
+            </a:ln>
+          </p:spPr>
+          <p:style>
+            <a:lnRef idx="2">
+              <a:schemeClr val="accent1">
+                <a:shade val="50000"/>
+              </a:schemeClr>
+            </a:lnRef>
+            <a:fillRef idx="1">
+              <a:schemeClr val="accent1"/>
+            </a:fillRef>
+            <a:effectRef idx="0">
+              <a:schemeClr val="accent1"/>
+            </a:effectRef>
+            <a:fontRef idx="minor">
+              <a:schemeClr val="lt1"/>
+            </a:fontRef>
+          </p:style>
+          <p:txBody>
+            <a:bodyPr rtlCol="0" anchor="ctr"/>
+            <a:lstStyle/>
+            <a:p>
+              <a:pPr algn="ctr"/>
+              <a:r>
+                <a:rPr lang="en-US" sz="2000" b="1" dirty="0" smtClean="0">
+                  <a:solidFill>
+                    <a:schemeClr val="tx2">
+                      <a:lumMod val="75000"/>
+                    </a:schemeClr>
+                  </a:solidFill>
+                  <a:latin typeface="Consolas" pitchFamily="49" charset="0"/>
+                  <a:cs typeface="Consolas" pitchFamily="49" charset="0"/>
+                </a:rPr>
+                <a:t>Observed Data</a:t>
+              </a:r>
+              <a:endParaRPr lang="en-US" sz="2000" b="1" dirty="0">
+                <a:solidFill>
+                  <a:schemeClr val="tx2">
+                    <a:lumMod val="75000"/>
+                  </a:schemeClr>
+                </a:solidFill>
+                <a:latin typeface="Consolas" pitchFamily="49" charset="0"/>
+                <a:cs typeface="Consolas" pitchFamily="49" charset="0"/>
+              </a:endParaRPr>
+            </a:p>
+          </p:txBody>
+        </p:sp>
+        <p:sp>
+          <p:nvSpPr>
+            <p:cNvPr id="28" name="Rectangle 27"/>
+            <p:cNvSpPr/>
+            <p:nvPr/>
+          </p:nvSpPr>
+          <p:spPr>
+            <a:xfrm>
+              <a:off x="3738112" y="4352026"/>
+              <a:ext cx="4339088" cy="533400"/>
+            </a:xfrm>
+            <a:prstGeom prst="rect">
+              <a:avLst/>
+            </a:prstGeom>
+            <a:noFill/>
+            <a:ln>
+              <a:noFill/>
+            </a:ln>
+          </p:spPr>
+          <p:style>
+            <a:lnRef idx="2">
+              <a:schemeClr val="accent1">
+                <a:shade val="50000"/>
+              </a:schemeClr>
+            </a:lnRef>
+            <a:fillRef idx="1">
+              <a:schemeClr val="accent1"/>
+            </a:fillRef>
+            <a:effectRef idx="0">
+              <a:schemeClr val="accent1"/>
+            </a:effectRef>
+            <a:fontRef idx="minor">
+              <a:schemeClr val="lt1"/>
+            </a:fontRef>
+          </p:style>
+          <p:txBody>
+            <a:bodyPr rtlCol="0" anchor="ctr"/>
+            <a:lstStyle/>
+            <a:p>
+              <a:pPr algn="ctr"/>
+              <a:r>
+                <a:rPr lang="en-US" sz="2000" b="1" dirty="0" smtClean="0">
+                  <a:solidFill>
+                    <a:schemeClr val="tx2">
+                      <a:lumMod val="75000"/>
+                    </a:schemeClr>
+                  </a:solidFill>
+                  <a:latin typeface="Consolas" pitchFamily="49" charset="0"/>
+                  <a:cs typeface="Consolas" pitchFamily="49" charset="0"/>
+                </a:rPr>
+                <a:t>Simulated/Forecasted Data</a:t>
+              </a:r>
+              <a:endParaRPr lang="en-US" sz="2000" b="1" dirty="0">
+                <a:solidFill>
+                  <a:schemeClr val="tx2">
+                    <a:lumMod val="75000"/>
+                  </a:schemeClr>
+                </a:solidFill>
+                <a:latin typeface="Consolas" pitchFamily="49" charset="0"/>
+                <a:cs typeface="Consolas" pitchFamily="49" charset="0"/>
+              </a:endParaRPr>
+            </a:p>
+          </p:txBody>
+        </p:sp>
+        <p:sp>
+          <p:nvSpPr>
+            <p:cNvPr id="29" name="Rectangle 28"/>
+            <p:cNvSpPr/>
+            <p:nvPr/>
+          </p:nvSpPr>
+          <p:spPr>
+            <a:xfrm>
+              <a:off x="6781800" y="3124200"/>
+              <a:ext cx="609600" cy="990600"/>
+            </a:xfrm>
+            <a:prstGeom prst="rect">
+              <a:avLst/>
+            </a:prstGeom>
+            <a:solidFill>
+              <a:schemeClr val="accent2">
+                <a:lumMod val="75000"/>
+              </a:schemeClr>
+            </a:solidFill>
+            <a:ln>
+              <a:solidFill>
+                <a:schemeClr val="accent2">
+                  <a:lumMod val="50000"/>
+                </a:schemeClr>
+              </a:solidFill>
+            </a:ln>
+          </p:spPr>
+          <p:style>
+            <a:lnRef idx="2">
+              <a:schemeClr val="accent1">
+                <a:shade val="50000"/>
+              </a:schemeClr>
+            </a:lnRef>
+            <a:fillRef idx="1">
+              <a:schemeClr val="accent1"/>
+            </a:fillRef>
+            <a:effectRef idx="0">
+              <a:schemeClr val="accent1"/>
+            </a:effectRef>
+            <a:fontRef idx="minor">
+              <a:schemeClr val="lt1"/>
+            </a:fontRef>
+          </p:style>
+          <p:txBody>
+            <a:bodyPr rtlCol="0" anchor="ctr"/>
+            <a:lstStyle/>
+            <a:p>
+              <a:pPr algn="ctr"/>
+              <a:r>
+                <a:rPr lang="en-US" dirty="0" smtClean="0">
+                  <a:latin typeface="Consolas" pitchFamily="49" charset="0"/>
+                  <a:cs typeface="Consolas" pitchFamily="49" charset="0"/>
+                </a:rPr>
+                <a:t>MAR</a:t>
+              </a:r>
+              <a:endParaRPr lang="en-US" dirty="0">
+                <a:latin typeface="Consolas" pitchFamily="49" charset="0"/>
+                <a:cs typeface="Consolas" pitchFamily="49" charset="0"/>
+              </a:endParaRPr>
+            </a:p>
+          </p:txBody>
+        </p:sp>
+      </p:grpSp>
+    </p:spTree>
+    <p:extLst>
+      <p:ext uri="{BB962C8B-B14F-4D97-AF65-F5344CB8AC3E}">
+        <p14:creationId xmlns:p14="http://schemas.microsoft.com/office/powerpoint/2010/main" val="2531501347"/>
+      </p:ext>
+    </p:extLst>
+  </p:cSld>
+  <p:clrMapOvr>
+    <a:masterClrMapping/>
+  </p:clrMapOvr>
+</p:sld>
+</file>
+
+<file path=ppt/slides/slide3.xml><?xml version="1.0" encoding="utf-8"?>
+<p:sld xmlns:a="http://schemas.openxmlformats.org/drawingml/2006/main" xmlns:r="http://schemas.openxmlformats.org/officeDocument/2006/relationships" xmlns:p="http://schemas.openxmlformats.org/presentationml/2006/main">
+  <p:cSld>
+    <p:spTree>
+      <p:nvGrpSpPr>
+        <p:cNvPr id="1" name=""/>
+        <p:cNvGrpSpPr/>
+        <p:nvPr/>
+      </p:nvGrpSpPr>
+      <p:grpSpPr>
+        <a:xfrm>
+          <a:off x="0" y="0"/>
+          <a:ext cx="0" cy="0"/>
+          <a:chOff x="0" y="0"/>
+          <a:chExt cx="0" cy="0"/>
+        </a:xfrm>
+      </p:grpSpPr>
+      <p:sp>
+        <p:nvSpPr>
+          <p:cNvPr id="2" name="Title 1"/>
+          <p:cNvSpPr>
+            <a:spLocks noGrp="1"/>
+          </p:cNvSpPr>
+          <p:nvPr>
+            <p:ph type="title"/>
+          </p:nvPr>
+        </p:nvSpPr>
+        <p:spPr/>
+        <p:txBody>
           <a:bodyPr/>
           <a:lstStyle/>
           <a:p>
@@ -3203,10 +4290,84 @@
         </p:nvSpPr>
         <p:spPr/>
         <p:txBody>
-          <a:bodyPr/>
-          <a:lstStyle/>
-          <a:p>
-            <a:endParaRPr lang="en-US"/>
+          <a:bodyPr>
+            <a:normAutofit fontScale="92500"/>
+          </a:bodyPr>
+          <a:lstStyle/>
+          <a:p>
+            <a:r>
+              <a:rPr lang="en-US" sz="2800" dirty="0" smtClean="0"/>
+              <a:t>Step </a:t>
+            </a:r>
+            <a:r>
+              <a:rPr lang="en-US" sz="2800" dirty="0"/>
+              <a:t>1. Provide initial data for decision variables. See .\Run\DSS\CL_INIT_2012.</a:t>
+            </a:r>
+            <a:r>
+              <a:rPr lang="en-US" sz="2800" u="sng" dirty="0"/>
+              <a:t>dss</a:t>
+            </a:r>
+          </a:p>
+          <a:p>
+            <a:r>
+              <a:rPr lang="en-US" sz="2800" dirty="0" smtClean="0"/>
+              <a:t>Step </a:t>
+            </a:r>
+            <a:r>
+              <a:rPr lang="en-US" sz="2800" dirty="0"/>
+              <a:t>2. Provide 2012 annual requests data in this table: \Run\Lookup\PA_Base_D1641_Existing\</a:t>
+            </a:r>
+            <a:r>
+              <a:rPr lang="en-US" sz="2800" dirty="0" err="1"/>
+              <a:t>AnnualReqDel_swp.table</a:t>
+            </a:r>
+            <a:endParaRPr lang="en-US" sz="2800" dirty="0"/>
+          </a:p>
+          <a:p>
+            <a:r>
+              <a:rPr lang="en-US" sz="2800" dirty="0" smtClean="0"/>
+              <a:t>Step </a:t>
+            </a:r>
+            <a:r>
+              <a:rPr lang="en-US" sz="2800" dirty="0"/>
+              <a:t>3. Enter data in the following "User Input" section</a:t>
+            </a:r>
+          </a:p>
+          <a:p>
+            <a:r>
+              <a:rPr lang="en-US" sz="2800" dirty="0" smtClean="0"/>
+              <a:t>Step </a:t>
+            </a:r>
+            <a:r>
+              <a:rPr lang="en-US" sz="2800" dirty="0"/>
+              <a:t>4. Open a command prompt and type </a:t>
+            </a:r>
+            <a:r>
+              <a:rPr lang="en-US" sz="2800" dirty="0"/>
+              <a:t>"</a:t>
+            </a:r>
+            <a:r>
+              <a:rPr lang="en-US" sz="2800" dirty="0" err="1"/>
+              <a:t>vscript</a:t>
+            </a:r>
+            <a:r>
+              <a:rPr lang="en-US" sz="2800" dirty="0"/>
+              <a:t> example_positionAnalysis.py"</a:t>
+            </a:r>
+            <a:endParaRPr lang="en-US" sz="2800" u="sng" dirty="0"/>
+          </a:p>
+          <a:p>
+            <a:r>
+              <a:rPr lang="en-US" sz="2800" dirty="0" smtClean="0"/>
+              <a:t>Step </a:t>
+            </a:r>
+            <a:r>
+              <a:rPr lang="en-US" sz="2800" dirty="0"/>
+              <a:t>5. A batch file named "CalLitePA_demo.bat" will be generated. Double click this batch file to run the project.</a:t>
+            </a:r>
+          </a:p>
+          <a:p>
+            <a:endParaRPr lang="en-US" dirty="0"/>
           </a:p>
         </p:txBody>
       </p:sp>

--- a/wrims2_vscript/doc/Position Analysis with CalLite.pptx
+++ b/wrims2_vscript/doc/Position Analysis with CalLite.pptx
@@ -7,7 +7,17 @@
   <p:sldIdLst>
     <p:sldId id="256" r:id="rId2"/>
     <p:sldId id="258" r:id="rId3"/>
-    <p:sldId id="257" r:id="rId4"/>
+    <p:sldId id="264" r:id="rId4"/>
+    <p:sldId id="272" r:id="rId5"/>
+    <p:sldId id="267" r:id="rId6"/>
+    <p:sldId id="270" r:id="rId7"/>
+    <p:sldId id="269" r:id="rId8"/>
+    <p:sldId id="271" r:id="rId9"/>
+    <p:sldId id="273" r:id="rId10"/>
+    <p:sldId id="257" r:id="rId11"/>
+    <p:sldId id="265" r:id="rId12"/>
+    <p:sldId id="259" r:id="rId13"/>
+    <p:sldId id="261" r:id="rId14"/>
   </p:sldIdLst>
   <p:sldSz cx="9144000" cy="6858000" type="screen4x3"/>
   <p:notesSz cx="6858000" cy="9144000"/>
@@ -3136,10 +3146,28 @@
         </p:nvSpPr>
         <p:spPr/>
         <p:txBody>
-          <a:bodyPr/>
+          <a:bodyPr>
+            <a:normAutofit/>
+          </a:bodyPr>
           <a:lstStyle/>
           <a:p>
-            <a:endParaRPr lang="en-US"/>
+            <a:r>
+              <a:rPr lang="en-US" sz="3000" dirty="0" smtClean="0"/>
+              <a:t>Kevin, </a:t>
+            </a:r>
+            <a:r>
+              <a:rPr lang="en-US" sz="3000" dirty="0" err="1" smtClean="0"/>
+              <a:t>Messele</a:t>
+            </a:r>
+            <a:r>
+              <a:rPr lang="en-US" sz="3000" dirty="0"/>
+              <a:t>, </a:t>
+            </a:r>
+            <a:r>
+              <a:rPr lang="en-US" sz="3000" dirty="0" smtClean="0"/>
+              <a:t>En-Ching, Erik, Nazrul</a:t>
+            </a:r>
+            <a:endParaRPr lang="en-US" sz="3000" dirty="0"/>
           </a:p>
         </p:txBody>
       </p:sp>
@@ -3156,7 +3184,145 @@
 </p:sld>
 </file>
 
-<file path=ppt/slides/slide2.xml><?xml version="1.0" encoding="utf-8"?>
+<file path=ppt/slides/slide10.xml><?xml version="1.0" encoding="utf-8"?>
+<p:sld xmlns:a="http://schemas.openxmlformats.org/drawingml/2006/main" xmlns:r="http://schemas.openxmlformats.org/officeDocument/2006/relationships" xmlns:p="http://schemas.openxmlformats.org/presentationml/2006/main">
+  <p:cSld>
+    <p:spTree>
+      <p:nvGrpSpPr>
+        <p:cNvPr id="1" name=""/>
+        <p:cNvGrpSpPr/>
+        <p:nvPr/>
+      </p:nvGrpSpPr>
+      <p:grpSpPr>
+        <a:xfrm>
+          <a:off x="0" y="0"/>
+          <a:ext cx="0" cy="0"/>
+          <a:chOff x="0" y="0"/>
+          <a:chExt cx="0" cy="0"/>
+        </a:xfrm>
+      </p:grpSpPr>
+      <p:sp>
+        <p:nvSpPr>
+          <p:cNvPr id="2" name="Title 1"/>
+          <p:cNvSpPr>
+            <a:spLocks noGrp="1"/>
+          </p:cNvSpPr>
+          <p:nvPr>
+            <p:ph type="title"/>
+          </p:nvPr>
+        </p:nvSpPr>
+        <p:spPr/>
+        <p:txBody>
+          <a:bodyPr/>
+          <a:lstStyle/>
+          <a:p>
+            <a:endParaRPr lang="en-US"/>
+          </a:p>
+        </p:txBody>
+      </p:sp>
+      <p:sp>
+        <p:nvSpPr>
+          <p:cNvPr id="3" name="Content Placeholder 2"/>
+          <p:cNvSpPr>
+            <a:spLocks noGrp="1"/>
+          </p:cNvSpPr>
+          <p:nvPr>
+            <p:ph idx="1"/>
+          </p:nvPr>
+        </p:nvSpPr>
+        <p:spPr/>
+        <p:txBody>
+          <a:bodyPr>
+            <a:normAutofit fontScale="92500"/>
+          </a:bodyPr>
+          <a:lstStyle/>
+          <a:p>
+            <a:r>
+              <a:rPr lang="en-US" sz="2800" dirty="0" smtClean="0"/>
+              <a:t>Step </a:t>
+            </a:r>
+            <a:r>
+              <a:rPr lang="en-US" sz="2800" dirty="0"/>
+              <a:t>1. Provide initial data for decision variables. See .\Run\DSS\CL_INIT_2012.</a:t>
+            </a:r>
+            <a:r>
+              <a:rPr lang="en-US" sz="2800" u="sng" dirty="0"/>
+              <a:t>dss</a:t>
+            </a:r>
+          </a:p>
+          <a:p>
+            <a:r>
+              <a:rPr lang="en-US" sz="2800" dirty="0" smtClean="0"/>
+              <a:t>Step </a:t>
+            </a:r>
+            <a:r>
+              <a:rPr lang="en-US" sz="2800" dirty="0"/>
+              <a:t>2. Provide 2012 annual requests data in this table: \Run\Lookup\PA_Base_D1641_Existing\</a:t>
+            </a:r>
+            <a:r>
+              <a:rPr lang="en-US" sz="2800" dirty="0" err="1"/>
+              <a:t>AnnualReqDel_swp.table</a:t>
+            </a:r>
+            <a:endParaRPr lang="en-US" sz="2800" dirty="0"/>
+          </a:p>
+          <a:p>
+            <a:r>
+              <a:rPr lang="en-US" sz="2800" dirty="0" smtClean="0"/>
+              <a:t>Step </a:t>
+            </a:r>
+            <a:r>
+              <a:rPr lang="en-US" sz="2800" dirty="0"/>
+              <a:t>3. Enter data in the following "User Input" section</a:t>
+            </a:r>
+          </a:p>
+          <a:p>
+            <a:r>
+              <a:rPr lang="en-US" sz="2800" dirty="0" smtClean="0"/>
+              <a:t>Step </a:t>
+            </a:r>
+            <a:r>
+              <a:rPr lang="en-US" sz="2800" dirty="0"/>
+              <a:t>4. Open a command prompt and type "</a:t>
+            </a:r>
+            <a:r>
+              <a:rPr lang="en-US" sz="2800" dirty="0" err="1"/>
+              <a:t>vscript</a:t>
+            </a:r>
+            <a:r>
+              <a:rPr lang="en-US" sz="2800" dirty="0"/>
+              <a:t> example_positionAnalysis.py"</a:t>
+            </a:r>
+            <a:endParaRPr lang="en-US" sz="2800" u="sng" dirty="0"/>
+          </a:p>
+          <a:p>
+            <a:r>
+              <a:rPr lang="en-US" sz="2800" dirty="0" smtClean="0"/>
+              <a:t>Step </a:t>
+            </a:r>
+            <a:r>
+              <a:rPr lang="en-US" sz="2800" dirty="0"/>
+              <a:t>5. A batch file named "CalLitePA_demo.bat" will be generated. Double click this batch file to run the project.</a:t>
+            </a:r>
+          </a:p>
+          <a:p>
+            <a:endParaRPr lang="en-US" dirty="0"/>
+          </a:p>
+        </p:txBody>
+      </p:sp>
+    </p:spTree>
+    <p:extLst>
+      <p:ext uri="{BB962C8B-B14F-4D97-AF65-F5344CB8AC3E}">
+        <p14:creationId xmlns:p14="http://schemas.microsoft.com/office/powerpoint/2010/main" val="1959426926"/>
+      </p:ext>
+    </p:extLst>
+  </p:cSld>
+  <p:clrMapOvr>
+    <a:masterClrMapping/>
+  </p:clrMapOvr>
+</p:sld>
+</file>
+
+<file path=ppt/slides/slide11.xml><?xml version="1.0" encoding="utf-8"?>
 <p:sld xmlns:a="http://schemas.openxmlformats.org/drawingml/2006/main" xmlns:r="http://schemas.openxmlformats.org/officeDocument/2006/relationships" xmlns:p="http://schemas.openxmlformats.org/presentationml/2006/main">
   <p:cSld>
     <p:spTree>
@@ -3202,58 +3368,62 @@
           </a:p>
         </p:txBody>
       </p:sp>
+      <p:cxnSp>
+        <p:nvCxnSpPr>
+          <p:cNvPr id="27" name="Straight Connector 26"/>
+          <p:cNvCxnSpPr>
+            <a:stCxn id="11" idx="1"/>
+            <a:endCxn id="4" idx="3"/>
+          </p:cNvCxnSpPr>
+          <p:nvPr/>
+        </p:nvCxnSpPr>
+        <p:spPr>
+          <a:xfrm flipH="1">
+            <a:off x="3355963" y="3351923"/>
+            <a:ext cx="682637" cy="62167"/>
+          </a:xfrm>
+          <a:prstGeom prst="line">
+            <a:avLst/>
+          </a:prstGeom>
+          <a:ln w="22225" cmpd="sng">
+            <a:solidFill>
+              <a:schemeClr val="bg1">
+                <a:lumMod val="50000"/>
+              </a:schemeClr>
+            </a:solidFill>
+            <a:prstDash val="sysDash"/>
+            <a:tailEnd type="none"/>
+          </a:ln>
+        </p:spPr>
+        <p:style>
+          <a:lnRef idx="1">
+            <a:schemeClr val="accent1"/>
+          </a:lnRef>
+          <a:fillRef idx="0">
+            <a:schemeClr val="accent1"/>
+          </a:fillRef>
+          <a:effectRef idx="0">
+            <a:schemeClr val="accent1"/>
+          </a:effectRef>
+          <a:fontRef idx="minor">
+            <a:schemeClr val="tx1"/>
+          </a:fontRef>
+        </p:style>
+      </p:cxnSp>
       <p:grpSp>
         <p:nvGrpSpPr>
-          <p:cNvPr id="31" name="Group 30"/>
+          <p:cNvPr id="18" name="Group 17"/>
           <p:cNvGrpSpPr/>
           <p:nvPr/>
         </p:nvGrpSpPr>
         <p:grpSpPr>
           <a:xfrm>
-            <a:off x="1066800" y="2286000"/>
-            <a:ext cx="7010400" cy="2743200"/>
-            <a:chOff x="1066800" y="2286000"/>
-            <a:chExt cx="7010400" cy="2743200"/>
+            <a:off x="429883" y="3033090"/>
+            <a:ext cx="2926080" cy="762000"/>
+            <a:chOff x="554966" y="3344921"/>
+            <a:chExt cx="2926080" cy="1150879"/>
           </a:xfrm>
         </p:grpSpPr>
-        <p:cxnSp>
-          <p:nvCxnSpPr>
-            <p:cNvPr id="27" name="Straight Connector 26"/>
-            <p:cNvCxnSpPr/>
-            <p:nvPr/>
-          </p:nvCxnSpPr>
-          <p:spPr>
-            <a:xfrm>
-              <a:off x="3733800" y="2286000"/>
-              <a:ext cx="0" cy="2743200"/>
-            </a:xfrm>
-            <a:prstGeom prst="line">
-              <a:avLst/>
-            </a:prstGeom>
-            <a:ln w="22225">
-              <a:solidFill>
-                <a:schemeClr val="accent1">
-                  <a:lumMod val="50000"/>
-                </a:schemeClr>
-              </a:solidFill>
-              <a:prstDash val="sysDash"/>
-            </a:ln>
-          </p:spPr>
-          <p:style>
-            <a:lnRef idx="1">
-              <a:schemeClr val="accent1"/>
-            </a:lnRef>
-            <a:fillRef idx="0">
-              <a:schemeClr val="accent1"/>
-            </a:fillRef>
-            <a:effectRef idx="0">
-              <a:schemeClr val="accent1"/>
-            </a:effectRef>
-            <a:fontRef idx="minor">
-              <a:schemeClr val="tx1"/>
-            </a:fontRef>
-          </p:style>
-        </p:cxnSp>
         <p:sp>
           <p:nvSpPr>
             <p:cNvPr id="4" name="Rectangle 3"/>
@@ -3262,8 +3432,8 @@
           </p:nvSpPr>
           <p:spPr>
             <a:xfrm>
-              <a:off x="3124200" y="3124200"/>
-              <a:ext cx="609600" cy="990600"/>
+              <a:off x="2749526" y="3344921"/>
+              <a:ext cx="731520" cy="1150879"/>
             </a:xfrm>
             <a:prstGeom prst="rect">
               <a:avLst/>
@@ -3290,14 +3460,7 @@
             <a:lstStyle/>
             <a:p>
               <a:pPr algn="ctr"/>
-              <a:r>
-                <a:rPr lang="en-US" dirty="0" smtClean="0">
-                  <a:latin typeface="Consolas" pitchFamily="49" charset="0"/>
-                  <a:cs typeface="Consolas" pitchFamily="49" charset="0"/>
-                </a:rPr>
-                <a:t>SEP</a:t>
-              </a:r>
-              <a:endParaRPr lang="en-US" dirty="0">
+              <a:endParaRPr lang="en-US" sz="2200" dirty="0">
                 <a:latin typeface="Consolas" pitchFamily="49" charset="0"/>
                 <a:cs typeface="Consolas" pitchFamily="49" charset="0"/>
               </a:endParaRPr>
@@ -3312,8 +3475,8 @@
           </p:nvSpPr>
           <p:spPr>
             <a:xfrm>
-              <a:off x="2514600" y="3124200"/>
-              <a:ext cx="609600" cy="990600"/>
+              <a:off x="2018006" y="3344921"/>
+              <a:ext cx="731520" cy="1150879"/>
             </a:xfrm>
             <a:prstGeom prst="rect">
               <a:avLst/>
@@ -3340,14 +3503,7 @@
             <a:lstStyle/>
             <a:p>
               <a:pPr algn="ctr"/>
-              <a:r>
-                <a:rPr lang="en-US" dirty="0" smtClean="0">
-                  <a:latin typeface="Consolas" pitchFamily="49" charset="0"/>
-                  <a:cs typeface="Consolas" pitchFamily="49" charset="0"/>
-                </a:rPr>
-                <a:t>AUG</a:t>
-              </a:r>
-              <a:endParaRPr lang="en-US" dirty="0">
+              <a:endParaRPr lang="en-US" sz="2200" dirty="0">
                 <a:latin typeface="Consolas" pitchFamily="49" charset="0"/>
                 <a:cs typeface="Consolas" pitchFamily="49" charset="0"/>
               </a:endParaRPr>
@@ -3362,8 +3518,8 @@
           </p:nvSpPr>
           <p:spPr>
             <a:xfrm>
-              <a:off x="1905000" y="3124200"/>
-              <a:ext cx="609600" cy="990600"/>
+              <a:off x="1286486" y="3344921"/>
+              <a:ext cx="731520" cy="1150879"/>
             </a:xfrm>
             <a:prstGeom prst="rect">
               <a:avLst/>
@@ -3390,14 +3546,7 @@
             <a:lstStyle/>
             <a:p>
               <a:pPr algn="ctr"/>
-              <a:r>
-                <a:rPr lang="en-US" dirty="0" smtClean="0">
-                  <a:latin typeface="Consolas" pitchFamily="49" charset="0"/>
-                  <a:cs typeface="Consolas" pitchFamily="49" charset="0"/>
-                </a:rPr>
-                <a:t>JUL</a:t>
-              </a:r>
-              <a:endParaRPr lang="en-US" dirty="0">
+              <a:endParaRPr lang="en-US" sz="2200" dirty="0">
                 <a:latin typeface="Consolas" pitchFamily="49" charset="0"/>
                 <a:cs typeface="Consolas" pitchFamily="49" charset="0"/>
               </a:endParaRPr>
@@ -3412,8 +3561,8 @@
           </p:nvSpPr>
           <p:spPr>
             <a:xfrm>
-              <a:off x="1295400" y="3124200"/>
-              <a:ext cx="609600" cy="990600"/>
+              <a:off x="554966" y="3344921"/>
+              <a:ext cx="731520" cy="1150879"/>
             </a:xfrm>
             <a:prstGeom prst="rect">
               <a:avLst/>
@@ -3427,10 +3576,7 @@
                   </a:schemeClr>
                 </a:gs>
                 <a:gs pos="100000">
-                  <a:schemeClr val="tx2">
-                    <a:lumMod val="60000"/>
-                    <a:lumOff val="40000"/>
-                  </a:schemeClr>
+                  <a:schemeClr val="accent1"/>
                 </a:gs>
                 <a:gs pos="100000">
                   <a:schemeClr val="accent1">
@@ -3489,20 +3635,210 @@
             <a:lstStyle/>
             <a:p>
               <a:pPr algn="ctr"/>
-              <a:r>
-                <a:rPr lang="en-US" dirty="0" smtClean="0">
-                  <a:latin typeface="Consolas" pitchFamily="49" charset="0"/>
-                  <a:cs typeface="Consolas" pitchFamily="49" charset="0"/>
-                </a:rPr>
-                <a:t>JUN</a:t>
-              </a:r>
-              <a:endParaRPr lang="en-US" dirty="0">
+              <a:endParaRPr lang="en-US" sz="2200" dirty="0">
                 <a:latin typeface="Consolas" pitchFamily="49" charset="0"/>
                 <a:cs typeface="Consolas" pitchFamily="49" charset="0"/>
               </a:endParaRPr>
             </a:p>
           </p:txBody>
         </p:sp>
+      </p:grpSp>
+      <p:sp>
+        <p:nvSpPr>
+          <p:cNvPr id="25" name="Rectangle 24"/>
+          <p:cNvSpPr/>
+          <p:nvPr/>
+        </p:nvSpPr>
+        <p:spPr>
+          <a:xfrm>
+            <a:off x="92302" y="2057400"/>
+            <a:ext cx="3601241" cy="768096"/>
+          </a:xfrm>
+          <a:prstGeom prst="rect">
+            <a:avLst/>
+          </a:prstGeom>
+          <a:noFill/>
+          <a:ln>
+            <a:noFill/>
+          </a:ln>
+        </p:spPr>
+        <p:style>
+          <a:lnRef idx="2">
+            <a:schemeClr val="accent1">
+              <a:shade val="50000"/>
+            </a:schemeClr>
+          </a:lnRef>
+          <a:fillRef idx="1">
+            <a:schemeClr val="accent1"/>
+          </a:fillRef>
+          <a:effectRef idx="0">
+            <a:schemeClr val="accent1"/>
+          </a:effectRef>
+          <a:fontRef idx="minor">
+            <a:schemeClr val="lt1"/>
+          </a:fontRef>
+        </p:style>
+        <p:txBody>
+          <a:bodyPr rtlCol="0" anchor="ctr"/>
+          <a:lstStyle/>
+          <a:p>
+            <a:pPr algn="ctr"/>
+            <a:r>
+              <a:rPr lang="en-US" sz="2400" b="1" dirty="0" smtClean="0">
+                <a:solidFill>
+                  <a:schemeClr val="tx2">
+                    <a:lumMod val="75000"/>
+                  </a:schemeClr>
+                </a:solidFill>
+                <a:latin typeface="Consolas" pitchFamily="49" charset="0"/>
+                <a:cs typeface="Consolas" pitchFamily="49" charset="0"/>
+              </a:rPr>
+              <a:t>Past Months </a:t>
+            </a:r>
+          </a:p>
+          <a:p>
+            <a:pPr algn="ctr"/>
+            <a:r>
+              <a:rPr lang="en-US" sz="2400" b="1" dirty="0" smtClean="0">
+                <a:solidFill>
+                  <a:schemeClr val="tx2">
+                    <a:lumMod val="75000"/>
+                  </a:schemeClr>
+                </a:solidFill>
+                <a:latin typeface="Consolas" pitchFamily="49" charset="0"/>
+                <a:cs typeface="Consolas" pitchFamily="49" charset="0"/>
+              </a:rPr>
+              <a:t>Observed </a:t>
+            </a:r>
+            <a:r>
+              <a:rPr lang="en-US" sz="2400" b="1" dirty="0" smtClean="0">
+                <a:solidFill>
+                  <a:schemeClr val="tx2">
+                    <a:lumMod val="75000"/>
+                  </a:schemeClr>
+                </a:solidFill>
+                <a:latin typeface="Consolas" pitchFamily="49" charset="0"/>
+                <a:cs typeface="Consolas" pitchFamily="49" charset="0"/>
+              </a:rPr>
+              <a:t>Data</a:t>
+            </a:r>
+            <a:endParaRPr lang="en-US" sz="2400" b="1" dirty="0">
+              <a:solidFill>
+                <a:schemeClr val="tx2">
+                  <a:lumMod val="75000"/>
+                </a:schemeClr>
+              </a:solidFill>
+              <a:latin typeface="Consolas" pitchFamily="49" charset="0"/>
+              <a:cs typeface="Consolas" pitchFamily="49" charset="0"/>
+            </a:endParaRPr>
+          </a:p>
+        </p:txBody>
+      </p:sp>
+      <p:sp>
+        <p:nvSpPr>
+          <p:cNvPr id="28" name="Rectangle 27"/>
+          <p:cNvSpPr/>
+          <p:nvPr/>
+        </p:nvSpPr>
+        <p:spPr>
+          <a:xfrm>
+            <a:off x="4145280" y="2057400"/>
+            <a:ext cx="4821880" cy="768096"/>
+          </a:xfrm>
+          <a:prstGeom prst="rect">
+            <a:avLst/>
+          </a:prstGeom>
+          <a:noFill/>
+          <a:ln>
+            <a:noFill/>
+          </a:ln>
+        </p:spPr>
+        <p:style>
+          <a:lnRef idx="2">
+            <a:schemeClr val="accent1">
+              <a:shade val="50000"/>
+            </a:schemeClr>
+          </a:lnRef>
+          <a:fillRef idx="1">
+            <a:schemeClr val="accent1"/>
+          </a:fillRef>
+          <a:effectRef idx="0">
+            <a:schemeClr val="accent1"/>
+          </a:effectRef>
+          <a:fontRef idx="minor">
+            <a:schemeClr val="lt1"/>
+          </a:fontRef>
+        </p:style>
+        <p:txBody>
+          <a:bodyPr rtlCol="0" anchor="ctr"/>
+          <a:lstStyle/>
+          <a:p>
+            <a:pPr algn="ctr"/>
+            <a:r>
+              <a:rPr lang="en-US" sz="2400" b="1" dirty="0" smtClean="0">
+                <a:solidFill>
+                  <a:schemeClr val="tx2">
+                    <a:lumMod val="75000"/>
+                  </a:schemeClr>
+                </a:solidFill>
+                <a:latin typeface="Consolas" pitchFamily="49" charset="0"/>
+                <a:cs typeface="Consolas" pitchFamily="49" charset="0"/>
+              </a:rPr>
+              <a:t>Future Months </a:t>
+            </a:r>
+          </a:p>
+          <a:p>
+            <a:pPr algn="ctr"/>
+            <a:r>
+              <a:rPr lang="en-US" sz="2400" b="1" dirty="0" smtClean="0">
+                <a:solidFill>
+                  <a:schemeClr val="tx2">
+                    <a:lumMod val="75000"/>
+                  </a:schemeClr>
+                </a:solidFill>
+                <a:latin typeface="Consolas" pitchFamily="49" charset="0"/>
+                <a:cs typeface="Consolas" pitchFamily="49" charset="0"/>
+              </a:rPr>
+              <a:t>Simulated/Forecasted </a:t>
+            </a:r>
+            <a:r>
+              <a:rPr lang="en-US" sz="2400" b="1" dirty="0" smtClean="0">
+                <a:solidFill>
+                  <a:schemeClr val="tx2">
+                    <a:lumMod val="75000"/>
+                  </a:schemeClr>
+                </a:solidFill>
+                <a:latin typeface="Consolas" pitchFamily="49" charset="0"/>
+                <a:cs typeface="Consolas" pitchFamily="49" charset="0"/>
+              </a:rPr>
+              <a:t>Data</a:t>
+            </a:r>
+            <a:endParaRPr lang="en-US" sz="2400" b="1" dirty="0">
+              <a:solidFill>
+                <a:schemeClr val="tx2">
+                  <a:lumMod val="75000"/>
+                </a:schemeClr>
+              </a:solidFill>
+              <a:latin typeface="Consolas" pitchFamily="49" charset="0"/>
+              <a:cs typeface="Consolas" pitchFamily="49" charset="0"/>
+            </a:endParaRPr>
+          </a:p>
+        </p:txBody>
+      </p:sp>
+      <p:grpSp>
+        <p:nvGrpSpPr>
+          <p:cNvPr id="101" name="Group 100"/>
+          <p:cNvGrpSpPr/>
+          <p:nvPr/>
+        </p:nvGrpSpPr>
+        <p:grpSpPr>
+          <a:xfrm>
+            <a:off x="4038600" y="3069594"/>
+            <a:ext cx="4389120" cy="564657"/>
+            <a:chOff x="3489960" y="2407143"/>
+            <a:chExt cx="4389120" cy="564657"/>
+          </a:xfrm>
+        </p:grpSpPr>
         <p:sp>
           <p:nvSpPr>
             <p:cNvPr id="11" name="Rectangle 10"/>
@@ -3511,8 +3847,8 @@
           </p:nvSpPr>
           <p:spPr>
             <a:xfrm>
-              <a:off x="3733800" y="3124200"/>
-              <a:ext cx="609600" cy="990600"/>
+              <a:off x="3489960" y="2407143"/>
+              <a:ext cx="731520" cy="564657"/>
             </a:xfrm>
             <a:prstGeom prst="rect">
               <a:avLst/>
@@ -3551,14 +3887,7 @@
             <a:lstStyle/>
             <a:p>
               <a:pPr algn="ctr"/>
-              <a:r>
-                <a:rPr lang="en-US" dirty="0" smtClean="0">
-                  <a:latin typeface="Consolas" pitchFamily="49" charset="0"/>
-                  <a:cs typeface="Consolas" pitchFamily="49" charset="0"/>
-                </a:rPr>
-                <a:t>OCT</a:t>
-              </a:r>
-              <a:endParaRPr lang="en-US" dirty="0">
+              <a:endParaRPr lang="en-US" sz="2200" dirty="0">
                 <a:latin typeface="Consolas" pitchFamily="49" charset="0"/>
                 <a:cs typeface="Consolas" pitchFamily="49" charset="0"/>
               </a:endParaRPr>
@@ -3573,8 +3902,8 @@
           </p:nvSpPr>
           <p:spPr>
             <a:xfrm>
-              <a:off x="4343400" y="3124200"/>
-              <a:ext cx="609600" cy="990600"/>
+              <a:off x="4221480" y="2407143"/>
+              <a:ext cx="731520" cy="564657"/>
             </a:xfrm>
             <a:prstGeom prst="rect">
               <a:avLst/>
@@ -3613,14 +3942,7 @@
             <a:lstStyle/>
             <a:p>
               <a:pPr algn="ctr"/>
-              <a:r>
-                <a:rPr lang="en-US" dirty="0" smtClean="0">
-                  <a:latin typeface="Consolas" pitchFamily="49" charset="0"/>
-                  <a:cs typeface="Consolas" pitchFamily="49" charset="0"/>
-                </a:rPr>
-                <a:t>NOV</a:t>
-              </a:r>
-              <a:endParaRPr lang="en-US" dirty="0">
+              <a:endParaRPr lang="en-US" sz="2200" dirty="0">
                 <a:latin typeface="Consolas" pitchFamily="49" charset="0"/>
                 <a:cs typeface="Consolas" pitchFamily="49" charset="0"/>
               </a:endParaRPr>
@@ -3635,8 +3957,8 @@
           </p:nvSpPr>
           <p:spPr>
             <a:xfrm>
-              <a:off x="4953000" y="3124200"/>
-              <a:ext cx="609600" cy="990600"/>
+              <a:off x="4953000" y="2407143"/>
+              <a:ext cx="731520" cy="564657"/>
             </a:xfrm>
             <a:prstGeom prst="rect">
               <a:avLst/>
@@ -3675,14 +3997,7 @@
             <a:lstStyle/>
             <a:p>
               <a:pPr algn="ctr"/>
-              <a:r>
-                <a:rPr lang="en-US" dirty="0" smtClean="0">
-                  <a:latin typeface="Consolas" pitchFamily="49" charset="0"/>
-                  <a:cs typeface="Consolas" pitchFamily="49" charset="0"/>
-                </a:rPr>
-                <a:t>DEC</a:t>
-              </a:r>
-              <a:endParaRPr lang="en-US" dirty="0">
+              <a:endParaRPr lang="en-US" sz="2200" dirty="0">
                 <a:latin typeface="Consolas" pitchFamily="49" charset="0"/>
                 <a:cs typeface="Consolas" pitchFamily="49" charset="0"/>
               </a:endParaRPr>
@@ -3697,8 +4012,8 @@
           </p:nvSpPr>
           <p:spPr>
             <a:xfrm>
-              <a:off x="5562600" y="3124200"/>
-              <a:ext cx="609600" cy="990600"/>
+              <a:off x="5684520" y="2407143"/>
+              <a:ext cx="731520" cy="564657"/>
             </a:xfrm>
             <a:prstGeom prst="rect">
               <a:avLst/>
@@ -3737,14 +4052,7 @@
             <a:lstStyle/>
             <a:p>
               <a:pPr algn="ctr"/>
-              <a:r>
-                <a:rPr lang="en-US" dirty="0" smtClean="0">
-                  <a:latin typeface="Consolas" pitchFamily="49" charset="0"/>
-                  <a:cs typeface="Consolas" pitchFamily="49" charset="0"/>
-                </a:rPr>
-                <a:t>JAN</a:t>
-              </a:r>
-              <a:endParaRPr lang="en-US" dirty="0">
+              <a:endParaRPr lang="en-US" sz="2200" dirty="0">
                 <a:latin typeface="Consolas" pitchFamily="49" charset="0"/>
                 <a:cs typeface="Consolas" pitchFamily="49" charset="0"/>
               </a:endParaRPr>
@@ -3759,8 +4067,8 @@
           </p:nvSpPr>
           <p:spPr>
             <a:xfrm>
-              <a:off x="6172200" y="3124200"/>
-              <a:ext cx="609600" cy="990600"/>
+              <a:off x="6416040" y="2407143"/>
+              <a:ext cx="731520" cy="564657"/>
             </a:xfrm>
             <a:prstGeom prst="rect">
               <a:avLst/>
@@ -3799,14 +4107,7 @@
             <a:lstStyle/>
             <a:p>
               <a:pPr algn="ctr"/>
-              <a:r>
-                <a:rPr lang="en-US" dirty="0" smtClean="0">
-                  <a:latin typeface="Consolas" pitchFamily="49" charset="0"/>
-                  <a:cs typeface="Consolas" pitchFamily="49" charset="0"/>
-                </a:rPr>
-                <a:t>FEB</a:t>
-              </a:r>
-              <a:endParaRPr lang="en-US" dirty="0">
+              <a:endParaRPr lang="en-US" sz="2200" dirty="0">
                 <a:latin typeface="Consolas" pitchFamily="49" charset="0"/>
                 <a:cs typeface="Consolas" pitchFamily="49" charset="0"/>
               </a:endParaRPr>
@@ -3821,8 +4122,8 @@
           </p:nvSpPr>
           <p:spPr>
             <a:xfrm>
-              <a:off x="7391400" y="3124200"/>
-              <a:ext cx="609600" cy="990600"/>
+              <a:off x="7147560" y="2407143"/>
+              <a:ext cx="731520" cy="564657"/>
             </a:xfrm>
             <a:prstGeom prst="rect">
               <a:avLst/>
@@ -3896,286 +4197,120 @@
             <a:lstStyle/>
             <a:p>
               <a:pPr algn="ctr"/>
-              <a:r>
-                <a:rPr lang="en-US" dirty="0" smtClean="0">
-                  <a:latin typeface="Consolas" pitchFamily="49" charset="0"/>
-                  <a:cs typeface="Consolas" pitchFamily="49" charset="0"/>
-                </a:rPr>
-                <a:t>APR</a:t>
-              </a:r>
-              <a:endParaRPr lang="en-US" dirty="0">
+              <a:endParaRPr lang="en-US" sz="2200" dirty="0">
                 <a:latin typeface="Consolas" pitchFamily="49" charset="0"/>
                 <a:cs typeface="Consolas" pitchFamily="49" charset="0"/>
               </a:endParaRPr>
             </a:p>
           </p:txBody>
         </p:sp>
+      </p:grpSp>
+      <p:cxnSp>
+        <p:nvCxnSpPr>
+          <p:cNvPr id="76" name="Straight Connector 75"/>
+          <p:cNvCxnSpPr>
+            <a:stCxn id="118" idx="1"/>
+            <a:endCxn id="4" idx="3"/>
+          </p:cNvCxnSpPr>
+          <p:nvPr/>
+        </p:nvCxnSpPr>
+        <p:spPr>
+          <a:xfrm flipH="1" flipV="1">
+            <a:off x="3355963" y="3414090"/>
+            <a:ext cx="1124597" cy="1309433"/>
+          </a:xfrm>
+          <a:prstGeom prst="line">
+            <a:avLst/>
+          </a:prstGeom>
+          <a:ln w="22225" cmpd="sng">
+            <a:solidFill>
+              <a:schemeClr val="bg1">
+                <a:lumMod val="50000"/>
+              </a:schemeClr>
+            </a:solidFill>
+            <a:prstDash val="sysDash"/>
+          </a:ln>
+        </p:spPr>
+        <p:style>
+          <a:lnRef idx="1">
+            <a:schemeClr val="accent1"/>
+          </a:lnRef>
+          <a:fillRef idx="0">
+            <a:schemeClr val="accent1"/>
+          </a:fillRef>
+          <a:effectRef idx="0">
+            <a:schemeClr val="accent1"/>
+          </a:effectRef>
+          <a:fontRef idx="minor">
+            <a:schemeClr val="tx1"/>
+          </a:fontRef>
+        </p:style>
+      </p:cxnSp>
+      <p:cxnSp>
+        <p:nvCxnSpPr>
+          <p:cNvPr id="79" name="Straight Connector 78"/>
+          <p:cNvCxnSpPr>
+            <a:stCxn id="111" idx="1"/>
+            <a:endCxn id="4" idx="3"/>
+          </p:cNvCxnSpPr>
+          <p:nvPr/>
+        </p:nvCxnSpPr>
+        <p:spPr>
+          <a:xfrm flipH="1" flipV="1">
+            <a:off x="3355963" y="3414090"/>
+            <a:ext cx="911237" cy="623633"/>
+          </a:xfrm>
+          <a:prstGeom prst="line">
+            <a:avLst/>
+          </a:prstGeom>
+          <a:ln w="22225" cmpd="sng">
+            <a:solidFill>
+              <a:schemeClr val="bg1">
+                <a:lumMod val="50000"/>
+              </a:schemeClr>
+            </a:solidFill>
+            <a:prstDash val="sysDash"/>
+          </a:ln>
+        </p:spPr>
+        <p:style>
+          <a:lnRef idx="1">
+            <a:schemeClr val="accent1"/>
+          </a:lnRef>
+          <a:fillRef idx="0">
+            <a:schemeClr val="accent1"/>
+          </a:fillRef>
+          <a:effectRef idx="0">
+            <a:schemeClr val="accent1"/>
+          </a:effectRef>
+          <a:fontRef idx="minor">
+            <a:schemeClr val="tx1"/>
+          </a:fontRef>
+        </p:style>
+      </p:cxnSp>
+      <p:grpSp>
+        <p:nvGrpSpPr>
+          <p:cNvPr id="110" name="Group 109"/>
+          <p:cNvGrpSpPr/>
+          <p:nvPr/>
+        </p:nvGrpSpPr>
+        <p:grpSpPr>
+          <a:xfrm>
+            <a:off x="4267200" y="3755394"/>
+            <a:ext cx="4389120" cy="564657"/>
+            <a:chOff x="3489960" y="2407143"/>
+            <a:chExt cx="4389120" cy="564657"/>
+          </a:xfrm>
+        </p:grpSpPr>
         <p:sp>
           <p:nvSpPr>
-            <p:cNvPr id="22" name="Rectangle 21"/>
+            <p:cNvPr id="111" name="Rectangle 110"/>
             <p:cNvSpPr/>
             <p:nvPr/>
           </p:nvSpPr>
           <p:spPr>
             <a:xfrm>
-              <a:off x="1752600" y="2368670"/>
-              <a:ext cx="1600200" cy="533400"/>
-            </a:xfrm>
-            <a:prstGeom prst="rect">
-              <a:avLst/>
-            </a:prstGeom>
-            <a:noFill/>
-            <a:ln>
-              <a:noFill/>
-            </a:ln>
-          </p:spPr>
-          <p:style>
-            <a:lnRef idx="2">
-              <a:schemeClr val="accent1">
-                <a:shade val="50000"/>
-              </a:schemeClr>
-            </a:lnRef>
-            <a:fillRef idx="1">
-              <a:schemeClr val="accent1"/>
-            </a:fillRef>
-            <a:effectRef idx="0">
-              <a:schemeClr val="accent1"/>
-            </a:effectRef>
-            <a:fontRef idx="minor">
-              <a:schemeClr val="lt1"/>
-            </a:fontRef>
-          </p:style>
-          <p:txBody>
-            <a:bodyPr rtlCol="0" anchor="ctr"/>
-            <a:lstStyle/>
-            <a:p>
-              <a:pPr algn="ctr"/>
-              <a:r>
-                <a:rPr lang="en-US" sz="2400" b="1" dirty="0" smtClean="0">
-                  <a:solidFill>
-                    <a:schemeClr val="tx2">
-                      <a:lumMod val="75000"/>
-                    </a:schemeClr>
-                  </a:solidFill>
-                  <a:latin typeface="Consolas" pitchFamily="49" charset="0"/>
-                  <a:cs typeface="Consolas" pitchFamily="49" charset="0"/>
-                </a:rPr>
-                <a:t>2012 WY</a:t>
-              </a:r>
-              <a:endParaRPr lang="en-US" sz="2400" b="1" dirty="0">
-                <a:solidFill>
-                  <a:schemeClr val="tx2">
-                    <a:lumMod val="75000"/>
-                  </a:schemeClr>
-                </a:solidFill>
-                <a:latin typeface="Consolas" pitchFamily="49" charset="0"/>
-                <a:cs typeface="Consolas" pitchFamily="49" charset="0"/>
-              </a:endParaRPr>
-            </a:p>
-          </p:txBody>
-        </p:sp>
-        <p:sp>
-          <p:nvSpPr>
-            <p:cNvPr id="23" name="Rectangle 22"/>
-            <p:cNvSpPr/>
-            <p:nvPr/>
-          </p:nvSpPr>
-          <p:spPr>
-            <a:xfrm>
-              <a:off x="4648200" y="2368670"/>
-              <a:ext cx="1600200" cy="533400"/>
-            </a:xfrm>
-            <a:prstGeom prst="rect">
-              <a:avLst/>
-            </a:prstGeom>
-            <a:noFill/>
-            <a:ln>
-              <a:noFill/>
-            </a:ln>
-          </p:spPr>
-          <p:style>
-            <a:lnRef idx="2">
-              <a:schemeClr val="accent1">
-                <a:shade val="50000"/>
-              </a:schemeClr>
-            </a:lnRef>
-            <a:fillRef idx="1">
-              <a:schemeClr val="accent1"/>
-            </a:fillRef>
-            <a:effectRef idx="0">
-              <a:schemeClr val="accent1"/>
-            </a:effectRef>
-            <a:fontRef idx="minor">
-              <a:schemeClr val="lt1"/>
-            </a:fontRef>
-          </p:style>
-          <p:txBody>
-            <a:bodyPr rtlCol="0" anchor="ctr"/>
-            <a:lstStyle/>
-            <a:p>
-              <a:pPr algn="ctr"/>
-              <a:r>
-                <a:rPr lang="en-US" sz="2400" b="1" dirty="0" smtClean="0">
-                  <a:solidFill>
-                    <a:schemeClr val="tx2">
-                      <a:lumMod val="75000"/>
-                    </a:schemeClr>
-                  </a:solidFill>
-                  <a:latin typeface="Consolas" pitchFamily="49" charset="0"/>
-                  <a:cs typeface="Consolas" pitchFamily="49" charset="0"/>
-                </a:rPr>
-                <a:t>2013 WY</a:t>
-              </a:r>
-              <a:endParaRPr lang="en-US" sz="2400" b="1" dirty="0">
-                <a:solidFill>
-                  <a:schemeClr val="tx2">
-                    <a:lumMod val="75000"/>
-                  </a:schemeClr>
-                </a:solidFill>
-                <a:latin typeface="Consolas" pitchFamily="49" charset="0"/>
-                <a:cs typeface="Consolas" pitchFamily="49" charset="0"/>
-              </a:endParaRPr>
-            </a:p>
-          </p:txBody>
-        </p:sp>
-        <p:sp>
-          <p:nvSpPr>
-            <p:cNvPr id="25" name="Rectangle 24"/>
-            <p:cNvSpPr/>
-            <p:nvPr/>
-          </p:nvSpPr>
-          <p:spPr>
-            <a:xfrm>
-              <a:off x="1066800" y="4343400"/>
-              <a:ext cx="2590800" cy="533400"/>
-            </a:xfrm>
-            <a:prstGeom prst="rect">
-              <a:avLst/>
-            </a:prstGeom>
-            <a:noFill/>
-            <a:ln>
-              <a:noFill/>
-            </a:ln>
-          </p:spPr>
-          <p:style>
-            <a:lnRef idx="2">
-              <a:schemeClr val="accent1">
-                <a:shade val="50000"/>
-              </a:schemeClr>
-            </a:lnRef>
-            <a:fillRef idx="1">
-              <a:schemeClr val="accent1"/>
-            </a:fillRef>
-            <a:effectRef idx="0">
-              <a:schemeClr val="accent1"/>
-            </a:effectRef>
-            <a:fontRef idx="minor">
-              <a:schemeClr val="lt1"/>
-            </a:fontRef>
-          </p:style>
-          <p:txBody>
-            <a:bodyPr rtlCol="0" anchor="ctr"/>
-            <a:lstStyle/>
-            <a:p>
-              <a:pPr algn="ctr"/>
-              <a:r>
-                <a:rPr lang="en-US" sz="2000" b="1" dirty="0" smtClean="0">
-                  <a:solidFill>
-                    <a:schemeClr val="tx2">
-                      <a:lumMod val="75000"/>
-                    </a:schemeClr>
-                  </a:solidFill>
-                  <a:latin typeface="Consolas" pitchFamily="49" charset="0"/>
-                  <a:cs typeface="Consolas" pitchFamily="49" charset="0"/>
-                </a:rPr>
-                <a:t>Observed Data</a:t>
-              </a:r>
-              <a:endParaRPr lang="en-US" sz="2000" b="1" dirty="0">
-                <a:solidFill>
-                  <a:schemeClr val="tx2">
-                    <a:lumMod val="75000"/>
-                  </a:schemeClr>
-                </a:solidFill>
-                <a:latin typeface="Consolas" pitchFamily="49" charset="0"/>
-                <a:cs typeface="Consolas" pitchFamily="49" charset="0"/>
-              </a:endParaRPr>
-            </a:p>
-          </p:txBody>
-        </p:sp>
-        <p:sp>
-          <p:nvSpPr>
-            <p:cNvPr id="28" name="Rectangle 27"/>
-            <p:cNvSpPr/>
-            <p:nvPr/>
-          </p:nvSpPr>
-          <p:spPr>
-            <a:xfrm>
-              <a:off x="3738112" y="4352026"/>
-              <a:ext cx="4339088" cy="533400"/>
-            </a:xfrm>
-            <a:prstGeom prst="rect">
-              <a:avLst/>
-            </a:prstGeom>
-            <a:noFill/>
-            <a:ln>
-              <a:noFill/>
-            </a:ln>
-          </p:spPr>
-          <p:style>
-            <a:lnRef idx="2">
-              <a:schemeClr val="accent1">
-                <a:shade val="50000"/>
-              </a:schemeClr>
-            </a:lnRef>
-            <a:fillRef idx="1">
-              <a:schemeClr val="accent1"/>
-            </a:fillRef>
-            <a:effectRef idx="0">
-              <a:schemeClr val="accent1"/>
-            </a:effectRef>
-            <a:fontRef idx="minor">
-              <a:schemeClr val="lt1"/>
-            </a:fontRef>
-          </p:style>
-          <p:txBody>
-            <a:bodyPr rtlCol="0" anchor="ctr"/>
-            <a:lstStyle/>
-            <a:p>
-              <a:pPr algn="ctr"/>
-              <a:r>
-                <a:rPr lang="en-US" sz="2000" b="1" dirty="0" smtClean="0">
-                  <a:solidFill>
-                    <a:schemeClr val="tx2">
-                      <a:lumMod val="75000"/>
-                    </a:schemeClr>
-                  </a:solidFill>
-                  <a:latin typeface="Consolas" pitchFamily="49" charset="0"/>
-                  <a:cs typeface="Consolas" pitchFamily="49" charset="0"/>
-                </a:rPr>
-                <a:t>Simulated/Forecasted Data</a:t>
-              </a:r>
-              <a:endParaRPr lang="en-US" sz="2000" b="1" dirty="0">
-                <a:solidFill>
-                  <a:schemeClr val="tx2">
-                    <a:lumMod val="75000"/>
-                  </a:schemeClr>
-                </a:solidFill>
-                <a:latin typeface="Consolas" pitchFamily="49" charset="0"/>
-                <a:cs typeface="Consolas" pitchFamily="49" charset="0"/>
-              </a:endParaRPr>
-            </a:p>
-          </p:txBody>
-        </p:sp>
-        <p:sp>
-          <p:nvSpPr>
-            <p:cNvPr id="29" name="Rectangle 28"/>
-            <p:cNvSpPr/>
-            <p:nvPr/>
-          </p:nvSpPr>
-          <p:spPr>
-            <a:xfrm>
-              <a:off x="6781800" y="3124200"/>
-              <a:ext cx="609600" cy="990600"/>
+              <a:off x="3489960" y="2407143"/>
+              <a:ext cx="731520" cy="564657"/>
             </a:xfrm>
             <a:prstGeom prst="rect">
               <a:avLst/>
@@ -4214,14 +4349,317 @@
             <a:lstStyle/>
             <a:p>
               <a:pPr algn="ctr"/>
-              <a:r>
-                <a:rPr lang="en-US" dirty="0" smtClean="0">
-                  <a:latin typeface="Consolas" pitchFamily="49" charset="0"/>
-                  <a:cs typeface="Consolas" pitchFamily="49" charset="0"/>
-                </a:rPr>
-                <a:t>MAR</a:t>
-              </a:r>
-              <a:endParaRPr lang="en-US" dirty="0">
+              <a:endParaRPr lang="en-US" sz="2200" dirty="0">
+                <a:latin typeface="Consolas" pitchFamily="49" charset="0"/>
+                <a:cs typeface="Consolas" pitchFamily="49" charset="0"/>
+              </a:endParaRPr>
+            </a:p>
+          </p:txBody>
+        </p:sp>
+        <p:sp>
+          <p:nvSpPr>
+            <p:cNvPr id="112" name="Rectangle 111"/>
+            <p:cNvSpPr/>
+            <p:nvPr/>
+          </p:nvSpPr>
+          <p:spPr>
+            <a:xfrm>
+              <a:off x="4221480" y="2407143"/>
+              <a:ext cx="731520" cy="564657"/>
+            </a:xfrm>
+            <a:prstGeom prst="rect">
+              <a:avLst/>
+            </a:prstGeom>
+            <a:solidFill>
+              <a:schemeClr val="accent2">
+                <a:lumMod val="75000"/>
+              </a:schemeClr>
+            </a:solidFill>
+            <a:ln>
+              <a:solidFill>
+                <a:schemeClr val="accent2">
+                  <a:lumMod val="50000"/>
+                </a:schemeClr>
+              </a:solidFill>
+            </a:ln>
+          </p:spPr>
+          <p:style>
+            <a:lnRef idx="2">
+              <a:schemeClr val="accent1">
+                <a:shade val="50000"/>
+              </a:schemeClr>
+            </a:lnRef>
+            <a:fillRef idx="1">
+              <a:schemeClr val="accent1"/>
+            </a:fillRef>
+            <a:effectRef idx="0">
+              <a:schemeClr val="accent1"/>
+            </a:effectRef>
+            <a:fontRef idx="minor">
+              <a:schemeClr val="lt1"/>
+            </a:fontRef>
+          </p:style>
+          <p:txBody>
+            <a:bodyPr rtlCol="0" anchor="ctr"/>
+            <a:lstStyle/>
+            <a:p>
+              <a:pPr algn="ctr"/>
+              <a:endParaRPr lang="en-US" sz="2200" dirty="0">
+                <a:latin typeface="Consolas" pitchFamily="49" charset="0"/>
+                <a:cs typeface="Consolas" pitchFamily="49" charset="0"/>
+              </a:endParaRPr>
+            </a:p>
+          </p:txBody>
+        </p:sp>
+        <p:sp>
+          <p:nvSpPr>
+            <p:cNvPr id="113" name="Rectangle 112"/>
+            <p:cNvSpPr/>
+            <p:nvPr/>
+          </p:nvSpPr>
+          <p:spPr>
+            <a:xfrm>
+              <a:off x="4953000" y="2407143"/>
+              <a:ext cx="731520" cy="564657"/>
+            </a:xfrm>
+            <a:prstGeom prst="rect">
+              <a:avLst/>
+            </a:prstGeom>
+            <a:solidFill>
+              <a:schemeClr val="accent2">
+                <a:lumMod val="75000"/>
+              </a:schemeClr>
+            </a:solidFill>
+            <a:ln>
+              <a:solidFill>
+                <a:schemeClr val="accent2">
+                  <a:lumMod val="50000"/>
+                </a:schemeClr>
+              </a:solidFill>
+            </a:ln>
+          </p:spPr>
+          <p:style>
+            <a:lnRef idx="2">
+              <a:schemeClr val="accent1">
+                <a:shade val="50000"/>
+              </a:schemeClr>
+            </a:lnRef>
+            <a:fillRef idx="1">
+              <a:schemeClr val="accent1"/>
+            </a:fillRef>
+            <a:effectRef idx="0">
+              <a:schemeClr val="accent1"/>
+            </a:effectRef>
+            <a:fontRef idx="minor">
+              <a:schemeClr val="lt1"/>
+            </a:fontRef>
+          </p:style>
+          <p:txBody>
+            <a:bodyPr rtlCol="0" anchor="ctr"/>
+            <a:lstStyle/>
+            <a:p>
+              <a:pPr algn="ctr"/>
+              <a:endParaRPr lang="en-US" sz="2200" dirty="0">
+                <a:latin typeface="Consolas" pitchFamily="49" charset="0"/>
+                <a:cs typeface="Consolas" pitchFamily="49" charset="0"/>
+              </a:endParaRPr>
+            </a:p>
+          </p:txBody>
+        </p:sp>
+        <p:sp>
+          <p:nvSpPr>
+            <p:cNvPr id="114" name="Rectangle 113"/>
+            <p:cNvSpPr/>
+            <p:nvPr/>
+          </p:nvSpPr>
+          <p:spPr>
+            <a:xfrm>
+              <a:off x="5684520" y="2407143"/>
+              <a:ext cx="731520" cy="564657"/>
+            </a:xfrm>
+            <a:prstGeom prst="rect">
+              <a:avLst/>
+            </a:prstGeom>
+            <a:solidFill>
+              <a:schemeClr val="accent2">
+                <a:lumMod val="75000"/>
+              </a:schemeClr>
+            </a:solidFill>
+            <a:ln>
+              <a:solidFill>
+                <a:schemeClr val="accent2">
+                  <a:lumMod val="50000"/>
+                </a:schemeClr>
+              </a:solidFill>
+            </a:ln>
+          </p:spPr>
+          <p:style>
+            <a:lnRef idx="2">
+              <a:schemeClr val="accent1">
+                <a:shade val="50000"/>
+              </a:schemeClr>
+            </a:lnRef>
+            <a:fillRef idx="1">
+              <a:schemeClr val="accent1"/>
+            </a:fillRef>
+            <a:effectRef idx="0">
+              <a:schemeClr val="accent1"/>
+            </a:effectRef>
+            <a:fontRef idx="minor">
+              <a:schemeClr val="lt1"/>
+            </a:fontRef>
+          </p:style>
+          <p:txBody>
+            <a:bodyPr rtlCol="0" anchor="ctr"/>
+            <a:lstStyle/>
+            <a:p>
+              <a:pPr algn="ctr"/>
+              <a:endParaRPr lang="en-US" sz="2200" dirty="0">
+                <a:latin typeface="Consolas" pitchFamily="49" charset="0"/>
+                <a:cs typeface="Consolas" pitchFamily="49" charset="0"/>
+              </a:endParaRPr>
+            </a:p>
+          </p:txBody>
+        </p:sp>
+        <p:sp>
+          <p:nvSpPr>
+            <p:cNvPr id="115" name="Rectangle 114"/>
+            <p:cNvSpPr/>
+            <p:nvPr/>
+          </p:nvSpPr>
+          <p:spPr>
+            <a:xfrm>
+              <a:off x="6416040" y="2407143"/>
+              <a:ext cx="731520" cy="564657"/>
+            </a:xfrm>
+            <a:prstGeom prst="rect">
+              <a:avLst/>
+            </a:prstGeom>
+            <a:solidFill>
+              <a:schemeClr val="accent2">
+                <a:lumMod val="75000"/>
+              </a:schemeClr>
+            </a:solidFill>
+            <a:ln>
+              <a:solidFill>
+                <a:schemeClr val="accent2">
+                  <a:lumMod val="50000"/>
+                </a:schemeClr>
+              </a:solidFill>
+            </a:ln>
+          </p:spPr>
+          <p:style>
+            <a:lnRef idx="2">
+              <a:schemeClr val="accent1">
+                <a:shade val="50000"/>
+              </a:schemeClr>
+            </a:lnRef>
+            <a:fillRef idx="1">
+              <a:schemeClr val="accent1"/>
+            </a:fillRef>
+            <a:effectRef idx="0">
+              <a:schemeClr val="accent1"/>
+            </a:effectRef>
+            <a:fontRef idx="minor">
+              <a:schemeClr val="lt1"/>
+            </a:fontRef>
+          </p:style>
+          <p:txBody>
+            <a:bodyPr rtlCol="0" anchor="ctr"/>
+            <a:lstStyle/>
+            <a:p>
+              <a:pPr algn="ctr"/>
+              <a:endParaRPr lang="en-US" sz="2200" dirty="0">
+                <a:latin typeface="Consolas" pitchFamily="49" charset="0"/>
+                <a:cs typeface="Consolas" pitchFamily="49" charset="0"/>
+              </a:endParaRPr>
+            </a:p>
+          </p:txBody>
+        </p:sp>
+        <p:sp>
+          <p:nvSpPr>
+            <p:cNvPr id="116" name="Rectangle 115"/>
+            <p:cNvSpPr/>
+            <p:nvPr/>
+          </p:nvSpPr>
+          <p:spPr>
+            <a:xfrm>
+              <a:off x="7147560" y="2407143"/>
+              <a:ext cx="731520" cy="564657"/>
+            </a:xfrm>
+            <a:prstGeom prst="rect">
+              <a:avLst/>
+            </a:prstGeom>
+            <a:gradFill flip="none" rotWithShape="1">
+              <a:gsLst>
+                <a:gs pos="0">
+                  <a:schemeClr val="accent2">
+                    <a:lumMod val="75000"/>
+                  </a:schemeClr>
+                </a:gs>
+                <a:gs pos="100000">
+                  <a:schemeClr val="accent2">
+                    <a:lumMod val="40000"/>
+                    <a:lumOff val="60000"/>
+                  </a:schemeClr>
+                </a:gs>
+                <a:gs pos="100000">
+                  <a:schemeClr val="accent1">
+                    <a:tint val="23500"/>
+                    <a:satMod val="160000"/>
+                  </a:schemeClr>
+                </a:gs>
+              </a:gsLst>
+              <a:lin ang="0" scaled="1"/>
+              <a:tileRect/>
+            </a:gradFill>
+            <a:ln>
+              <a:gradFill flip="none" rotWithShape="1">
+                <a:gsLst>
+                  <a:gs pos="0">
+                    <a:schemeClr val="accent2">
+                      <a:lumMod val="50000"/>
+                    </a:schemeClr>
+                  </a:gs>
+                  <a:gs pos="50000">
+                    <a:schemeClr val="accent2">
+                      <a:lumMod val="75000"/>
+                    </a:schemeClr>
+                  </a:gs>
+                  <a:gs pos="100000">
+                    <a:schemeClr val="accent2">
+                      <a:lumMod val="60000"/>
+                      <a:lumOff val="40000"/>
+                    </a:schemeClr>
+                  </a:gs>
+                </a:gsLst>
+                <a:lin ang="0" scaled="1"/>
+                <a:tileRect/>
+              </a:gradFill>
+            </a:ln>
+          </p:spPr>
+          <p:style>
+            <a:lnRef idx="2">
+              <a:schemeClr val="accent1">
+                <a:shade val="50000"/>
+              </a:schemeClr>
+            </a:lnRef>
+            <a:fillRef idx="1">
+              <a:schemeClr val="accent1"/>
+            </a:fillRef>
+            <a:effectRef idx="0">
+              <a:schemeClr val="accent1"/>
+            </a:effectRef>
+            <a:fontRef idx="minor">
+              <a:schemeClr val="lt1"/>
+            </a:fontRef>
+          </p:style>
+          <p:txBody>
+            <a:bodyPr rtlCol="0" anchor="ctr"/>
+            <a:lstStyle/>
+            <a:p>
+              <a:pPr algn="ctr"/>
+              <a:endParaRPr lang="en-US" sz="2200" dirty="0">
                 <a:latin typeface="Consolas" pitchFamily="49" charset="0"/>
                 <a:cs typeface="Consolas" pitchFamily="49" charset="0"/>
               </a:endParaRPr>
@@ -4229,6 +4667,2506 @@
           </p:txBody>
         </p:sp>
       </p:grpSp>
+      <p:grpSp>
+        <p:nvGrpSpPr>
+          <p:cNvPr id="117" name="Group 116"/>
+          <p:cNvGrpSpPr/>
+          <p:nvPr/>
+        </p:nvGrpSpPr>
+        <p:grpSpPr>
+          <a:xfrm>
+            <a:off x="4480560" y="4441194"/>
+            <a:ext cx="4358640" cy="564657"/>
+            <a:chOff x="3489960" y="2407143"/>
+            <a:chExt cx="4358640" cy="564657"/>
+          </a:xfrm>
+        </p:grpSpPr>
+        <p:sp>
+          <p:nvSpPr>
+            <p:cNvPr id="118" name="Rectangle 117"/>
+            <p:cNvSpPr/>
+            <p:nvPr/>
+          </p:nvSpPr>
+          <p:spPr>
+            <a:xfrm>
+              <a:off x="3489960" y="2407143"/>
+              <a:ext cx="731520" cy="564657"/>
+            </a:xfrm>
+            <a:prstGeom prst="rect">
+              <a:avLst/>
+            </a:prstGeom>
+            <a:solidFill>
+              <a:schemeClr val="accent2">
+                <a:lumMod val="75000"/>
+              </a:schemeClr>
+            </a:solidFill>
+            <a:ln>
+              <a:solidFill>
+                <a:schemeClr val="accent2">
+                  <a:lumMod val="50000"/>
+                </a:schemeClr>
+              </a:solidFill>
+            </a:ln>
+          </p:spPr>
+          <p:style>
+            <a:lnRef idx="2">
+              <a:schemeClr val="accent1">
+                <a:shade val="50000"/>
+              </a:schemeClr>
+            </a:lnRef>
+            <a:fillRef idx="1">
+              <a:schemeClr val="accent1"/>
+            </a:fillRef>
+            <a:effectRef idx="0">
+              <a:schemeClr val="accent1"/>
+            </a:effectRef>
+            <a:fontRef idx="minor">
+              <a:schemeClr val="lt1"/>
+            </a:fontRef>
+          </p:style>
+          <p:txBody>
+            <a:bodyPr rtlCol="0" anchor="ctr"/>
+            <a:lstStyle/>
+            <a:p>
+              <a:pPr algn="ctr"/>
+              <a:endParaRPr lang="en-US" sz="2200" dirty="0">
+                <a:latin typeface="Consolas" pitchFamily="49" charset="0"/>
+                <a:cs typeface="Consolas" pitchFamily="49" charset="0"/>
+              </a:endParaRPr>
+            </a:p>
+          </p:txBody>
+        </p:sp>
+        <p:sp>
+          <p:nvSpPr>
+            <p:cNvPr id="119" name="Rectangle 118"/>
+            <p:cNvSpPr/>
+            <p:nvPr/>
+          </p:nvSpPr>
+          <p:spPr>
+            <a:xfrm>
+              <a:off x="4221480" y="2407143"/>
+              <a:ext cx="731520" cy="564657"/>
+            </a:xfrm>
+            <a:prstGeom prst="rect">
+              <a:avLst/>
+            </a:prstGeom>
+            <a:solidFill>
+              <a:schemeClr val="accent2">
+                <a:lumMod val="75000"/>
+              </a:schemeClr>
+            </a:solidFill>
+            <a:ln>
+              <a:solidFill>
+                <a:schemeClr val="accent2">
+                  <a:lumMod val="50000"/>
+                </a:schemeClr>
+              </a:solidFill>
+            </a:ln>
+          </p:spPr>
+          <p:style>
+            <a:lnRef idx="2">
+              <a:schemeClr val="accent1">
+                <a:shade val="50000"/>
+              </a:schemeClr>
+            </a:lnRef>
+            <a:fillRef idx="1">
+              <a:schemeClr val="accent1"/>
+            </a:fillRef>
+            <a:effectRef idx="0">
+              <a:schemeClr val="accent1"/>
+            </a:effectRef>
+            <a:fontRef idx="minor">
+              <a:schemeClr val="lt1"/>
+            </a:fontRef>
+          </p:style>
+          <p:txBody>
+            <a:bodyPr rtlCol="0" anchor="ctr"/>
+            <a:lstStyle/>
+            <a:p>
+              <a:pPr algn="ctr"/>
+              <a:endParaRPr lang="en-US" sz="2200" dirty="0">
+                <a:latin typeface="Consolas" pitchFamily="49" charset="0"/>
+                <a:cs typeface="Consolas" pitchFamily="49" charset="0"/>
+              </a:endParaRPr>
+            </a:p>
+          </p:txBody>
+        </p:sp>
+        <p:sp>
+          <p:nvSpPr>
+            <p:cNvPr id="120" name="Rectangle 119"/>
+            <p:cNvSpPr/>
+            <p:nvPr/>
+          </p:nvSpPr>
+          <p:spPr>
+            <a:xfrm>
+              <a:off x="4953000" y="2407143"/>
+              <a:ext cx="731520" cy="564657"/>
+            </a:xfrm>
+            <a:prstGeom prst="rect">
+              <a:avLst/>
+            </a:prstGeom>
+            <a:solidFill>
+              <a:schemeClr val="accent2">
+                <a:lumMod val="75000"/>
+              </a:schemeClr>
+            </a:solidFill>
+            <a:ln>
+              <a:solidFill>
+                <a:schemeClr val="accent2">
+                  <a:lumMod val="50000"/>
+                </a:schemeClr>
+              </a:solidFill>
+            </a:ln>
+          </p:spPr>
+          <p:style>
+            <a:lnRef idx="2">
+              <a:schemeClr val="accent1">
+                <a:shade val="50000"/>
+              </a:schemeClr>
+            </a:lnRef>
+            <a:fillRef idx="1">
+              <a:schemeClr val="accent1"/>
+            </a:fillRef>
+            <a:effectRef idx="0">
+              <a:schemeClr val="accent1"/>
+            </a:effectRef>
+            <a:fontRef idx="minor">
+              <a:schemeClr val="lt1"/>
+            </a:fontRef>
+          </p:style>
+          <p:txBody>
+            <a:bodyPr rtlCol="0" anchor="ctr"/>
+            <a:lstStyle/>
+            <a:p>
+              <a:pPr algn="ctr"/>
+              <a:endParaRPr lang="en-US" sz="2200" dirty="0">
+                <a:latin typeface="Consolas" pitchFamily="49" charset="0"/>
+                <a:cs typeface="Consolas" pitchFamily="49" charset="0"/>
+              </a:endParaRPr>
+            </a:p>
+          </p:txBody>
+        </p:sp>
+        <p:sp>
+          <p:nvSpPr>
+            <p:cNvPr id="121" name="Rectangle 120"/>
+            <p:cNvSpPr/>
+            <p:nvPr/>
+          </p:nvSpPr>
+          <p:spPr>
+            <a:xfrm>
+              <a:off x="5684520" y="2407143"/>
+              <a:ext cx="731520" cy="564657"/>
+            </a:xfrm>
+            <a:prstGeom prst="rect">
+              <a:avLst/>
+            </a:prstGeom>
+            <a:solidFill>
+              <a:schemeClr val="accent2">
+                <a:lumMod val="75000"/>
+              </a:schemeClr>
+            </a:solidFill>
+            <a:ln>
+              <a:solidFill>
+                <a:schemeClr val="accent2">
+                  <a:lumMod val="50000"/>
+                </a:schemeClr>
+              </a:solidFill>
+            </a:ln>
+          </p:spPr>
+          <p:style>
+            <a:lnRef idx="2">
+              <a:schemeClr val="accent1">
+                <a:shade val="50000"/>
+              </a:schemeClr>
+            </a:lnRef>
+            <a:fillRef idx="1">
+              <a:schemeClr val="accent1"/>
+            </a:fillRef>
+            <a:effectRef idx="0">
+              <a:schemeClr val="accent1"/>
+            </a:effectRef>
+            <a:fontRef idx="minor">
+              <a:schemeClr val="lt1"/>
+            </a:fontRef>
+          </p:style>
+          <p:txBody>
+            <a:bodyPr rtlCol="0" anchor="ctr"/>
+            <a:lstStyle/>
+            <a:p>
+              <a:pPr algn="ctr"/>
+              <a:endParaRPr lang="en-US" sz="2200" dirty="0">
+                <a:latin typeface="Consolas" pitchFamily="49" charset="0"/>
+                <a:cs typeface="Consolas" pitchFamily="49" charset="0"/>
+              </a:endParaRPr>
+            </a:p>
+          </p:txBody>
+        </p:sp>
+        <p:sp>
+          <p:nvSpPr>
+            <p:cNvPr id="122" name="Rectangle 121"/>
+            <p:cNvSpPr/>
+            <p:nvPr/>
+          </p:nvSpPr>
+          <p:spPr>
+            <a:xfrm>
+              <a:off x="6416040" y="2407143"/>
+              <a:ext cx="731520" cy="564657"/>
+            </a:xfrm>
+            <a:prstGeom prst="rect">
+              <a:avLst/>
+            </a:prstGeom>
+            <a:solidFill>
+              <a:schemeClr val="accent2">
+                <a:lumMod val="75000"/>
+              </a:schemeClr>
+            </a:solidFill>
+            <a:ln>
+              <a:solidFill>
+                <a:schemeClr val="accent2">
+                  <a:lumMod val="50000"/>
+                </a:schemeClr>
+              </a:solidFill>
+            </a:ln>
+          </p:spPr>
+          <p:style>
+            <a:lnRef idx="2">
+              <a:schemeClr val="accent1">
+                <a:shade val="50000"/>
+              </a:schemeClr>
+            </a:lnRef>
+            <a:fillRef idx="1">
+              <a:schemeClr val="accent1"/>
+            </a:fillRef>
+            <a:effectRef idx="0">
+              <a:schemeClr val="accent1"/>
+            </a:effectRef>
+            <a:fontRef idx="minor">
+              <a:schemeClr val="lt1"/>
+            </a:fontRef>
+          </p:style>
+          <p:txBody>
+            <a:bodyPr rtlCol="0" anchor="ctr"/>
+            <a:lstStyle/>
+            <a:p>
+              <a:pPr algn="ctr"/>
+              <a:endParaRPr lang="en-US" sz="2200" dirty="0">
+                <a:latin typeface="Consolas" pitchFamily="49" charset="0"/>
+                <a:cs typeface="Consolas" pitchFamily="49" charset="0"/>
+              </a:endParaRPr>
+            </a:p>
+          </p:txBody>
+        </p:sp>
+        <p:sp>
+          <p:nvSpPr>
+            <p:cNvPr id="123" name="Rectangle 122"/>
+            <p:cNvSpPr/>
+            <p:nvPr/>
+          </p:nvSpPr>
+          <p:spPr>
+            <a:xfrm>
+              <a:off x="7117080" y="2407143"/>
+              <a:ext cx="731520" cy="564657"/>
+            </a:xfrm>
+            <a:prstGeom prst="rect">
+              <a:avLst/>
+            </a:prstGeom>
+            <a:gradFill flip="none" rotWithShape="1">
+              <a:gsLst>
+                <a:gs pos="0">
+                  <a:schemeClr val="accent2">
+                    <a:lumMod val="75000"/>
+                  </a:schemeClr>
+                </a:gs>
+                <a:gs pos="100000">
+                  <a:schemeClr val="accent2">
+                    <a:lumMod val="40000"/>
+                    <a:lumOff val="60000"/>
+                  </a:schemeClr>
+                </a:gs>
+                <a:gs pos="100000">
+                  <a:schemeClr val="accent1">
+                    <a:tint val="23500"/>
+                    <a:satMod val="160000"/>
+                  </a:schemeClr>
+                </a:gs>
+              </a:gsLst>
+              <a:lin ang="0" scaled="1"/>
+              <a:tileRect/>
+            </a:gradFill>
+            <a:ln>
+              <a:gradFill flip="none" rotWithShape="1">
+                <a:gsLst>
+                  <a:gs pos="0">
+                    <a:schemeClr val="accent2">
+                      <a:lumMod val="50000"/>
+                    </a:schemeClr>
+                  </a:gs>
+                  <a:gs pos="50000">
+                    <a:schemeClr val="accent2">
+                      <a:lumMod val="75000"/>
+                    </a:schemeClr>
+                  </a:gs>
+                  <a:gs pos="100000">
+                    <a:schemeClr val="accent2">
+                      <a:lumMod val="60000"/>
+                      <a:lumOff val="40000"/>
+                    </a:schemeClr>
+                  </a:gs>
+                </a:gsLst>
+                <a:lin ang="0" scaled="1"/>
+                <a:tileRect/>
+              </a:gradFill>
+            </a:ln>
+          </p:spPr>
+          <p:style>
+            <a:lnRef idx="2">
+              <a:schemeClr val="accent1">
+                <a:shade val="50000"/>
+              </a:schemeClr>
+            </a:lnRef>
+            <a:fillRef idx="1">
+              <a:schemeClr val="accent1"/>
+            </a:fillRef>
+            <a:effectRef idx="0">
+              <a:schemeClr val="accent1"/>
+            </a:effectRef>
+            <a:fontRef idx="minor">
+              <a:schemeClr val="lt1"/>
+            </a:fontRef>
+          </p:style>
+          <p:txBody>
+            <a:bodyPr rtlCol="0" anchor="ctr"/>
+            <a:lstStyle/>
+            <a:p>
+              <a:pPr algn="ctr"/>
+              <a:endParaRPr lang="en-US" sz="2200" dirty="0">
+                <a:latin typeface="Consolas" pitchFamily="49" charset="0"/>
+                <a:cs typeface="Consolas" pitchFamily="49" charset="0"/>
+              </a:endParaRPr>
+            </a:p>
+          </p:txBody>
+        </p:sp>
+      </p:grpSp>
+    </p:spTree>
+    <p:extLst>
+      <p:ext uri="{BB962C8B-B14F-4D97-AF65-F5344CB8AC3E}">
+        <p14:creationId xmlns:p14="http://schemas.microsoft.com/office/powerpoint/2010/main" val="2439464075"/>
+      </p:ext>
+    </p:extLst>
+  </p:cSld>
+  <p:clrMapOvr>
+    <a:masterClrMapping/>
+  </p:clrMapOvr>
+</p:sld>
+</file>
+
+<file path=ppt/slides/slide12.xml><?xml version="1.0" encoding="utf-8"?>
+<p:sld xmlns:a="http://schemas.openxmlformats.org/drawingml/2006/main" xmlns:r="http://schemas.openxmlformats.org/officeDocument/2006/relationships" xmlns:p="http://schemas.openxmlformats.org/presentationml/2006/main">
+  <p:cSld>
+    <p:spTree>
+      <p:nvGrpSpPr>
+        <p:cNvPr id="1" name=""/>
+        <p:cNvGrpSpPr/>
+        <p:nvPr/>
+      </p:nvGrpSpPr>
+      <p:grpSpPr>
+        <a:xfrm>
+          <a:off x="0" y="0"/>
+          <a:ext cx="0" cy="0"/>
+          <a:chOff x="0" y="0"/>
+          <a:chExt cx="0" cy="0"/>
+        </a:xfrm>
+      </p:grpSpPr>
+      <p:sp>
+        <p:nvSpPr>
+          <p:cNvPr id="2" name="Title 1"/>
+          <p:cNvSpPr>
+            <a:spLocks noGrp="1"/>
+          </p:cNvSpPr>
+          <p:nvPr>
+            <p:ph type="title"/>
+          </p:nvPr>
+        </p:nvSpPr>
+        <p:spPr/>
+        <p:txBody>
+          <a:bodyPr/>
+          <a:lstStyle/>
+          <a:p>
+            <a:endParaRPr lang="en-US"/>
+          </a:p>
+        </p:txBody>
+      </p:sp>
+      <p:sp>
+        <p:nvSpPr>
+          <p:cNvPr id="3" name="Content Placeholder 2"/>
+          <p:cNvSpPr>
+            <a:spLocks noGrp="1"/>
+          </p:cNvSpPr>
+          <p:nvPr>
+            <p:ph idx="1"/>
+          </p:nvPr>
+        </p:nvSpPr>
+        <p:spPr/>
+        <p:txBody>
+          <a:bodyPr/>
+          <a:lstStyle/>
+          <a:p>
+            <a:r>
+              <a:rPr lang="en-US" dirty="0" smtClean="0"/>
+              <a:t>Folsom lake storage (FOL)</a:t>
+            </a:r>
+          </a:p>
+          <a:p>
+            <a:r>
+              <a:rPr lang="en-US" dirty="0" smtClean="0"/>
+              <a:t>Shasta lake storage (SHA)</a:t>
+            </a:r>
+            <a:endParaRPr lang="en-US" dirty="0"/>
+          </a:p>
+        </p:txBody>
+      </p:sp>
+    </p:spTree>
+    <p:extLst>
+      <p:ext uri="{BB962C8B-B14F-4D97-AF65-F5344CB8AC3E}">
+        <p14:creationId xmlns:p14="http://schemas.microsoft.com/office/powerpoint/2010/main" val="227856449"/>
+      </p:ext>
+    </p:extLst>
+  </p:cSld>
+  <p:clrMapOvr>
+    <a:masterClrMapping/>
+  </p:clrMapOvr>
+</p:sld>
+</file>
+
+<file path=ppt/slides/slide13.xml><?xml version="1.0" encoding="utf-8"?>
+<p:sld xmlns:a="http://schemas.openxmlformats.org/drawingml/2006/main" xmlns:r="http://schemas.openxmlformats.org/officeDocument/2006/relationships" xmlns:p="http://schemas.openxmlformats.org/presentationml/2006/main">
+  <p:cSld>
+    <p:spTree>
+      <p:nvGrpSpPr>
+        <p:cNvPr id="1" name=""/>
+        <p:cNvGrpSpPr/>
+        <p:nvPr/>
+      </p:nvGrpSpPr>
+      <p:grpSpPr>
+        <a:xfrm>
+          <a:off x="0" y="0"/>
+          <a:ext cx="0" cy="0"/>
+          <a:chOff x="0" y="0"/>
+          <a:chExt cx="0" cy="0"/>
+        </a:xfrm>
+      </p:grpSpPr>
+      <p:sp>
+        <p:nvSpPr>
+          <p:cNvPr id="2" name="Title 1"/>
+          <p:cNvSpPr>
+            <a:spLocks noGrp="1"/>
+          </p:cNvSpPr>
+          <p:nvPr>
+            <p:ph type="title"/>
+          </p:nvPr>
+        </p:nvSpPr>
+        <p:spPr/>
+        <p:txBody>
+          <a:bodyPr/>
+          <a:lstStyle/>
+          <a:p>
+            <a:r>
+              <a:rPr lang="en-US" dirty="0" smtClean="0"/>
+              <a:t>TODO:</a:t>
+            </a:r>
+            <a:endParaRPr lang="en-US" dirty="0"/>
+          </a:p>
+        </p:txBody>
+      </p:sp>
+      <p:sp>
+        <p:nvSpPr>
+          <p:cNvPr id="3" name="Content Placeholder 2"/>
+          <p:cNvSpPr>
+            <a:spLocks noGrp="1"/>
+          </p:cNvSpPr>
+          <p:nvPr>
+            <p:ph idx="1"/>
+          </p:nvPr>
+        </p:nvSpPr>
+        <p:spPr/>
+        <p:txBody>
+          <a:bodyPr/>
+          <a:lstStyle/>
+          <a:p>
+            <a:r>
+              <a:rPr lang="en-US" dirty="0" smtClean="0"/>
+              <a:t>Automatic </a:t>
+            </a:r>
+            <a:r>
+              <a:rPr lang="en-US" dirty="0"/>
+              <a:t>water year type </a:t>
+            </a:r>
+            <a:r>
+              <a:rPr lang="en-US" dirty="0" smtClean="0"/>
+              <a:t>generation</a:t>
+            </a:r>
+            <a:br>
+              <a:rPr lang="en-US" dirty="0" smtClean="0"/>
+            </a:br>
+            <a:r>
+              <a:rPr lang="en-US" dirty="0" smtClean="0"/>
+              <a:t>- for forecasted data or non-historical data</a:t>
+            </a:r>
+          </a:p>
+          <a:p>
+            <a:r>
+              <a:rPr lang="en-US" dirty="0" smtClean="0"/>
+              <a:t>Encapsulate D1485 lookup table related code</a:t>
+            </a:r>
+            <a:r>
+              <a:rPr lang="en-US" dirty="0"/>
+              <a:t/>
+            </a:r>
+            <a:br>
+              <a:rPr lang="en-US" dirty="0"/>
+            </a:br>
+            <a:r>
+              <a:rPr lang="en-US" dirty="0" smtClean="0"/>
+              <a:t>- so D1485 tables will not be needed when D1485 option is off</a:t>
+            </a:r>
+          </a:p>
+          <a:p>
+            <a:endParaRPr lang="en-US" dirty="0" smtClean="0"/>
+          </a:p>
+        </p:txBody>
+      </p:sp>
+    </p:spTree>
+    <p:extLst>
+      <p:ext uri="{BB962C8B-B14F-4D97-AF65-F5344CB8AC3E}">
+        <p14:creationId xmlns:p14="http://schemas.microsoft.com/office/powerpoint/2010/main" val="1847612939"/>
+      </p:ext>
+    </p:extLst>
+  </p:cSld>
+  <p:clrMapOvr>
+    <a:masterClrMapping/>
+  </p:clrMapOvr>
+</p:sld>
+</file>
+
+<file path=ppt/slides/slide2.xml><?xml version="1.0" encoding="utf-8"?>
+<p:sld xmlns:a="http://schemas.openxmlformats.org/drawingml/2006/main" xmlns:r="http://schemas.openxmlformats.org/officeDocument/2006/relationships" xmlns:p="http://schemas.openxmlformats.org/presentationml/2006/main">
+  <p:cSld>
+    <p:spTree>
+      <p:nvGrpSpPr>
+        <p:cNvPr id="1" name=""/>
+        <p:cNvGrpSpPr/>
+        <p:nvPr/>
+      </p:nvGrpSpPr>
+      <p:grpSpPr>
+        <a:xfrm>
+          <a:off x="0" y="0"/>
+          <a:ext cx="0" cy="0"/>
+          <a:chOff x="0" y="0"/>
+          <a:chExt cx="0" cy="0"/>
+        </a:xfrm>
+      </p:grpSpPr>
+      <p:sp>
+        <p:nvSpPr>
+          <p:cNvPr id="2" name="Title 1"/>
+          <p:cNvSpPr>
+            <a:spLocks noGrp="1"/>
+          </p:cNvSpPr>
+          <p:nvPr>
+            <p:ph type="title"/>
+          </p:nvPr>
+        </p:nvSpPr>
+        <p:spPr/>
+        <p:txBody>
+          <a:bodyPr>
+            <a:normAutofit/>
+          </a:bodyPr>
+          <a:lstStyle/>
+          <a:p>
+            <a:r>
+              <a:rPr lang="en-US" sz="3600" dirty="0"/>
+              <a:t>Position Analysis with </a:t>
+            </a:r>
+            <a:r>
+              <a:rPr lang="en-US" sz="3600" dirty="0" err="1"/>
+              <a:t>CalLite</a:t>
+            </a:r>
+            <a:endParaRPr lang="en-US" sz="3600" dirty="0"/>
+          </a:p>
+        </p:txBody>
+      </p:sp>
+      <p:cxnSp>
+        <p:nvCxnSpPr>
+          <p:cNvPr id="27" name="Straight Connector 26"/>
+          <p:cNvCxnSpPr>
+            <a:stCxn id="11" idx="1"/>
+            <a:endCxn id="4" idx="3"/>
+          </p:cNvCxnSpPr>
+          <p:nvPr/>
+        </p:nvCxnSpPr>
+        <p:spPr>
+          <a:xfrm flipH="1">
+            <a:off x="3355963" y="3351923"/>
+            <a:ext cx="682637" cy="62167"/>
+          </a:xfrm>
+          <a:prstGeom prst="line">
+            <a:avLst/>
+          </a:prstGeom>
+          <a:ln w="22225" cmpd="sng">
+            <a:solidFill>
+              <a:schemeClr val="bg1">
+                <a:lumMod val="50000"/>
+              </a:schemeClr>
+            </a:solidFill>
+            <a:prstDash val="sysDash"/>
+            <a:tailEnd type="none"/>
+          </a:ln>
+        </p:spPr>
+        <p:style>
+          <a:lnRef idx="1">
+            <a:schemeClr val="accent1"/>
+          </a:lnRef>
+          <a:fillRef idx="0">
+            <a:schemeClr val="accent1"/>
+          </a:fillRef>
+          <a:effectRef idx="0">
+            <a:schemeClr val="accent1"/>
+          </a:effectRef>
+          <a:fontRef idx="minor">
+            <a:schemeClr val="tx1"/>
+          </a:fontRef>
+        </p:style>
+      </p:cxnSp>
+      <p:grpSp>
+        <p:nvGrpSpPr>
+          <p:cNvPr id="18" name="Group 17"/>
+          <p:cNvGrpSpPr/>
+          <p:nvPr/>
+        </p:nvGrpSpPr>
+        <p:grpSpPr>
+          <a:xfrm>
+            <a:off x="429883" y="3033090"/>
+            <a:ext cx="2926080" cy="762000"/>
+            <a:chOff x="554966" y="3344921"/>
+            <a:chExt cx="2926080" cy="1150879"/>
+          </a:xfrm>
+        </p:grpSpPr>
+        <p:sp>
+          <p:nvSpPr>
+            <p:cNvPr id="4" name="Rectangle 3"/>
+            <p:cNvSpPr/>
+            <p:nvPr/>
+          </p:nvSpPr>
+          <p:spPr>
+            <a:xfrm>
+              <a:off x="2749526" y="3344921"/>
+              <a:ext cx="731520" cy="1150879"/>
+            </a:xfrm>
+            <a:prstGeom prst="rect">
+              <a:avLst/>
+            </a:prstGeom>
+          </p:spPr>
+          <p:style>
+            <a:lnRef idx="2">
+              <a:schemeClr val="accent1">
+                <a:shade val="50000"/>
+              </a:schemeClr>
+            </a:lnRef>
+            <a:fillRef idx="1">
+              <a:schemeClr val="accent1"/>
+            </a:fillRef>
+            <a:effectRef idx="0">
+              <a:schemeClr val="accent1"/>
+            </a:effectRef>
+            <a:fontRef idx="minor">
+              <a:schemeClr val="lt1"/>
+            </a:fontRef>
+          </p:style>
+          <p:txBody>
+            <a:bodyPr rtlCol="0" anchor="ctr"/>
+            <a:lstStyle/>
+            <a:p>
+              <a:pPr algn="ctr"/>
+              <a:r>
+                <a:rPr lang="en-US" sz="2200" dirty="0" smtClean="0">
+                  <a:latin typeface="Consolas" pitchFamily="49" charset="0"/>
+                  <a:cs typeface="Consolas" pitchFamily="49" charset="0"/>
+                </a:rPr>
+                <a:t>SEP</a:t>
+              </a:r>
+              <a:endParaRPr lang="en-US" sz="2200" dirty="0">
+                <a:latin typeface="Consolas" pitchFamily="49" charset="0"/>
+                <a:cs typeface="Consolas" pitchFamily="49" charset="0"/>
+              </a:endParaRPr>
+            </a:p>
+          </p:txBody>
+        </p:sp>
+        <p:sp>
+          <p:nvSpPr>
+            <p:cNvPr id="5" name="Rectangle 4"/>
+            <p:cNvSpPr/>
+            <p:nvPr/>
+          </p:nvSpPr>
+          <p:spPr>
+            <a:xfrm>
+              <a:off x="2018006" y="3344921"/>
+              <a:ext cx="731520" cy="1150879"/>
+            </a:xfrm>
+            <a:prstGeom prst="rect">
+              <a:avLst/>
+            </a:prstGeom>
+          </p:spPr>
+          <p:style>
+            <a:lnRef idx="2">
+              <a:schemeClr val="accent1">
+                <a:shade val="50000"/>
+              </a:schemeClr>
+            </a:lnRef>
+            <a:fillRef idx="1">
+              <a:schemeClr val="accent1"/>
+            </a:fillRef>
+            <a:effectRef idx="0">
+              <a:schemeClr val="accent1"/>
+            </a:effectRef>
+            <a:fontRef idx="minor">
+              <a:schemeClr val="lt1"/>
+            </a:fontRef>
+          </p:style>
+          <p:txBody>
+            <a:bodyPr rtlCol="0" anchor="ctr"/>
+            <a:lstStyle/>
+            <a:p>
+              <a:pPr algn="ctr"/>
+              <a:r>
+                <a:rPr lang="en-US" sz="2200" dirty="0" smtClean="0">
+                  <a:latin typeface="Consolas" pitchFamily="49" charset="0"/>
+                  <a:cs typeface="Consolas" pitchFamily="49" charset="0"/>
+                </a:rPr>
+                <a:t>AUG</a:t>
+              </a:r>
+              <a:endParaRPr lang="en-US" sz="2200" dirty="0">
+                <a:latin typeface="Consolas" pitchFamily="49" charset="0"/>
+                <a:cs typeface="Consolas" pitchFamily="49" charset="0"/>
+              </a:endParaRPr>
+            </a:p>
+          </p:txBody>
+        </p:sp>
+        <p:sp>
+          <p:nvSpPr>
+            <p:cNvPr id="8" name="Rectangle 7"/>
+            <p:cNvSpPr/>
+            <p:nvPr/>
+          </p:nvSpPr>
+          <p:spPr>
+            <a:xfrm>
+              <a:off x="1286486" y="3344921"/>
+              <a:ext cx="731520" cy="1150879"/>
+            </a:xfrm>
+            <a:prstGeom prst="rect">
+              <a:avLst/>
+            </a:prstGeom>
+          </p:spPr>
+          <p:style>
+            <a:lnRef idx="2">
+              <a:schemeClr val="accent1">
+                <a:shade val="50000"/>
+              </a:schemeClr>
+            </a:lnRef>
+            <a:fillRef idx="1">
+              <a:schemeClr val="accent1"/>
+            </a:fillRef>
+            <a:effectRef idx="0">
+              <a:schemeClr val="accent1"/>
+            </a:effectRef>
+            <a:fontRef idx="minor">
+              <a:schemeClr val="lt1"/>
+            </a:fontRef>
+          </p:style>
+          <p:txBody>
+            <a:bodyPr rtlCol="0" anchor="ctr"/>
+            <a:lstStyle/>
+            <a:p>
+              <a:pPr algn="ctr"/>
+              <a:r>
+                <a:rPr lang="en-US" sz="2200" dirty="0" smtClean="0">
+                  <a:latin typeface="Consolas" pitchFamily="49" charset="0"/>
+                  <a:cs typeface="Consolas" pitchFamily="49" charset="0"/>
+                </a:rPr>
+                <a:t>JUL</a:t>
+              </a:r>
+              <a:endParaRPr lang="en-US" sz="2200" dirty="0">
+                <a:latin typeface="Consolas" pitchFamily="49" charset="0"/>
+                <a:cs typeface="Consolas" pitchFamily="49" charset="0"/>
+              </a:endParaRPr>
+            </a:p>
+          </p:txBody>
+        </p:sp>
+        <p:sp>
+          <p:nvSpPr>
+            <p:cNvPr id="9" name="Rectangle 8"/>
+            <p:cNvSpPr/>
+            <p:nvPr/>
+          </p:nvSpPr>
+          <p:spPr>
+            <a:xfrm>
+              <a:off x="554966" y="3344921"/>
+              <a:ext cx="731520" cy="1150879"/>
+            </a:xfrm>
+            <a:prstGeom prst="rect">
+              <a:avLst/>
+            </a:prstGeom>
+            <a:gradFill flip="none" rotWithShape="1">
+              <a:gsLst>
+                <a:gs pos="0">
+                  <a:schemeClr val="tx2">
+                    <a:lumMod val="20000"/>
+                    <a:lumOff val="80000"/>
+                  </a:schemeClr>
+                </a:gs>
+                <a:gs pos="100000">
+                  <a:schemeClr val="accent1"/>
+                </a:gs>
+                <a:gs pos="100000">
+                  <a:schemeClr val="accent1">
+                    <a:tint val="23500"/>
+                    <a:satMod val="160000"/>
+                  </a:schemeClr>
+                </a:gs>
+              </a:gsLst>
+              <a:lin ang="0" scaled="1"/>
+              <a:tileRect/>
+            </a:gradFill>
+            <a:ln>
+              <a:gradFill flip="none" rotWithShape="1">
+                <a:gsLst>
+                  <a:gs pos="0">
+                    <a:schemeClr val="tx2">
+                      <a:lumMod val="40000"/>
+                      <a:lumOff val="60000"/>
+                    </a:schemeClr>
+                  </a:gs>
+                  <a:gs pos="50000">
+                    <a:schemeClr val="tx2">
+                      <a:lumMod val="60000"/>
+                      <a:lumOff val="40000"/>
+                    </a:schemeClr>
+                  </a:gs>
+                  <a:gs pos="100000">
+                    <a:schemeClr val="accent1">
+                      <a:lumMod val="75000"/>
+                    </a:schemeClr>
+                  </a:gs>
+                </a:gsLst>
+                <a:lin ang="0" scaled="1"/>
+                <a:tileRect/>
+              </a:gradFill>
+            </a:ln>
+          </p:spPr>
+          <p:style>
+            <a:lnRef idx="2">
+              <a:schemeClr val="accent1">
+                <a:shade val="50000"/>
+              </a:schemeClr>
+            </a:lnRef>
+            <a:fillRef idx="1">
+              <a:schemeClr val="accent1"/>
+            </a:fillRef>
+            <a:effectRef idx="0">
+              <a:schemeClr val="accent1"/>
+            </a:effectRef>
+            <a:fontRef idx="minor">
+              <a:schemeClr val="lt1"/>
+            </a:fontRef>
+          </p:style>
+          <p:txBody>
+            <a:bodyPr rtlCol="0" anchor="ctr"/>
+            <a:lstStyle/>
+            <a:p>
+              <a:pPr algn="ctr"/>
+              <a:r>
+                <a:rPr lang="en-US" sz="2200" dirty="0" smtClean="0">
+                  <a:latin typeface="Consolas" pitchFamily="49" charset="0"/>
+                  <a:cs typeface="Consolas" pitchFamily="49" charset="0"/>
+                </a:rPr>
+                <a:t>JUN</a:t>
+              </a:r>
+              <a:endParaRPr lang="en-US" sz="2200" dirty="0">
+                <a:latin typeface="Consolas" pitchFamily="49" charset="0"/>
+                <a:cs typeface="Consolas" pitchFamily="49" charset="0"/>
+              </a:endParaRPr>
+            </a:p>
+          </p:txBody>
+        </p:sp>
+      </p:grpSp>
+      <p:sp>
+        <p:nvSpPr>
+          <p:cNvPr id="25" name="Rectangle 24"/>
+          <p:cNvSpPr/>
+          <p:nvPr/>
+        </p:nvSpPr>
+        <p:spPr>
+          <a:xfrm>
+            <a:off x="92302" y="2057400"/>
+            <a:ext cx="3601241" cy="768096"/>
+          </a:xfrm>
+          <a:prstGeom prst="rect">
+            <a:avLst/>
+          </a:prstGeom>
+          <a:noFill/>
+          <a:ln>
+            <a:noFill/>
+          </a:ln>
+        </p:spPr>
+        <p:style>
+          <a:lnRef idx="2">
+            <a:schemeClr val="accent1">
+              <a:shade val="50000"/>
+            </a:schemeClr>
+          </a:lnRef>
+          <a:fillRef idx="1">
+            <a:schemeClr val="accent1"/>
+          </a:fillRef>
+          <a:effectRef idx="0">
+            <a:schemeClr val="accent1"/>
+          </a:effectRef>
+          <a:fontRef idx="minor">
+            <a:schemeClr val="lt1"/>
+          </a:fontRef>
+        </p:style>
+        <p:txBody>
+          <a:bodyPr rtlCol="0" anchor="ctr"/>
+          <a:lstStyle/>
+          <a:p>
+            <a:pPr algn="ctr"/>
+            <a:r>
+              <a:rPr lang="en-US" sz="2400" b="1" dirty="0" smtClean="0">
+                <a:solidFill>
+                  <a:schemeClr val="tx2">
+                    <a:lumMod val="75000"/>
+                  </a:schemeClr>
+                </a:solidFill>
+                <a:latin typeface="Consolas" pitchFamily="49" charset="0"/>
+                <a:cs typeface="Consolas" pitchFamily="49" charset="0"/>
+              </a:rPr>
+              <a:t>Past </a:t>
+            </a:r>
+          </a:p>
+          <a:p>
+            <a:pPr algn="ctr"/>
+            <a:r>
+              <a:rPr lang="en-US" sz="2400" b="1" dirty="0" smtClean="0">
+                <a:solidFill>
+                  <a:schemeClr val="tx2">
+                    <a:lumMod val="75000"/>
+                  </a:schemeClr>
+                </a:solidFill>
+                <a:latin typeface="Consolas" pitchFamily="49" charset="0"/>
+                <a:cs typeface="Consolas" pitchFamily="49" charset="0"/>
+              </a:rPr>
+              <a:t>Observed </a:t>
+            </a:r>
+            <a:r>
+              <a:rPr lang="en-US" sz="2400" b="1" dirty="0" smtClean="0">
+                <a:solidFill>
+                  <a:schemeClr val="tx2">
+                    <a:lumMod val="75000"/>
+                  </a:schemeClr>
+                </a:solidFill>
+                <a:latin typeface="Consolas" pitchFamily="49" charset="0"/>
+                <a:cs typeface="Consolas" pitchFamily="49" charset="0"/>
+              </a:rPr>
+              <a:t>Data</a:t>
+            </a:r>
+            <a:endParaRPr lang="en-US" sz="2400" b="1" dirty="0">
+              <a:solidFill>
+                <a:schemeClr val="tx2">
+                  <a:lumMod val="75000"/>
+                </a:schemeClr>
+              </a:solidFill>
+              <a:latin typeface="Consolas" pitchFamily="49" charset="0"/>
+              <a:cs typeface="Consolas" pitchFamily="49" charset="0"/>
+            </a:endParaRPr>
+          </a:p>
+        </p:txBody>
+      </p:sp>
+      <p:sp>
+        <p:nvSpPr>
+          <p:cNvPr id="28" name="Rectangle 27"/>
+          <p:cNvSpPr/>
+          <p:nvPr/>
+        </p:nvSpPr>
+        <p:spPr>
+          <a:xfrm>
+            <a:off x="4145280" y="2057400"/>
+            <a:ext cx="4821880" cy="768096"/>
+          </a:xfrm>
+          <a:prstGeom prst="rect">
+            <a:avLst/>
+          </a:prstGeom>
+          <a:noFill/>
+          <a:ln>
+            <a:noFill/>
+          </a:ln>
+        </p:spPr>
+        <p:style>
+          <a:lnRef idx="2">
+            <a:schemeClr val="accent1">
+              <a:shade val="50000"/>
+            </a:schemeClr>
+          </a:lnRef>
+          <a:fillRef idx="1">
+            <a:schemeClr val="accent1"/>
+          </a:fillRef>
+          <a:effectRef idx="0">
+            <a:schemeClr val="accent1"/>
+          </a:effectRef>
+          <a:fontRef idx="minor">
+            <a:schemeClr val="lt1"/>
+          </a:fontRef>
+        </p:style>
+        <p:txBody>
+          <a:bodyPr rtlCol="0" anchor="ctr"/>
+          <a:lstStyle/>
+          <a:p>
+            <a:pPr algn="ctr"/>
+            <a:r>
+              <a:rPr lang="en-US" sz="2400" b="1" dirty="0" smtClean="0">
+                <a:solidFill>
+                  <a:schemeClr val="tx2">
+                    <a:lumMod val="75000"/>
+                  </a:schemeClr>
+                </a:solidFill>
+                <a:latin typeface="Consolas" pitchFamily="49" charset="0"/>
+                <a:cs typeface="Consolas" pitchFamily="49" charset="0"/>
+              </a:rPr>
+              <a:t>Future </a:t>
+            </a:r>
+          </a:p>
+          <a:p>
+            <a:pPr algn="ctr"/>
+            <a:r>
+              <a:rPr lang="en-US" sz="2400" b="1" dirty="0" smtClean="0">
+                <a:solidFill>
+                  <a:schemeClr val="tx2">
+                    <a:lumMod val="75000"/>
+                  </a:schemeClr>
+                </a:solidFill>
+                <a:latin typeface="Consolas" pitchFamily="49" charset="0"/>
+                <a:cs typeface="Consolas" pitchFamily="49" charset="0"/>
+              </a:rPr>
+              <a:t>Simulated/Forecasted </a:t>
+            </a:r>
+            <a:r>
+              <a:rPr lang="en-US" sz="2400" b="1" dirty="0" smtClean="0">
+                <a:solidFill>
+                  <a:schemeClr val="tx2">
+                    <a:lumMod val="75000"/>
+                  </a:schemeClr>
+                </a:solidFill>
+                <a:latin typeface="Consolas" pitchFamily="49" charset="0"/>
+                <a:cs typeface="Consolas" pitchFamily="49" charset="0"/>
+              </a:rPr>
+              <a:t>Data</a:t>
+            </a:r>
+            <a:endParaRPr lang="en-US" sz="2400" b="1" dirty="0">
+              <a:solidFill>
+                <a:schemeClr val="tx2">
+                  <a:lumMod val="75000"/>
+                </a:schemeClr>
+              </a:solidFill>
+              <a:latin typeface="Consolas" pitchFamily="49" charset="0"/>
+              <a:cs typeface="Consolas" pitchFamily="49" charset="0"/>
+            </a:endParaRPr>
+          </a:p>
+        </p:txBody>
+      </p:sp>
+      <p:grpSp>
+        <p:nvGrpSpPr>
+          <p:cNvPr id="101" name="Group 100"/>
+          <p:cNvGrpSpPr/>
+          <p:nvPr/>
+        </p:nvGrpSpPr>
+        <p:grpSpPr>
+          <a:xfrm>
+            <a:off x="4038600" y="3069594"/>
+            <a:ext cx="4389120" cy="564657"/>
+            <a:chOff x="3489960" y="2407143"/>
+            <a:chExt cx="4389120" cy="564657"/>
+          </a:xfrm>
+        </p:grpSpPr>
+        <p:sp>
+          <p:nvSpPr>
+            <p:cNvPr id="11" name="Rectangle 10"/>
+            <p:cNvSpPr/>
+            <p:nvPr/>
+          </p:nvSpPr>
+          <p:spPr>
+            <a:xfrm>
+              <a:off x="3489960" y="2407143"/>
+              <a:ext cx="731520" cy="564657"/>
+            </a:xfrm>
+            <a:prstGeom prst="rect">
+              <a:avLst/>
+            </a:prstGeom>
+            <a:solidFill>
+              <a:schemeClr val="accent2">
+                <a:lumMod val="75000"/>
+              </a:schemeClr>
+            </a:solidFill>
+            <a:ln>
+              <a:solidFill>
+                <a:schemeClr val="accent2">
+                  <a:lumMod val="50000"/>
+                </a:schemeClr>
+              </a:solidFill>
+            </a:ln>
+          </p:spPr>
+          <p:style>
+            <a:lnRef idx="2">
+              <a:schemeClr val="accent1">
+                <a:shade val="50000"/>
+              </a:schemeClr>
+            </a:lnRef>
+            <a:fillRef idx="1">
+              <a:schemeClr val="accent1"/>
+            </a:fillRef>
+            <a:effectRef idx="0">
+              <a:schemeClr val="accent1"/>
+            </a:effectRef>
+            <a:fontRef idx="minor">
+              <a:schemeClr val="lt1"/>
+            </a:fontRef>
+          </p:style>
+          <p:txBody>
+            <a:bodyPr rtlCol="0" anchor="ctr"/>
+            <a:lstStyle/>
+            <a:p>
+              <a:pPr algn="ctr"/>
+              <a:r>
+                <a:rPr lang="en-US" sz="2200" dirty="0" smtClean="0">
+                  <a:latin typeface="Consolas" pitchFamily="49" charset="0"/>
+                  <a:cs typeface="Consolas" pitchFamily="49" charset="0"/>
+                </a:rPr>
+                <a:t>Oct</a:t>
+              </a:r>
+              <a:endParaRPr lang="en-US" sz="2200" dirty="0">
+                <a:latin typeface="Consolas" pitchFamily="49" charset="0"/>
+                <a:cs typeface="Consolas" pitchFamily="49" charset="0"/>
+              </a:endParaRPr>
+            </a:p>
+          </p:txBody>
+        </p:sp>
+        <p:sp>
+          <p:nvSpPr>
+            <p:cNvPr id="12" name="Rectangle 11"/>
+            <p:cNvSpPr/>
+            <p:nvPr/>
+          </p:nvSpPr>
+          <p:spPr>
+            <a:xfrm>
+              <a:off x="4221480" y="2407143"/>
+              <a:ext cx="731520" cy="564657"/>
+            </a:xfrm>
+            <a:prstGeom prst="rect">
+              <a:avLst/>
+            </a:prstGeom>
+            <a:solidFill>
+              <a:schemeClr val="accent2">
+                <a:lumMod val="75000"/>
+              </a:schemeClr>
+            </a:solidFill>
+            <a:ln>
+              <a:solidFill>
+                <a:schemeClr val="accent2">
+                  <a:lumMod val="50000"/>
+                </a:schemeClr>
+              </a:solidFill>
+            </a:ln>
+          </p:spPr>
+          <p:style>
+            <a:lnRef idx="2">
+              <a:schemeClr val="accent1">
+                <a:shade val="50000"/>
+              </a:schemeClr>
+            </a:lnRef>
+            <a:fillRef idx="1">
+              <a:schemeClr val="accent1"/>
+            </a:fillRef>
+            <a:effectRef idx="0">
+              <a:schemeClr val="accent1"/>
+            </a:effectRef>
+            <a:fontRef idx="minor">
+              <a:schemeClr val="lt1"/>
+            </a:fontRef>
+          </p:style>
+          <p:txBody>
+            <a:bodyPr rtlCol="0" anchor="ctr"/>
+            <a:lstStyle/>
+            <a:p>
+              <a:pPr algn="ctr"/>
+              <a:r>
+                <a:rPr lang="en-US" sz="2200" dirty="0" smtClean="0">
+                  <a:latin typeface="Consolas" pitchFamily="49" charset="0"/>
+                  <a:cs typeface="Consolas" pitchFamily="49" charset="0"/>
+                </a:rPr>
+                <a:t>Nov</a:t>
+              </a:r>
+              <a:endParaRPr lang="en-US" sz="2200" dirty="0">
+                <a:latin typeface="Consolas" pitchFamily="49" charset="0"/>
+                <a:cs typeface="Consolas" pitchFamily="49" charset="0"/>
+              </a:endParaRPr>
+            </a:p>
+          </p:txBody>
+        </p:sp>
+        <p:sp>
+          <p:nvSpPr>
+            <p:cNvPr id="13" name="Rectangle 12"/>
+            <p:cNvSpPr/>
+            <p:nvPr/>
+          </p:nvSpPr>
+          <p:spPr>
+            <a:xfrm>
+              <a:off x="4953000" y="2407143"/>
+              <a:ext cx="731520" cy="564657"/>
+            </a:xfrm>
+            <a:prstGeom prst="rect">
+              <a:avLst/>
+            </a:prstGeom>
+            <a:solidFill>
+              <a:schemeClr val="accent2">
+                <a:lumMod val="75000"/>
+              </a:schemeClr>
+            </a:solidFill>
+            <a:ln>
+              <a:solidFill>
+                <a:schemeClr val="accent2">
+                  <a:lumMod val="50000"/>
+                </a:schemeClr>
+              </a:solidFill>
+            </a:ln>
+          </p:spPr>
+          <p:style>
+            <a:lnRef idx="2">
+              <a:schemeClr val="accent1">
+                <a:shade val="50000"/>
+              </a:schemeClr>
+            </a:lnRef>
+            <a:fillRef idx="1">
+              <a:schemeClr val="accent1"/>
+            </a:fillRef>
+            <a:effectRef idx="0">
+              <a:schemeClr val="accent1"/>
+            </a:effectRef>
+            <a:fontRef idx="minor">
+              <a:schemeClr val="lt1"/>
+            </a:fontRef>
+          </p:style>
+          <p:txBody>
+            <a:bodyPr rtlCol="0" anchor="ctr"/>
+            <a:lstStyle/>
+            <a:p>
+              <a:pPr algn="ctr"/>
+              <a:r>
+                <a:rPr lang="en-US" sz="2200" dirty="0" smtClean="0">
+                  <a:latin typeface="Consolas" pitchFamily="49" charset="0"/>
+                  <a:cs typeface="Consolas" pitchFamily="49" charset="0"/>
+                </a:rPr>
+                <a:t>Dec</a:t>
+              </a:r>
+              <a:endParaRPr lang="en-US" sz="2200" dirty="0">
+                <a:latin typeface="Consolas" pitchFamily="49" charset="0"/>
+                <a:cs typeface="Consolas" pitchFamily="49" charset="0"/>
+              </a:endParaRPr>
+            </a:p>
+          </p:txBody>
+        </p:sp>
+        <p:sp>
+          <p:nvSpPr>
+            <p:cNvPr id="14" name="Rectangle 13"/>
+            <p:cNvSpPr/>
+            <p:nvPr/>
+          </p:nvSpPr>
+          <p:spPr>
+            <a:xfrm>
+              <a:off x="5684520" y="2407143"/>
+              <a:ext cx="731520" cy="564657"/>
+            </a:xfrm>
+            <a:prstGeom prst="rect">
+              <a:avLst/>
+            </a:prstGeom>
+            <a:solidFill>
+              <a:schemeClr val="accent2">
+                <a:lumMod val="75000"/>
+              </a:schemeClr>
+            </a:solidFill>
+            <a:ln>
+              <a:solidFill>
+                <a:schemeClr val="accent2">
+                  <a:lumMod val="50000"/>
+                </a:schemeClr>
+              </a:solidFill>
+            </a:ln>
+          </p:spPr>
+          <p:style>
+            <a:lnRef idx="2">
+              <a:schemeClr val="accent1">
+                <a:shade val="50000"/>
+              </a:schemeClr>
+            </a:lnRef>
+            <a:fillRef idx="1">
+              <a:schemeClr val="accent1"/>
+            </a:fillRef>
+            <a:effectRef idx="0">
+              <a:schemeClr val="accent1"/>
+            </a:effectRef>
+            <a:fontRef idx="minor">
+              <a:schemeClr val="lt1"/>
+            </a:fontRef>
+          </p:style>
+          <p:txBody>
+            <a:bodyPr rtlCol="0" anchor="ctr"/>
+            <a:lstStyle/>
+            <a:p>
+              <a:pPr algn="ctr"/>
+              <a:r>
+                <a:rPr lang="en-US" sz="2200" dirty="0" smtClean="0">
+                  <a:latin typeface="Consolas" pitchFamily="49" charset="0"/>
+                  <a:cs typeface="Consolas" pitchFamily="49" charset="0"/>
+                </a:rPr>
+                <a:t>Jan</a:t>
+              </a:r>
+              <a:endParaRPr lang="en-US" sz="2200" dirty="0">
+                <a:latin typeface="Consolas" pitchFamily="49" charset="0"/>
+                <a:cs typeface="Consolas" pitchFamily="49" charset="0"/>
+              </a:endParaRPr>
+            </a:p>
+          </p:txBody>
+        </p:sp>
+        <p:sp>
+          <p:nvSpPr>
+            <p:cNvPr id="15" name="Rectangle 14"/>
+            <p:cNvSpPr/>
+            <p:nvPr/>
+          </p:nvSpPr>
+          <p:spPr>
+            <a:xfrm>
+              <a:off x="6416040" y="2407143"/>
+              <a:ext cx="731520" cy="564657"/>
+            </a:xfrm>
+            <a:prstGeom prst="rect">
+              <a:avLst/>
+            </a:prstGeom>
+            <a:solidFill>
+              <a:schemeClr val="accent2">
+                <a:lumMod val="75000"/>
+              </a:schemeClr>
+            </a:solidFill>
+            <a:ln>
+              <a:solidFill>
+                <a:schemeClr val="accent2">
+                  <a:lumMod val="50000"/>
+                </a:schemeClr>
+              </a:solidFill>
+            </a:ln>
+          </p:spPr>
+          <p:style>
+            <a:lnRef idx="2">
+              <a:schemeClr val="accent1">
+                <a:shade val="50000"/>
+              </a:schemeClr>
+            </a:lnRef>
+            <a:fillRef idx="1">
+              <a:schemeClr val="accent1"/>
+            </a:fillRef>
+            <a:effectRef idx="0">
+              <a:schemeClr val="accent1"/>
+            </a:effectRef>
+            <a:fontRef idx="minor">
+              <a:schemeClr val="lt1"/>
+            </a:fontRef>
+          </p:style>
+          <p:txBody>
+            <a:bodyPr rtlCol="0" anchor="ctr"/>
+            <a:lstStyle/>
+            <a:p>
+              <a:pPr algn="ctr"/>
+              <a:r>
+                <a:rPr lang="en-US" sz="2200" dirty="0" smtClean="0">
+                  <a:latin typeface="Consolas" pitchFamily="49" charset="0"/>
+                  <a:cs typeface="Consolas" pitchFamily="49" charset="0"/>
+                </a:rPr>
+                <a:t>Feb</a:t>
+              </a:r>
+              <a:endParaRPr lang="en-US" sz="2200" dirty="0">
+                <a:latin typeface="Consolas" pitchFamily="49" charset="0"/>
+                <a:cs typeface="Consolas" pitchFamily="49" charset="0"/>
+              </a:endParaRPr>
+            </a:p>
+          </p:txBody>
+        </p:sp>
+        <p:sp>
+          <p:nvSpPr>
+            <p:cNvPr id="16" name="Rectangle 15"/>
+            <p:cNvSpPr/>
+            <p:nvPr/>
+          </p:nvSpPr>
+          <p:spPr>
+            <a:xfrm>
+              <a:off x="7147560" y="2407143"/>
+              <a:ext cx="731520" cy="564657"/>
+            </a:xfrm>
+            <a:prstGeom prst="rect">
+              <a:avLst/>
+            </a:prstGeom>
+            <a:gradFill flip="none" rotWithShape="1">
+              <a:gsLst>
+                <a:gs pos="0">
+                  <a:schemeClr val="accent2">
+                    <a:lumMod val="75000"/>
+                  </a:schemeClr>
+                </a:gs>
+                <a:gs pos="100000">
+                  <a:schemeClr val="accent2">
+                    <a:lumMod val="40000"/>
+                    <a:lumOff val="60000"/>
+                  </a:schemeClr>
+                </a:gs>
+                <a:gs pos="100000">
+                  <a:schemeClr val="accent1">
+                    <a:tint val="23500"/>
+                    <a:satMod val="160000"/>
+                  </a:schemeClr>
+                </a:gs>
+              </a:gsLst>
+              <a:lin ang="0" scaled="1"/>
+              <a:tileRect/>
+            </a:gradFill>
+            <a:ln>
+              <a:gradFill flip="none" rotWithShape="1">
+                <a:gsLst>
+                  <a:gs pos="0">
+                    <a:schemeClr val="accent2">
+                      <a:lumMod val="50000"/>
+                    </a:schemeClr>
+                  </a:gs>
+                  <a:gs pos="50000">
+                    <a:schemeClr val="accent2">
+                      <a:lumMod val="75000"/>
+                    </a:schemeClr>
+                  </a:gs>
+                  <a:gs pos="100000">
+                    <a:schemeClr val="accent2">
+                      <a:lumMod val="60000"/>
+                      <a:lumOff val="40000"/>
+                    </a:schemeClr>
+                  </a:gs>
+                </a:gsLst>
+                <a:lin ang="0" scaled="1"/>
+                <a:tileRect/>
+              </a:gradFill>
+            </a:ln>
+          </p:spPr>
+          <p:style>
+            <a:lnRef idx="2">
+              <a:schemeClr val="accent1">
+                <a:shade val="50000"/>
+              </a:schemeClr>
+            </a:lnRef>
+            <a:fillRef idx="1">
+              <a:schemeClr val="accent1"/>
+            </a:fillRef>
+            <a:effectRef idx="0">
+              <a:schemeClr val="accent1"/>
+            </a:effectRef>
+            <a:fontRef idx="minor">
+              <a:schemeClr val="lt1"/>
+            </a:fontRef>
+          </p:style>
+          <p:txBody>
+            <a:bodyPr rtlCol="0" anchor="ctr"/>
+            <a:lstStyle/>
+            <a:p>
+              <a:pPr algn="ctr"/>
+              <a:r>
+                <a:rPr lang="en-US" sz="2200" dirty="0" smtClean="0">
+                  <a:latin typeface="Consolas" pitchFamily="49" charset="0"/>
+                  <a:cs typeface="Consolas" pitchFamily="49" charset="0"/>
+                </a:rPr>
+                <a:t>Mar</a:t>
+              </a:r>
+              <a:endParaRPr lang="en-US" sz="2200" dirty="0">
+                <a:latin typeface="Consolas" pitchFamily="49" charset="0"/>
+                <a:cs typeface="Consolas" pitchFamily="49" charset="0"/>
+              </a:endParaRPr>
+            </a:p>
+          </p:txBody>
+        </p:sp>
+      </p:grpSp>
+      <p:cxnSp>
+        <p:nvCxnSpPr>
+          <p:cNvPr id="76" name="Straight Connector 75"/>
+          <p:cNvCxnSpPr>
+            <a:stCxn id="118" idx="1"/>
+            <a:endCxn id="4" idx="3"/>
+          </p:cNvCxnSpPr>
+          <p:nvPr/>
+        </p:nvCxnSpPr>
+        <p:spPr>
+          <a:xfrm flipH="1" flipV="1">
+            <a:off x="3355963" y="3414090"/>
+            <a:ext cx="1124597" cy="1309433"/>
+          </a:xfrm>
+          <a:prstGeom prst="line">
+            <a:avLst/>
+          </a:prstGeom>
+          <a:ln w="22225" cmpd="sng">
+            <a:solidFill>
+              <a:schemeClr val="bg1">
+                <a:lumMod val="50000"/>
+              </a:schemeClr>
+            </a:solidFill>
+            <a:prstDash val="sysDash"/>
+          </a:ln>
+        </p:spPr>
+        <p:style>
+          <a:lnRef idx="1">
+            <a:schemeClr val="accent1"/>
+          </a:lnRef>
+          <a:fillRef idx="0">
+            <a:schemeClr val="accent1"/>
+          </a:fillRef>
+          <a:effectRef idx="0">
+            <a:schemeClr val="accent1"/>
+          </a:effectRef>
+          <a:fontRef idx="minor">
+            <a:schemeClr val="tx1"/>
+          </a:fontRef>
+        </p:style>
+      </p:cxnSp>
+      <p:cxnSp>
+        <p:nvCxnSpPr>
+          <p:cNvPr id="79" name="Straight Connector 78"/>
+          <p:cNvCxnSpPr>
+            <a:stCxn id="111" idx="1"/>
+            <a:endCxn id="4" idx="3"/>
+          </p:cNvCxnSpPr>
+          <p:nvPr/>
+        </p:nvCxnSpPr>
+        <p:spPr>
+          <a:xfrm flipH="1" flipV="1">
+            <a:off x="3355963" y="3414090"/>
+            <a:ext cx="911237" cy="623633"/>
+          </a:xfrm>
+          <a:prstGeom prst="line">
+            <a:avLst/>
+          </a:prstGeom>
+          <a:ln w="22225" cmpd="sng">
+            <a:solidFill>
+              <a:schemeClr val="bg1">
+                <a:lumMod val="50000"/>
+              </a:schemeClr>
+            </a:solidFill>
+            <a:prstDash val="sysDash"/>
+          </a:ln>
+        </p:spPr>
+        <p:style>
+          <a:lnRef idx="1">
+            <a:schemeClr val="accent1"/>
+          </a:lnRef>
+          <a:fillRef idx="0">
+            <a:schemeClr val="accent1"/>
+          </a:fillRef>
+          <a:effectRef idx="0">
+            <a:schemeClr val="accent1"/>
+          </a:effectRef>
+          <a:fontRef idx="minor">
+            <a:schemeClr val="tx1"/>
+          </a:fontRef>
+        </p:style>
+      </p:cxnSp>
+      <p:grpSp>
+        <p:nvGrpSpPr>
+          <p:cNvPr id="110" name="Group 109"/>
+          <p:cNvGrpSpPr/>
+          <p:nvPr/>
+        </p:nvGrpSpPr>
+        <p:grpSpPr>
+          <a:xfrm>
+            <a:off x="4267200" y="3755394"/>
+            <a:ext cx="4389120" cy="564657"/>
+            <a:chOff x="3489960" y="2407143"/>
+            <a:chExt cx="4389120" cy="564657"/>
+          </a:xfrm>
+        </p:grpSpPr>
+        <p:sp>
+          <p:nvSpPr>
+            <p:cNvPr id="111" name="Rectangle 110"/>
+            <p:cNvSpPr/>
+            <p:nvPr/>
+          </p:nvSpPr>
+          <p:spPr>
+            <a:xfrm>
+              <a:off x="3489960" y="2407143"/>
+              <a:ext cx="731520" cy="564657"/>
+            </a:xfrm>
+            <a:prstGeom prst="rect">
+              <a:avLst/>
+            </a:prstGeom>
+            <a:solidFill>
+              <a:schemeClr val="accent2">
+                <a:lumMod val="75000"/>
+              </a:schemeClr>
+            </a:solidFill>
+            <a:ln>
+              <a:solidFill>
+                <a:schemeClr val="accent2">
+                  <a:lumMod val="50000"/>
+                </a:schemeClr>
+              </a:solidFill>
+            </a:ln>
+          </p:spPr>
+          <p:style>
+            <a:lnRef idx="2">
+              <a:schemeClr val="accent1">
+                <a:shade val="50000"/>
+              </a:schemeClr>
+            </a:lnRef>
+            <a:fillRef idx="1">
+              <a:schemeClr val="accent1"/>
+            </a:fillRef>
+            <a:effectRef idx="0">
+              <a:schemeClr val="accent1"/>
+            </a:effectRef>
+            <a:fontRef idx="minor">
+              <a:schemeClr val="lt1"/>
+            </a:fontRef>
+          </p:style>
+          <p:txBody>
+            <a:bodyPr rtlCol="0" anchor="ctr"/>
+            <a:lstStyle/>
+            <a:p>
+              <a:pPr algn="ctr"/>
+              <a:r>
+                <a:rPr lang="en-US" sz="2200" dirty="0" smtClean="0">
+                  <a:latin typeface="Consolas" pitchFamily="49" charset="0"/>
+                  <a:cs typeface="Consolas" pitchFamily="49" charset="0"/>
+                </a:rPr>
+                <a:t>Oct</a:t>
+              </a:r>
+              <a:endParaRPr lang="en-US" sz="2200" dirty="0">
+                <a:latin typeface="Consolas" pitchFamily="49" charset="0"/>
+                <a:cs typeface="Consolas" pitchFamily="49" charset="0"/>
+              </a:endParaRPr>
+            </a:p>
+          </p:txBody>
+        </p:sp>
+        <p:sp>
+          <p:nvSpPr>
+            <p:cNvPr id="112" name="Rectangle 111"/>
+            <p:cNvSpPr/>
+            <p:nvPr/>
+          </p:nvSpPr>
+          <p:spPr>
+            <a:xfrm>
+              <a:off x="4221480" y="2407143"/>
+              <a:ext cx="731520" cy="564657"/>
+            </a:xfrm>
+            <a:prstGeom prst="rect">
+              <a:avLst/>
+            </a:prstGeom>
+            <a:solidFill>
+              <a:schemeClr val="accent2">
+                <a:lumMod val="75000"/>
+              </a:schemeClr>
+            </a:solidFill>
+            <a:ln>
+              <a:solidFill>
+                <a:schemeClr val="accent2">
+                  <a:lumMod val="50000"/>
+                </a:schemeClr>
+              </a:solidFill>
+            </a:ln>
+          </p:spPr>
+          <p:style>
+            <a:lnRef idx="2">
+              <a:schemeClr val="accent1">
+                <a:shade val="50000"/>
+              </a:schemeClr>
+            </a:lnRef>
+            <a:fillRef idx="1">
+              <a:schemeClr val="accent1"/>
+            </a:fillRef>
+            <a:effectRef idx="0">
+              <a:schemeClr val="accent1"/>
+            </a:effectRef>
+            <a:fontRef idx="minor">
+              <a:schemeClr val="lt1"/>
+            </a:fontRef>
+          </p:style>
+          <p:txBody>
+            <a:bodyPr rtlCol="0" anchor="ctr"/>
+            <a:lstStyle/>
+            <a:p>
+              <a:pPr algn="ctr"/>
+              <a:r>
+                <a:rPr lang="en-US" sz="2200" dirty="0" smtClean="0">
+                  <a:latin typeface="Consolas" pitchFamily="49" charset="0"/>
+                  <a:cs typeface="Consolas" pitchFamily="49" charset="0"/>
+                </a:rPr>
+                <a:t>Nov</a:t>
+              </a:r>
+              <a:endParaRPr lang="en-US" sz="2200" dirty="0">
+                <a:latin typeface="Consolas" pitchFamily="49" charset="0"/>
+                <a:cs typeface="Consolas" pitchFamily="49" charset="0"/>
+              </a:endParaRPr>
+            </a:p>
+          </p:txBody>
+        </p:sp>
+        <p:sp>
+          <p:nvSpPr>
+            <p:cNvPr id="113" name="Rectangle 112"/>
+            <p:cNvSpPr/>
+            <p:nvPr/>
+          </p:nvSpPr>
+          <p:spPr>
+            <a:xfrm>
+              <a:off x="4953000" y="2407143"/>
+              <a:ext cx="731520" cy="564657"/>
+            </a:xfrm>
+            <a:prstGeom prst="rect">
+              <a:avLst/>
+            </a:prstGeom>
+            <a:solidFill>
+              <a:schemeClr val="accent2">
+                <a:lumMod val="75000"/>
+              </a:schemeClr>
+            </a:solidFill>
+            <a:ln>
+              <a:solidFill>
+                <a:schemeClr val="accent2">
+                  <a:lumMod val="50000"/>
+                </a:schemeClr>
+              </a:solidFill>
+            </a:ln>
+          </p:spPr>
+          <p:style>
+            <a:lnRef idx="2">
+              <a:schemeClr val="accent1">
+                <a:shade val="50000"/>
+              </a:schemeClr>
+            </a:lnRef>
+            <a:fillRef idx="1">
+              <a:schemeClr val="accent1"/>
+            </a:fillRef>
+            <a:effectRef idx="0">
+              <a:schemeClr val="accent1"/>
+            </a:effectRef>
+            <a:fontRef idx="minor">
+              <a:schemeClr val="lt1"/>
+            </a:fontRef>
+          </p:style>
+          <p:txBody>
+            <a:bodyPr rtlCol="0" anchor="ctr"/>
+            <a:lstStyle/>
+            <a:p>
+              <a:pPr algn="ctr"/>
+              <a:r>
+                <a:rPr lang="en-US" sz="2200" dirty="0" smtClean="0">
+                  <a:latin typeface="Consolas" pitchFamily="49" charset="0"/>
+                  <a:cs typeface="Consolas" pitchFamily="49" charset="0"/>
+                </a:rPr>
+                <a:t>Dec</a:t>
+              </a:r>
+              <a:endParaRPr lang="en-US" sz="2200" dirty="0">
+                <a:latin typeface="Consolas" pitchFamily="49" charset="0"/>
+                <a:cs typeface="Consolas" pitchFamily="49" charset="0"/>
+              </a:endParaRPr>
+            </a:p>
+          </p:txBody>
+        </p:sp>
+        <p:sp>
+          <p:nvSpPr>
+            <p:cNvPr id="114" name="Rectangle 113"/>
+            <p:cNvSpPr/>
+            <p:nvPr/>
+          </p:nvSpPr>
+          <p:spPr>
+            <a:xfrm>
+              <a:off x="5684520" y="2407143"/>
+              <a:ext cx="731520" cy="564657"/>
+            </a:xfrm>
+            <a:prstGeom prst="rect">
+              <a:avLst/>
+            </a:prstGeom>
+            <a:solidFill>
+              <a:schemeClr val="accent2">
+                <a:lumMod val="75000"/>
+              </a:schemeClr>
+            </a:solidFill>
+            <a:ln>
+              <a:solidFill>
+                <a:schemeClr val="accent2">
+                  <a:lumMod val="50000"/>
+                </a:schemeClr>
+              </a:solidFill>
+            </a:ln>
+          </p:spPr>
+          <p:style>
+            <a:lnRef idx="2">
+              <a:schemeClr val="accent1">
+                <a:shade val="50000"/>
+              </a:schemeClr>
+            </a:lnRef>
+            <a:fillRef idx="1">
+              <a:schemeClr val="accent1"/>
+            </a:fillRef>
+            <a:effectRef idx="0">
+              <a:schemeClr val="accent1"/>
+            </a:effectRef>
+            <a:fontRef idx="minor">
+              <a:schemeClr val="lt1"/>
+            </a:fontRef>
+          </p:style>
+          <p:txBody>
+            <a:bodyPr rtlCol="0" anchor="ctr"/>
+            <a:lstStyle/>
+            <a:p>
+              <a:pPr algn="ctr"/>
+              <a:r>
+                <a:rPr lang="en-US" sz="2200" dirty="0" smtClean="0">
+                  <a:latin typeface="Consolas" pitchFamily="49" charset="0"/>
+                  <a:cs typeface="Consolas" pitchFamily="49" charset="0"/>
+                </a:rPr>
+                <a:t>Jan</a:t>
+              </a:r>
+              <a:endParaRPr lang="en-US" sz="2200" dirty="0">
+                <a:latin typeface="Consolas" pitchFamily="49" charset="0"/>
+                <a:cs typeface="Consolas" pitchFamily="49" charset="0"/>
+              </a:endParaRPr>
+            </a:p>
+          </p:txBody>
+        </p:sp>
+        <p:sp>
+          <p:nvSpPr>
+            <p:cNvPr id="115" name="Rectangle 114"/>
+            <p:cNvSpPr/>
+            <p:nvPr/>
+          </p:nvSpPr>
+          <p:spPr>
+            <a:xfrm>
+              <a:off x="6416040" y="2407143"/>
+              <a:ext cx="731520" cy="564657"/>
+            </a:xfrm>
+            <a:prstGeom prst="rect">
+              <a:avLst/>
+            </a:prstGeom>
+            <a:solidFill>
+              <a:schemeClr val="accent2">
+                <a:lumMod val="75000"/>
+              </a:schemeClr>
+            </a:solidFill>
+            <a:ln>
+              <a:solidFill>
+                <a:schemeClr val="accent2">
+                  <a:lumMod val="50000"/>
+                </a:schemeClr>
+              </a:solidFill>
+            </a:ln>
+          </p:spPr>
+          <p:style>
+            <a:lnRef idx="2">
+              <a:schemeClr val="accent1">
+                <a:shade val="50000"/>
+              </a:schemeClr>
+            </a:lnRef>
+            <a:fillRef idx="1">
+              <a:schemeClr val="accent1"/>
+            </a:fillRef>
+            <a:effectRef idx="0">
+              <a:schemeClr val="accent1"/>
+            </a:effectRef>
+            <a:fontRef idx="minor">
+              <a:schemeClr val="lt1"/>
+            </a:fontRef>
+          </p:style>
+          <p:txBody>
+            <a:bodyPr rtlCol="0" anchor="ctr"/>
+            <a:lstStyle/>
+            <a:p>
+              <a:pPr algn="ctr"/>
+              <a:r>
+                <a:rPr lang="en-US" sz="2200" dirty="0" smtClean="0">
+                  <a:latin typeface="Consolas" pitchFamily="49" charset="0"/>
+                  <a:cs typeface="Consolas" pitchFamily="49" charset="0"/>
+                </a:rPr>
+                <a:t>Feb</a:t>
+              </a:r>
+              <a:endParaRPr lang="en-US" sz="2200" dirty="0">
+                <a:latin typeface="Consolas" pitchFamily="49" charset="0"/>
+                <a:cs typeface="Consolas" pitchFamily="49" charset="0"/>
+              </a:endParaRPr>
+            </a:p>
+          </p:txBody>
+        </p:sp>
+        <p:sp>
+          <p:nvSpPr>
+            <p:cNvPr id="116" name="Rectangle 115"/>
+            <p:cNvSpPr/>
+            <p:nvPr/>
+          </p:nvSpPr>
+          <p:spPr>
+            <a:xfrm>
+              <a:off x="7147560" y="2407143"/>
+              <a:ext cx="731520" cy="564657"/>
+            </a:xfrm>
+            <a:prstGeom prst="rect">
+              <a:avLst/>
+            </a:prstGeom>
+            <a:gradFill flip="none" rotWithShape="1">
+              <a:gsLst>
+                <a:gs pos="0">
+                  <a:schemeClr val="accent2">
+                    <a:lumMod val="75000"/>
+                  </a:schemeClr>
+                </a:gs>
+                <a:gs pos="100000">
+                  <a:schemeClr val="accent2">
+                    <a:lumMod val="40000"/>
+                    <a:lumOff val="60000"/>
+                  </a:schemeClr>
+                </a:gs>
+                <a:gs pos="100000">
+                  <a:schemeClr val="accent1">
+                    <a:tint val="23500"/>
+                    <a:satMod val="160000"/>
+                  </a:schemeClr>
+                </a:gs>
+              </a:gsLst>
+              <a:lin ang="0" scaled="1"/>
+              <a:tileRect/>
+            </a:gradFill>
+            <a:ln>
+              <a:gradFill flip="none" rotWithShape="1">
+                <a:gsLst>
+                  <a:gs pos="0">
+                    <a:schemeClr val="accent2">
+                      <a:lumMod val="50000"/>
+                    </a:schemeClr>
+                  </a:gs>
+                  <a:gs pos="50000">
+                    <a:schemeClr val="accent2">
+                      <a:lumMod val="75000"/>
+                    </a:schemeClr>
+                  </a:gs>
+                  <a:gs pos="100000">
+                    <a:schemeClr val="accent2">
+                      <a:lumMod val="60000"/>
+                      <a:lumOff val="40000"/>
+                    </a:schemeClr>
+                  </a:gs>
+                </a:gsLst>
+                <a:lin ang="0" scaled="1"/>
+                <a:tileRect/>
+              </a:gradFill>
+            </a:ln>
+          </p:spPr>
+          <p:style>
+            <a:lnRef idx="2">
+              <a:schemeClr val="accent1">
+                <a:shade val="50000"/>
+              </a:schemeClr>
+            </a:lnRef>
+            <a:fillRef idx="1">
+              <a:schemeClr val="accent1"/>
+            </a:fillRef>
+            <a:effectRef idx="0">
+              <a:schemeClr val="accent1"/>
+            </a:effectRef>
+            <a:fontRef idx="minor">
+              <a:schemeClr val="lt1"/>
+            </a:fontRef>
+          </p:style>
+          <p:txBody>
+            <a:bodyPr rtlCol="0" anchor="ctr"/>
+            <a:lstStyle/>
+            <a:p>
+              <a:pPr algn="ctr"/>
+              <a:r>
+                <a:rPr lang="en-US" sz="2200" dirty="0" smtClean="0">
+                  <a:latin typeface="Consolas" pitchFamily="49" charset="0"/>
+                  <a:cs typeface="Consolas" pitchFamily="49" charset="0"/>
+                </a:rPr>
+                <a:t>Mar</a:t>
+              </a:r>
+              <a:endParaRPr lang="en-US" sz="2200" dirty="0">
+                <a:latin typeface="Consolas" pitchFamily="49" charset="0"/>
+                <a:cs typeface="Consolas" pitchFamily="49" charset="0"/>
+              </a:endParaRPr>
+            </a:p>
+          </p:txBody>
+        </p:sp>
+      </p:grpSp>
+      <p:grpSp>
+        <p:nvGrpSpPr>
+          <p:cNvPr id="117" name="Group 116"/>
+          <p:cNvGrpSpPr/>
+          <p:nvPr/>
+        </p:nvGrpSpPr>
+        <p:grpSpPr>
+          <a:xfrm>
+            <a:off x="4480560" y="4441194"/>
+            <a:ext cx="4358640" cy="564657"/>
+            <a:chOff x="3489960" y="2407143"/>
+            <a:chExt cx="4358640" cy="564657"/>
+          </a:xfrm>
+        </p:grpSpPr>
+        <p:sp>
+          <p:nvSpPr>
+            <p:cNvPr id="118" name="Rectangle 117"/>
+            <p:cNvSpPr/>
+            <p:nvPr/>
+          </p:nvSpPr>
+          <p:spPr>
+            <a:xfrm>
+              <a:off x="3489960" y="2407143"/>
+              <a:ext cx="731520" cy="564657"/>
+            </a:xfrm>
+            <a:prstGeom prst="rect">
+              <a:avLst/>
+            </a:prstGeom>
+            <a:solidFill>
+              <a:schemeClr val="accent2">
+                <a:lumMod val="75000"/>
+              </a:schemeClr>
+            </a:solidFill>
+            <a:ln>
+              <a:solidFill>
+                <a:schemeClr val="accent2">
+                  <a:lumMod val="50000"/>
+                </a:schemeClr>
+              </a:solidFill>
+            </a:ln>
+          </p:spPr>
+          <p:style>
+            <a:lnRef idx="2">
+              <a:schemeClr val="accent1">
+                <a:shade val="50000"/>
+              </a:schemeClr>
+            </a:lnRef>
+            <a:fillRef idx="1">
+              <a:schemeClr val="accent1"/>
+            </a:fillRef>
+            <a:effectRef idx="0">
+              <a:schemeClr val="accent1"/>
+            </a:effectRef>
+            <a:fontRef idx="minor">
+              <a:schemeClr val="lt1"/>
+            </a:fontRef>
+          </p:style>
+          <p:txBody>
+            <a:bodyPr rtlCol="0" anchor="ctr"/>
+            <a:lstStyle/>
+            <a:p>
+              <a:pPr algn="ctr"/>
+              <a:r>
+                <a:rPr lang="en-US" sz="2200" dirty="0" smtClean="0">
+                  <a:latin typeface="Consolas" pitchFamily="49" charset="0"/>
+                  <a:cs typeface="Consolas" pitchFamily="49" charset="0"/>
+                </a:rPr>
+                <a:t>Oct</a:t>
+              </a:r>
+              <a:endParaRPr lang="en-US" sz="2200" dirty="0">
+                <a:latin typeface="Consolas" pitchFamily="49" charset="0"/>
+                <a:cs typeface="Consolas" pitchFamily="49" charset="0"/>
+              </a:endParaRPr>
+            </a:p>
+          </p:txBody>
+        </p:sp>
+        <p:sp>
+          <p:nvSpPr>
+            <p:cNvPr id="119" name="Rectangle 118"/>
+            <p:cNvSpPr/>
+            <p:nvPr/>
+          </p:nvSpPr>
+          <p:spPr>
+            <a:xfrm>
+              <a:off x="4221480" y="2407143"/>
+              <a:ext cx="731520" cy="564657"/>
+            </a:xfrm>
+            <a:prstGeom prst="rect">
+              <a:avLst/>
+            </a:prstGeom>
+            <a:solidFill>
+              <a:schemeClr val="accent2">
+                <a:lumMod val="75000"/>
+              </a:schemeClr>
+            </a:solidFill>
+            <a:ln>
+              <a:solidFill>
+                <a:schemeClr val="accent2">
+                  <a:lumMod val="50000"/>
+                </a:schemeClr>
+              </a:solidFill>
+            </a:ln>
+          </p:spPr>
+          <p:style>
+            <a:lnRef idx="2">
+              <a:schemeClr val="accent1">
+                <a:shade val="50000"/>
+              </a:schemeClr>
+            </a:lnRef>
+            <a:fillRef idx="1">
+              <a:schemeClr val="accent1"/>
+            </a:fillRef>
+            <a:effectRef idx="0">
+              <a:schemeClr val="accent1"/>
+            </a:effectRef>
+            <a:fontRef idx="minor">
+              <a:schemeClr val="lt1"/>
+            </a:fontRef>
+          </p:style>
+          <p:txBody>
+            <a:bodyPr rtlCol="0" anchor="ctr"/>
+            <a:lstStyle/>
+            <a:p>
+              <a:pPr algn="ctr"/>
+              <a:r>
+                <a:rPr lang="en-US" sz="2200" dirty="0" smtClean="0">
+                  <a:latin typeface="Consolas" pitchFamily="49" charset="0"/>
+                  <a:cs typeface="Consolas" pitchFamily="49" charset="0"/>
+                </a:rPr>
+                <a:t>Nov</a:t>
+              </a:r>
+              <a:endParaRPr lang="en-US" sz="2200" dirty="0">
+                <a:latin typeface="Consolas" pitchFamily="49" charset="0"/>
+                <a:cs typeface="Consolas" pitchFamily="49" charset="0"/>
+              </a:endParaRPr>
+            </a:p>
+          </p:txBody>
+        </p:sp>
+        <p:sp>
+          <p:nvSpPr>
+            <p:cNvPr id="120" name="Rectangle 119"/>
+            <p:cNvSpPr/>
+            <p:nvPr/>
+          </p:nvSpPr>
+          <p:spPr>
+            <a:xfrm>
+              <a:off x="4953000" y="2407143"/>
+              <a:ext cx="731520" cy="564657"/>
+            </a:xfrm>
+            <a:prstGeom prst="rect">
+              <a:avLst/>
+            </a:prstGeom>
+            <a:solidFill>
+              <a:schemeClr val="accent2">
+                <a:lumMod val="75000"/>
+              </a:schemeClr>
+            </a:solidFill>
+            <a:ln>
+              <a:solidFill>
+                <a:schemeClr val="accent2">
+                  <a:lumMod val="50000"/>
+                </a:schemeClr>
+              </a:solidFill>
+            </a:ln>
+          </p:spPr>
+          <p:style>
+            <a:lnRef idx="2">
+              <a:schemeClr val="accent1">
+                <a:shade val="50000"/>
+              </a:schemeClr>
+            </a:lnRef>
+            <a:fillRef idx="1">
+              <a:schemeClr val="accent1"/>
+            </a:fillRef>
+            <a:effectRef idx="0">
+              <a:schemeClr val="accent1"/>
+            </a:effectRef>
+            <a:fontRef idx="minor">
+              <a:schemeClr val="lt1"/>
+            </a:fontRef>
+          </p:style>
+          <p:txBody>
+            <a:bodyPr rtlCol="0" anchor="ctr"/>
+            <a:lstStyle/>
+            <a:p>
+              <a:pPr algn="ctr"/>
+              <a:r>
+                <a:rPr lang="en-US" sz="2200" dirty="0" smtClean="0">
+                  <a:latin typeface="Consolas" pitchFamily="49" charset="0"/>
+                  <a:cs typeface="Consolas" pitchFamily="49" charset="0"/>
+                </a:rPr>
+                <a:t>Dec</a:t>
+              </a:r>
+              <a:endParaRPr lang="en-US" sz="2200" dirty="0">
+                <a:latin typeface="Consolas" pitchFamily="49" charset="0"/>
+                <a:cs typeface="Consolas" pitchFamily="49" charset="0"/>
+              </a:endParaRPr>
+            </a:p>
+          </p:txBody>
+        </p:sp>
+        <p:sp>
+          <p:nvSpPr>
+            <p:cNvPr id="121" name="Rectangle 120"/>
+            <p:cNvSpPr/>
+            <p:nvPr/>
+          </p:nvSpPr>
+          <p:spPr>
+            <a:xfrm>
+              <a:off x="5684520" y="2407143"/>
+              <a:ext cx="731520" cy="564657"/>
+            </a:xfrm>
+            <a:prstGeom prst="rect">
+              <a:avLst/>
+            </a:prstGeom>
+            <a:solidFill>
+              <a:schemeClr val="accent2">
+                <a:lumMod val="75000"/>
+              </a:schemeClr>
+            </a:solidFill>
+            <a:ln>
+              <a:solidFill>
+                <a:schemeClr val="accent2">
+                  <a:lumMod val="50000"/>
+                </a:schemeClr>
+              </a:solidFill>
+            </a:ln>
+          </p:spPr>
+          <p:style>
+            <a:lnRef idx="2">
+              <a:schemeClr val="accent1">
+                <a:shade val="50000"/>
+              </a:schemeClr>
+            </a:lnRef>
+            <a:fillRef idx="1">
+              <a:schemeClr val="accent1"/>
+            </a:fillRef>
+            <a:effectRef idx="0">
+              <a:schemeClr val="accent1"/>
+            </a:effectRef>
+            <a:fontRef idx="minor">
+              <a:schemeClr val="lt1"/>
+            </a:fontRef>
+          </p:style>
+          <p:txBody>
+            <a:bodyPr rtlCol="0" anchor="ctr"/>
+            <a:lstStyle/>
+            <a:p>
+              <a:pPr algn="ctr"/>
+              <a:r>
+                <a:rPr lang="en-US" sz="2200" dirty="0" smtClean="0">
+                  <a:latin typeface="Consolas" pitchFamily="49" charset="0"/>
+                  <a:cs typeface="Consolas" pitchFamily="49" charset="0"/>
+                </a:rPr>
+                <a:t>Jan</a:t>
+              </a:r>
+              <a:endParaRPr lang="en-US" sz="2200" dirty="0">
+                <a:latin typeface="Consolas" pitchFamily="49" charset="0"/>
+                <a:cs typeface="Consolas" pitchFamily="49" charset="0"/>
+              </a:endParaRPr>
+            </a:p>
+          </p:txBody>
+        </p:sp>
+        <p:sp>
+          <p:nvSpPr>
+            <p:cNvPr id="122" name="Rectangle 121"/>
+            <p:cNvSpPr/>
+            <p:nvPr/>
+          </p:nvSpPr>
+          <p:spPr>
+            <a:xfrm>
+              <a:off x="6416040" y="2407143"/>
+              <a:ext cx="731520" cy="564657"/>
+            </a:xfrm>
+            <a:prstGeom prst="rect">
+              <a:avLst/>
+            </a:prstGeom>
+            <a:solidFill>
+              <a:schemeClr val="accent2">
+                <a:lumMod val="75000"/>
+              </a:schemeClr>
+            </a:solidFill>
+            <a:ln>
+              <a:solidFill>
+                <a:schemeClr val="accent2">
+                  <a:lumMod val="50000"/>
+                </a:schemeClr>
+              </a:solidFill>
+            </a:ln>
+          </p:spPr>
+          <p:style>
+            <a:lnRef idx="2">
+              <a:schemeClr val="accent1">
+                <a:shade val="50000"/>
+              </a:schemeClr>
+            </a:lnRef>
+            <a:fillRef idx="1">
+              <a:schemeClr val="accent1"/>
+            </a:fillRef>
+            <a:effectRef idx="0">
+              <a:schemeClr val="accent1"/>
+            </a:effectRef>
+            <a:fontRef idx="minor">
+              <a:schemeClr val="lt1"/>
+            </a:fontRef>
+          </p:style>
+          <p:txBody>
+            <a:bodyPr rtlCol="0" anchor="ctr"/>
+            <a:lstStyle/>
+            <a:p>
+              <a:pPr algn="ctr"/>
+              <a:r>
+                <a:rPr lang="en-US" sz="2200" dirty="0" smtClean="0">
+                  <a:latin typeface="Consolas" pitchFamily="49" charset="0"/>
+                  <a:cs typeface="Consolas" pitchFamily="49" charset="0"/>
+                </a:rPr>
+                <a:t>Feb</a:t>
+              </a:r>
+              <a:endParaRPr lang="en-US" sz="2200" dirty="0">
+                <a:latin typeface="Consolas" pitchFamily="49" charset="0"/>
+                <a:cs typeface="Consolas" pitchFamily="49" charset="0"/>
+              </a:endParaRPr>
+            </a:p>
+          </p:txBody>
+        </p:sp>
+        <p:sp>
+          <p:nvSpPr>
+            <p:cNvPr id="123" name="Rectangle 122"/>
+            <p:cNvSpPr/>
+            <p:nvPr/>
+          </p:nvSpPr>
+          <p:spPr>
+            <a:xfrm>
+              <a:off x="7117080" y="2407143"/>
+              <a:ext cx="731520" cy="564657"/>
+            </a:xfrm>
+            <a:prstGeom prst="rect">
+              <a:avLst/>
+            </a:prstGeom>
+            <a:gradFill flip="none" rotWithShape="1">
+              <a:gsLst>
+                <a:gs pos="0">
+                  <a:schemeClr val="accent2">
+                    <a:lumMod val="75000"/>
+                  </a:schemeClr>
+                </a:gs>
+                <a:gs pos="100000">
+                  <a:schemeClr val="accent2">
+                    <a:lumMod val="40000"/>
+                    <a:lumOff val="60000"/>
+                  </a:schemeClr>
+                </a:gs>
+                <a:gs pos="100000">
+                  <a:schemeClr val="accent1">
+                    <a:tint val="23500"/>
+                    <a:satMod val="160000"/>
+                  </a:schemeClr>
+                </a:gs>
+              </a:gsLst>
+              <a:lin ang="0" scaled="1"/>
+              <a:tileRect/>
+            </a:gradFill>
+            <a:ln>
+              <a:gradFill flip="none" rotWithShape="1">
+                <a:gsLst>
+                  <a:gs pos="0">
+                    <a:schemeClr val="accent2">
+                      <a:lumMod val="50000"/>
+                    </a:schemeClr>
+                  </a:gs>
+                  <a:gs pos="50000">
+                    <a:schemeClr val="accent2">
+                      <a:lumMod val="75000"/>
+                    </a:schemeClr>
+                  </a:gs>
+                  <a:gs pos="100000">
+                    <a:schemeClr val="accent2">
+                      <a:lumMod val="60000"/>
+                      <a:lumOff val="40000"/>
+                    </a:schemeClr>
+                  </a:gs>
+                </a:gsLst>
+                <a:lin ang="0" scaled="1"/>
+                <a:tileRect/>
+              </a:gradFill>
+            </a:ln>
+          </p:spPr>
+          <p:style>
+            <a:lnRef idx="2">
+              <a:schemeClr val="accent1">
+                <a:shade val="50000"/>
+              </a:schemeClr>
+            </a:lnRef>
+            <a:fillRef idx="1">
+              <a:schemeClr val="accent1"/>
+            </a:fillRef>
+            <a:effectRef idx="0">
+              <a:schemeClr val="accent1"/>
+            </a:effectRef>
+            <a:fontRef idx="minor">
+              <a:schemeClr val="lt1"/>
+            </a:fontRef>
+          </p:style>
+          <p:txBody>
+            <a:bodyPr rtlCol="0" anchor="ctr"/>
+            <a:lstStyle/>
+            <a:p>
+              <a:pPr algn="ctr"/>
+              <a:r>
+                <a:rPr lang="en-US" sz="2200" dirty="0" smtClean="0">
+                  <a:latin typeface="Consolas" pitchFamily="49" charset="0"/>
+                  <a:cs typeface="Consolas" pitchFamily="49" charset="0"/>
+                </a:rPr>
+                <a:t>Mar</a:t>
+              </a:r>
+              <a:endParaRPr lang="en-US" sz="2200" dirty="0">
+                <a:latin typeface="Consolas" pitchFamily="49" charset="0"/>
+                <a:cs typeface="Consolas" pitchFamily="49" charset="0"/>
+              </a:endParaRPr>
+            </a:p>
+          </p:txBody>
+        </p:sp>
+      </p:grpSp>
+      <p:cxnSp>
+        <p:nvCxnSpPr>
+          <p:cNvPr id="156" name="Straight Connector 155"/>
+          <p:cNvCxnSpPr>
+            <a:endCxn id="4" idx="3"/>
+          </p:cNvCxnSpPr>
+          <p:nvPr/>
+        </p:nvCxnSpPr>
+        <p:spPr>
+          <a:xfrm flipH="1" flipV="1">
+            <a:off x="3355963" y="3414090"/>
+            <a:ext cx="1048397" cy="2148511"/>
+          </a:xfrm>
+          <a:prstGeom prst="line">
+            <a:avLst/>
+          </a:prstGeom>
+          <a:ln w="22225" cmpd="sng">
+            <a:solidFill>
+              <a:schemeClr val="bg1">
+                <a:lumMod val="50000"/>
+              </a:schemeClr>
+            </a:solidFill>
+            <a:prstDash val="sysDash"/>
+          </a:ln>
+        </p:spPr>
+        <p:style>
+          <a:lnRef idx="1">
+            <a:schemeClr val="accent1"/>
+          </a:lnRef>
+          <a:fillRef idx="0">
+            <a:schemeClr val="accent1"/>
+          </a:fillRef>
+          <a:effectRef idx="0">
+            <a:schemeClr val="accent1"/>
+          </a:effectRef>
+          <a:fontRef idx="minor">
+            <a:schemeClr val="tx1"/>
+          </a:fontRef>
+        </p:style>
+      </p:cxnSp>
     </p:spTree>
     <p:extLst>
       <p:ext uri="{BB962C8B-B14F-4D97-AF65-F5344CB8AC3E}">
@@ -4271,110 +7209,2703 @@
         </p:nvSpPr>
         <p:spPr/>
         <p:txBody>
-          <a:bodyPr/>
+          <a:bodyPr>
+            <a:normAutofit/>
+          </a:bodyPr>
           <a:lstStyle/>
           <a:p>
-            <a:endParaRPr lang="en-US"/>
+            <a:r>
+              <a:rPr lang="en-US" sz="3600" dirty="0"/>
+              <a:t>Position Analysis with </a:t>
+            </a:r>
+            <a:r>
+              <a:rPr lang="en-US" sz="3600" dirty="0" err="1"/>
+              <a:t>CalLite</a:t>
+            </a:r>
+            <a:endParaRPr lang="en-US" sz="3600" dirty="0"/>
+          </a:p>
+        </p:txBody>
+      </p:sp>
+      <p:cxnSp>
+        <p:nvCxnSpPr>
+          <p:cNvPr id="27" name="Straight Connector 26"/>
+          <p:cNvCxnSpPr>
+            <a:stCxn id="11" idx="1"/>
+            <a:endCxn id="4" idx="3"/>
+          </p:cNvCxnSpPr>
+          <p:nvPr/>
+        </p:nvCxnSpPr>
+        <p:spPr>
+          <a:xfrm flipH="1">
+            <a:off x="3355963" y="3131762"/>
+            <a:ext cx="682637" cy="282328"/>
+          </a:xfrm>
+          <a:prstGeom prst="line">
+            <a:avLst/>
+          </a:prstGeom>
+          <a:ln w="22225" cmpd="sng">
+            <a:solidFill>
+              <a:schemeClr val="bg1">
+                <a:lumMod val="50000"/>
+              </a:schemeClr>
+            </a:solidFill>
+            <a:prstDash val="sysDash"/>
+          </a:ln>
+        </p:spPr>
+        <p:style>
+          <a:lnRef idx="1">
+            <a:schemeClr val="accent1"/>
+          </a:lnRef>
+          <a:fillRef idx="0">
+            <a:schemeClr val="accent1"/>
+          </a:fillRef>
+          <a:effectRef idx="0">
+            <a:schemeClr val="accent1"/>
+          </a:effectRef>
+          <a:fontRef idx="minor">
+            <a:schemeClr val="tx1"/>
+          </a:fontRef>
+        </p:style>
+      </p:cxnSp>
+      <p:grpSp>
+        <p:nvGrpSpPr>
+          <p:cNvPr id="18" name="Group 17"/>
+          <p:cNvGrpSpPr/>
+          <p:nvPr/>
+        </p:nvGrpSpPr>
+        <p:grpSpPr>
+          <a:xfrm>
+            <a:off x="429883" y="3033090"/>
+            <a:ext cx="2926080" cy="762000"/>
+            <a:chOff x="554966" y="3344921"/>
+            <a:chExt cx="2926080" cy="1150879"/>
+          </a:xfrm>
+        </p:grpSpPr>
+        <p:sp>
+          <p:nvSpPr>
+            <p:cNvPr id="4" name="Rectangle 3"/>
+            <p:cNvSpPr/>
+            <p:nvPr/>
+          </p:nvSpPr>
+          <p:spPr>
+            <a:xfrm>
+              <a:off x="2749526" y="3344921"/>
+              <a:ext cx="731520" cy="1150879"/>
+            </a:xfrm>
+            <a:prstGeom prst="rect">
+              <a:avLst/>
+            </a:prstGeom>
+          </p:spPr>
+          <p:style>
+            <a:lnRef idx="2">
+              <a:schemeClr val="accent1">
+                <a:shade val="50000"/>
+              </a:schemeClr>
+            </a:lnRef>
+            <a:fillRef idx="1">
+              <a:schemeClr val="accent1"/>
+            </a:fillRef>
+            <a:effectRef idx="0">
+              <a:schemeClr val="accent1"/>
+            </a:effectRef>
+            <a:fontRef idx="minor">
+              <a:schemeClr val="lt1"/>
+            </a:fontRef>
+          </p:style>
+          <p:txBody>
+            <a:bodyPr rtlCol="0" anchor="ctr"/>
+            <a:lstStyle/>
+            <a:p>
+              <a:pPr algn="ctr"/>
+              <a:r>
+                <a:rPr lang="en-US" sz="2200" dirty="0" smtClean="0">
+                  <a:latin typeface="Consolas" pitchFamily="49" charset="0"/>
+                  <a:cs typeface="Consolas" pitchFamily="49" charset="0"/>
+                </a:rPr>
+                <a:t>SEP</a:t>
+              </a:r>
+              <a:endParaRPr lang="en-US" sz="2200" dirty="0">
+                <a:latin typeface="Consolas" pitchFamily="49" charset="0"/>
+                <a:cs typeface="Consolas" pitchFamily="49" charset="0"/>
+              </a:endParaRPr>
+            </a:p>
+          </p:txBody>
+        </p:sp>
+        <p:sp>
+          <p:nvSpPr>
+            <p:cNvPr id="5" name="Rectangle 4"/>
+            <p:cNvSpPr/>
+            <p:nvPr/>
+          </p:nvSpPr>
+          <p:spPr>
+            <a:xfrm>
+              <a:off x="2018006" y="3344921"/>
+              <a:ext cx="731520" cy="1150879"/>
+            </a:xfrm>
+            <a:prstGeom prst="rect">
+              <a:avLst/>
+            </a:prstGeom>
+          </p:spPr>
+          <p:style>
+            <a:lnRef idx="2">
+              <a:schemeClr val="accent1">
+                <a:shade val="50000"/>
+              </a:schemeClr>
+            </a:lnRef>
+            <a:fillRef idx="1">
+              <a:schemeClr val="accent1"/>
+            </a:fillRef>
+            <a:effectRef idx="0">
+              <a:schemeClr val="accent1"/>
+            </a:effectRef>
+            <a:fontRef idx="minor">
+              <a:schemeClr val="lt1"/>
+            </a:fontRef>
+          </p:style>
+          <p:txBody>
+            <a:bodyPr rtlCol="0" anchor="ctr"/>
+            <a:lstStyle/>
+            <a:p>
+              <a:pPr algn="ctr"/>
+              <a:r>
+                <a:rPr lang="en-US" sz="2200" dirty="0" smtClean="0">
+                  <a:latin typeface="Consolas" pitchFamily="49" charset="0"/>
+                  <a:cs typeface="Consolas" pitchFamily="49" charset="0"/>
+                </a:rPr>
+                <a:t>AUG</a:t>
+              </a:r>
+              <a:endParaRPr lang="en-US" sz="2200" dirty="0">
+                <a:latin typeface="Consolas" pitchFamily="49" charset="0"/>
+                <a:cs typeface="Consolas" pitchFamily="49" charset="0"/>
+              </a:endParaRPr>
+            </a:p>
+          </p:txBody>
+        </p:sp>
+        <p:sp>
+          <p:nvSpPr>
+            <p:cNvPr id="8" name="Rectangle 7"/>
+            <p:cNvSpPr/>
+            <p:nvPr/>
+          </p:nvSpPr>
+          <p:spPr>
+            <a:xfrm>
+              <a:off x="1286486" y="3344921"/>
+              <a:ext cx="731520" cy="1150879"/>
+            </a:xfrm>
+            <a:prstGeom prst="rect">
+              <a:avLst/>
+            </a:prstGeom>
+          </p:spPr>
+          <p:style>
+            <a:lnRef idx="2">
+              <a:schemeClr val="accent1">
+                <a:shade val="50000"/>
+              </a:schemeClr>
+            </a:lnRef>
+            <a:fillRef idx="1">
+              <a:schemeClr val="accent1"/>
+            </a:fillRef>
+            <a:effectRef idx="0">
+              <a:schemeClr val="accent1"/>
+            </a:effectRef>
+            <a:fontRef idx="minor">
+              <a:schemeClr val="lt1"/>
+            </a:fontRef>
+          </p:style>
+          <p:txBody>
+            <a:bodyPr rtlCol="0" anchor="ctr"/>
+            <a:lstStyle/>
+            <a:p>
+              <a:pPr algn="ctr"/>
+              <a:r>
+                <a:rPr lang="en-US" sz="2200" dirty="0" smtClean="0">
+                  <a:latin typeface="Consolas" pitchFamily="49" charset="0"/>
+                  <a:cs typeface="Consolas" pitchFamily="49" charset="0"/>
+                </a:rPr>
+                <a:t>JUL</a:t>
+              </a:r>
+              <a:endParaRPr lang="en-US" sz="2200" dirty="0">
+                <a:latin typeface="Consolas" pitchFamily="49" charset="0"/>
+                <a:cs typeface="Consolas" pitchFamily="49" charset="0"/>
+              </a:endParaRPr>
+            </a:p>
+          </p:txBody>
+        </p:sp>
+        <p:sp>
+          <p:nvSpPr>
+            <p:cNvPr id="9" name="Rectangle 8"/>
+            <p:cNvSpPr/>
+            <p:nvPr/>
+          </p:nvSpPr>
+          <p:spPr>
+            <a:xfrm>
+              <a:off x="554966" y="3344921"/>
+              <a:ext cx="731520" cy="1150879"/>
+            </a:xfrm>
+            <a:prstGeom prst="rect">
+              <a:avLst/>
+            </a:prstGeom>
+            <a:gradFill flip="none" rotWithShape="1">
+              <a:gsLst>
+                <a:gs pos="0">
+                  <a:schemeClr val="tx2">
+                    <a:lumMod val="20000"/>
+                    <a:lumOff val="80000"/>
+                  </a:schemeClr>
+                </a:gs>
+                <a:gs pos="100000">
+                  <a:schemeClr val="accent1"/>
+                </a:gs>
+                <a:gs pos="100000">
+                  <a:schemeClr val="accent1">
+                    <a:tint val="23500"/>
+                    <a:satMod val="160000"/>
+                  </a:schemeClr>
+                </a:gs>
+              </a:gsLst>
+              <a:lin ang="0" scaled="1"/>
+              <a:tileRect/>
+            </a:gradFill>
+            <a:ln>
+              <a:gradFill flip="none" rotWithShape="1">
+                <a:gsLst>
+                  <a:gs pos="0">
+                    <a:schemeClr val="tx2">
+                      <a:lumMod val="40000"/>
+                      <a:lumOff val="60000"/>
+                    </a:schemeClr>
+                  </a:gs>
+                  <a:gs pos="50000">
+                    <a:schemeClr val="tx2">
+                      <a:lumMod val="60000"/>
+                      <a:lumOff val="40000"/>
+                    </a:schemeClr>
+                  </a:gs>
+                  <a:gs pos="100000">
+                    <a:schemeClr val="accent1">
+                      <a:lumMod val="75000"/>
+                    </a:schemeClr>
+                  </a:gs>
+                </a:gsLst>
+                <a:lin ang="0" scaled="1"/>
+                <a:tileRect/>
+              </a:gradFill>
+            </a:ln>
+          </p:spPr>
+          <p:style>
+            <a:lnRef idx="2">
+              <a:schemeClr val="accent1">
+                <a:shade val="50000"/>
+              </a:schemeClr>
+            </a:lnRef>
+            <a:fillRef idx="1">
+              <a:schemeClr val="accent1"/>
+            </a:fillRef>
+            <a:effectRef idx="0">
+              <a:schemeClr val="accent1"/>
+            </a:effectRef>
+            <a:fontRef idx="minor">
+              <a:schemeClr val="lt1"/>
+            </a:fontRef>
+          </p:style>
+          <p:txBody>
+            <a:bodyPr rtlCol="0" anchor="ctr"/>
+            <a:lstStyle/>
+            <a:p>
+              <a:pPr algn="ctr"/>
+              <a:r>
+                <a:rPr lang="en-US" sz="2200" dirty="0" smtClean="0">
+                  <a:latin typeface="Consolas" pitchFamily="49" charset="0"/>
+                  <a:cs typeface="Consolas" pitchFamily="49" charset="0"/>
+                </a:rPr>
+                <a:t>JUN</a:t>
+              </a:r>
+              <a:endParaRPr lang="en-US" sz="2200" dirty="0">
+                <a:latin typeface="Consolas" pitchFamily="49" charset="0"/>
+                <a:cs typeface="Consolas" pitchFamily="49" charset="0"/>
+              </a:endParaRPr>
+            </a:p>
+          </p:txBody>
+        </p:sp>
+      </p:grpSp>
+      <p:sp>
+        <p:nvSpPr>
+          <p:cNvPr id="25" name="Rectangle 24"/>
+          <p:cNvSpPr/>
+          <p:nvPr/>
+        </p:nvSpPr>
+        <p:spPr>
+          <a:xfrm>
+            <a:off x="63548" y="2209800"/>
+            <a:ext cx="3601241" cy="768096"/>
+          </a:xfrm>
+          <a:prstGeom prst="rect">
+            <a:avLst/>
+          </a:prstGeom>
+          <a:noFill/>
+          <a:ln>
+            <a:noFill/>
+          </a:ln>
+        </p:spPr>
+        <p:style>
+          <a:lnRef idx="2">
+            <a:schemeClr val="accent1">
+              <a:shade val="50000"/>
+            </a:schemeClr>
+          </a:lnRef>
+          <a:fillRef idx="1">
+            <a:schemeClr val="accent1"/>
+          </a:fillRef>
+          <a:effectRef idx="0">
+            <a:schemeClr val="accent1"/>
+          </a:effectRef>
+          <a:fontRef idx="minor">
+            <a:schemeClr val="lt1"/>
+          </a:fontRef>
+        </p:style>
+        <p:txBody>
+          <a:bodyPr rtlCol="0" anchor="ctr"/>
+          <a:lstStyle/>
+          <a:p>
+            <a:pPr algn="ctr"/>
+            <a:r>
+              <a:rPr lang="en-US" sz="2400" b="1" dirty="0" smtClean="0">
+                <a:solidFill>
+                  <a:schemeClr val="tx2">
+                    <a:lumMod val="75000"/>
+                  </a:schemeClr>
+                </a:solidFill>
+                <a:latin typeface="Consolas" pitchFamily="49" charset="0"/>
+                <a:cs typeface="Consolas" pitchFamily="49" charset="0"/>
+              </a:rPr>
+              <a:t>2012 WY </a:t>
+            </a:r>
+          </a:p>
+          <a:p>
+            <a:pPr algn="ctr"/>
+            <a:r>
+              <a:rPr lang="en-US" sz="2400" b="1" dirty="0" smtClean="0">
+                <a:solidFill>
+                  <a:schemeClr val="tx2">
+                    <a:lumMod val="75000"/>
+                  </a:schemeClr>
+                </a:solidFill>
+                <a:latin typeface="Consolas" pitchFamily="49" charset="0"/>
+                <a:cs typeface="Consolas" pitchFamily="49" charset="0"/>
+              </a:rPr>
+              <a:t>Observed </a:t>
+            </a:r>
+            <a:r>
+              <a:rPr lang="en-US" sz="2400" b="1" dirty="0" smtClean="0">
+                <a:solidFill>
+                  <a:schemeClr val="tx2">
+                    <a:lumMod val="75000"/>
+                  </a:schemeClr>
+                </a:solidFill>
+                <a:latin typeface="Consolas" pitchFamily="49" charset="0"/>
+                <a:cs typeface="Consolas" pitchFamily="49" charset="0"/>
+              </a:rPr>
+              <a:t>Data</a:t>
+            </a:r>
+            <a:endParaRPr lang="en-US" sz="2400" b="1" dirty="0">
+              <a:solidFill>
+                <a:schemeClr val="tx2">
+                  <a:lumMod val="75000"/>
+                </a:schemeClr>
+              </a:solidFill>
+              <a:latin typeface="Consolas" pitchFamily="49" charset="0"/>
+              <a:cs typeface="Consolas" pitchFamily="49" charset="0"/>
+            </a:endParaRPr>
           </a:p>
         </p:txBody>
       </p:sp>
       <p:sp>
         <p:nvSpPr>
-          <p:cNvPr id="3" name="Content Placeholder 2"/>
+          <p:cNvPr id="28" name="Rectangle 27"/>
+          <p:cNvSpPr/>
+          <p:nvPr/>
+        </p:nvSpPr>
+        <p:spPr>
+          <a:xfrm>
+            <a:off x="4145280" y="1520952"/>
+            <a:ext cx="4821880" cy="1072896"/>
+          </a:xfrm>
+          <a:prstGeom prst="rect">
+            <a:avLst/>
+          </a:prstGeom>
+          <a:noFill/>
+          <a:ln>
+            <a:noFill/>
+          </a:ln>
+        </p:spPr>
+        <p:style>
+          <a:lnRef idx="2">
+            <a:schemeClr val="accent1">
+              <a:shade val="50000"/>
+            </a:schemeClr>
+          </a:lnRef>
+          <a:fillRef idx="1">
+            <a:schemeClr val="accent1"/>
+          </a:fillRef>
+          <a:effectRef idx="0">
+            <a:schemeClr val="accent1"/>
+          </a:effectRef>
+          <a:fontRef idx="minor">
+            <a:schemeClr val="lt1"/>
+          </a:fontRef>
+        </p:style>
+        <p:txBody>
+          <a:bodyPr rtlCol="0" anchor="ctr"/>
+          <a:lstStyle/>
+          <a:p>
+            <a:pPr algn="ctr"/>
+            <a:r>
+              <a:rPr lang="en-US" sz="2400" b="1" dirty="0" smtClean="0">
+                <a:solidFill>
+                  <a:schemeClr val="tx2">
+                    <a:lumMod val="75000"/>
+                  </a:schemeClr>
+                </a:solidFill>
+                <a:latin typeface="Consolas" pitchFamily="49" charset="0"/>
+                <a:cs typeface="Consolas" pitchFamily="49" charset="0"/>
+              </a:rPr>
+              <a:t>2013 WY </a:t>
+            </a:r>
+          </a:p>
+          <a:p>
+            <a:pPr algn="ctr"/>
+            <a:r>
+              <a:rPr lang="en-US" sz="2400" b="1" dirty="0" smtClean="0">
+                <a:solidFill>
+                  <a:schemeClr val="tx2">
+                    <a:lumMod val="75000"/>
+                  </a:schemeClr>
+                </a:solidFill>
+                <a:latin typeface="Consolas" pitchFamily="49" charset="0"/>
+                <a:cs typeface="Consolas" pitchFamily="49" charset="0"/>
+              </a:rPr>
+              <a:t>Simulated with Historical Data</a:t>
+            </a:r>
+            <a:endParaRPr lang="en-US" sz="2400" b="1" dirty="0">
+              <a:solidFill>
+                <a:schemeClr val="tx2">
+                  <a:lumMod val="75000"/>
+                </a:schemeClr>
+              </a:solidFill>
+              <a:latin typeface="Consolas" pitchFamily="49" charset="0"/>
+              <a:cs typeface="Consolas" pitchFamily="49" charset="0"/>
+            </a:endParaRPr>
+          </a:p>
+        </p:txBody>
+      </p:sp>
+      <p:grpSp>
+        <p:nvGrpSpPr>
+          <p:cNvPr id="101" name="Group 100"/>
+          <p:cNvGrpSpPr/>
+          <p:nvPr/>
+        </p:nvGrpSpPr>
+        <p:grpSpPr>
+          <a:xfrm>
+            <a:off x="4038600" y="2849433"/>
+            <a:ext cx="4389120" cy="564657"/>
+            <a:chOff x="3489960" y="2407143"/>
+            <a:chExt cx="4389120" cy="564657"/>
+          </a:xfrm>
+        </p:grpSpPr>
+        <p:sp>
+          <p:nvSpPr>
+            <p:cNvPr id="11" name="Rectangle 10"/>
+            <p:cNvSpPr/>
+            <p:nvPr/>
+          </p:nvSpPr>
+          <p:spPr>
+            <a:xfrm>
+              <a:off x="3489960" y="2407143"/>
+              <a:ext cx="731520" cy="564657"/>
+            </a:xfrm>
+            <a:prstGeom prst="rect">
+              <a:avLst/>
+            </a:prstGeom>
+            <a:solidFill>
+              <a:schemeClr val="accent2">
+                <a:lumMod val="75000"/>
+              </a:schemeClr>
+            </a:solidFill>
+            <a:ln>
+              <a:solidFill>
+                <a:schemeClr val="accent2">
+                  <a:lumMod val="50000"/>
+                </a:schemeClr>
+              </a:solidFill>
+            </a:ln>
+          </p:spPr>
+          <p:style>
+            <a:lnRef idx="2">
+              <a:schemeClr val="accent1">
+                <a:shade val="50000"/>
+              </a:schemeClr>
+            </a:lnRef>
+            <a:fillRef idx="1">
+              <a:schemeClr val="accent1"/>
+            </a:fillRef>
+            <a:effectRef idx="0">
+              <a:schemeClr val="accent1"/>
+            </a:effectRef>
+            <a:fontRef idx="minor">
+              <a:schemeClr val="lt1"/>
+            </a:fontRef>
+          </p:style>
+          <p:txBody>
+            <a:bodyPr rtlCol="0" anchor="ctr"/>
+            <a:lstStyle/>
+            <a:p>
+              <a:pPr algn="ctr"/>
+              <a:r>
+                <a:rPr lang="en-US" sz="2200" dirty="0" smtClean="0">
+                  <a:latin typeface="Consolas" pitchFamily="49" charset="0"/>
+                  <a:cs typeface="Consolas" pitchFamily="49" charset="0"/>
+                </a:rPr>
+                <a:t>Oct</a:t>
+              </a:r>
+              <a:endParaRPr lang="en-US" sz="2200" dirty="0">
+                <a:latin typeface="Consolas" pitchFamily="49" charset="0"/>
+                <a:cs typeface="Consolas" pitchFamily="49" charset="0"/>
+              </a:endParaRPr>
+            </a:p>
+          </p:txBody>
+        </p:sp>
+        <p:sp>
+          <p:nvSpPr>
+            <p:cNvPr id="12" name="Rectangle 11"/>
+            <p:cNvSpPr/>
+            <p:nvPr/>
+          </p:nvSpPr>
+          <p:spPr>
+            <a:xfrm>
+              <a:off x="4221480" y="2407143"/>
+              <a:ext cx="731520" cy="564657"/>
+            </a:xfrm>
+            <a:prstGeom prst="rect">
+              <a:avLst/>
+            </a:prstGeom>
+            <a:solidFill>
+              <a:schemeClr val="accent2">
+                <a:lumMod val="75000"/>
+              </a:schemeClr>
+            </a:solidFill>
+            <a:ln>
+              <a:solidFill>
+                <a:schemeClr val="accent2">
+                  <a:lumMod val="50000"/>
+                </a:schemeClr>
+              </a:solidFill>
+            </a:ln>
+          </p:spPr>
+          <p:style>
+            <a:lnRef idx="2">
+              <a:schemeClr val="accent1">
+                <a:shade val="50000"/>
+              </a:schemeClr>
+            </a:lnRef>
+            <a:fillRef idx="1">
+              <a:schemeClr val="accent1"/>
+            </a:fillRef>
+            <a:effectRef idx="0">
+              <a:schemeClr val="accent1"/>
+            </a:effectRef>
+            <a:fontRef idx="minor">
+              <a:schemeClr val="lt1"/>
+            </a:fontRef>
+          </p:style>
+          <p:txBody>
+            <a:bodyPr rtlCol="0" anchor="ctr"/>
+            <a:lstStyle/>
+            <a:p>
+              <a:pPr algn="ctr"/>
+              <a:r>
+                <a:rPr lang="en-US" sz="2200" dirty="0" smtClean="0">
+                  <a:latin typeface="Consolas" pitchFamily="49" charset="0"/>
+                  <a:cs typeface="Consolas" pitchFamily="49" charset="0"/>
+                </a:rPr>
+                <a:t>Nov</a:t>
+              </a:r>
+              <a:endParaRPr lang="en-US" sz="2200" dirty="0">
+                <a:latin typeface="Consolas" pitchFamily="49" charset="0"/>
+                <a:cs typeface="Consolas" pitchFamily="49" charset="0"/>
+              </a:endParaRPr>
+            </a:p>
+          </p:txBody>
+        </p:sp>
+        <p:sp>
+          <p:nvSpPr>
+            <p:cNvPr id="13" name="Rectangle 12"/>
+            <p:cNvSpPr/>
+            <p:nvPr/>
+          </p:nvSpPr>
+          <p:spPr>
+            <a:xfrm>
+              <a:off x="4953000" y="2407143"/>
+              <a:ext cx="731520" cy="564657"/>
+            </a:xfrm>
+            <a:prstGeom prst="rect">
+              <a:avLst/>
+            </a:prstGeom>
+            <a:solidFill>
+              <a:schemeClr val="accent2">
+                <a:lumMod val="75000"/>
+              </a:schemeClr>
+            </a:solidFill>
+            <a:ln>
+              <a:solidFill>
+                <a:schemeClr val="accent2">
+                  <a:lumMod val="50000"/>
+                </a:schemeClr>
+              </a:solidFill>
+            </a:ln>
+          </p:spPr>
+          <p:style>
+            <a:lnRef idx="2">
+              <a:schemeClr val="accent1">
+                <a:shade val="50000"/>
+              </a:schemeClr>
+            </a:lnRef>
+            <a:fillRef idx="1">
+              <a:schemeClr val="accent1"/>
+            </a:fillRef>
+            <a:effectRef idx="0">
+              <a:schemeClr val="accent1"/>
+            </a:effectRef>
+            <a:fontRef idx="minor">
+              <a:schemeClr val="lt1"/>
+            </a:fontRef>
+          </p:style>
+          <p:txBody>
+            <a:bodyPr rtlCol="0" anchor="ctr"/>
+            <a:lstStyle/>
+            <a:p>
+              <a:pPr algn="ctr"/>
+              <a:r>
+                <a:rPr lang="en-US" sz="2200" dirty="0" smtClean="0">
+                  <a:latin typeface="Consolas" pitchFamily="49" charset="0"/>
+                  <a:cs typeface="Consolas" pitchFamily="49" charset="0"/>
+                </a:rPr>
+                <a:t>Dec</a:t>
+              </a:r>
+              <a:endParaRPr lang="en-US" sz="2200" dirty="0">
+                <a:latin typeface="Consolas" pitchFamily="49" charset="0"/>
+                <a:cs typeface="Consolas" pitchFamily="49" charset="0"/>
+              </a:endParaRPr>
+            </a:p>
+          </p:txBody>
+        </p:sp>
+        <p:sp>
+          <p:nvSpPr>
+            <p:cNvPr id="14" name="Rectangle 13"/>
+            <p:cNvSpPr/>
+            <p:nvPr/>
+          </p:nvSpPr>
+          <p:spPr>
+            <a:xfrm>
+              <a:off x="5684520" y="2407143"/>
+              <a:ext cx="731520" cy="564657"/>
+            </a:xfrm>
+            <a:prstGeom prst="rect">
+              <a:avLst/>
+            </a:prstGeom>
+            <a:solidFill>
+              <a:schemeClr val="accent2">
+                <a:lumMod val="75000"/>
+              </a:schemeClr>
+            </a:solidFill>
+            <a:ln>
+              <a:solidFill>
+                <a:schemeClr val="accent2">
+                  <a:lumMod val="50000"/>
+                </a:schemeClr>
+              </a:solidFill>
+            </a:ln>
+          </p:spPr>
+          <p:style>
+            <a:lnRef idx="2">
+              <a:schemeClr val="accent1">
+                <a:shade val="50000"/>
+              </a:schemeClr>
+            </a:lnRef>
+            <a:fillRef idx="1">
+              <a:schemeClr val="accent1"/>
+            </a:fillRef>
+            <a:effectRef idx="0">
+              <a:schemeClr val="accent1"/>
+            </a:effectRef>
+            <a:fontRef idx="minor">
+              <a:schemeClr val="lt1"/>
+            </a:fontRef>
+          </p:style>
+          <p:txBody>
+            <a:bodyPr rtlCol="0" anchor="ctr"/>
+            <a:lstStyle/>
+            <a:p>
+              <a:pPr algn="ctr"/>
+              <a:r>
+                <a:rPr lang="en-US" sz="2200" dirty="0" smtClean="0">
+                  <a:latin typeface="Consolas" pitchFamily="49" charset="0"/>
+                  <a:cs typeface="Consolas" pitchFamily="49" charset="0"/>
+                </a:rPr>
+                <a:t>Jan</a:t>
+              </a:r>
+              <a:endParaRPr lang="en-US" sz="2200" dirty="0">
+                <a:latin typeface="Consolas" pitchFamily="49" charset="0"/>
+                <a:cs typeface="Consolas" pitchFamily="49" charset="0"/>
+              </a:endParaRPr>
+            </a:p>
+          </p:txBody>
+        </p:sp>
+        <p:sp>
+          <p:nvSpPr>
+            <p:cNvPr id="15" name="Rectangle 14"/>
+            <p:cNvSpPr/>
+            <p:nvPr/>
+          </p:nvSpPr>
+          <p:spPr>
+            <a:xfrm>
+              <a:off x="6416040" y="2407143"/>
+              <a:ext cx="731520" cy="564657"/>
+            </a:xfrm>
+            <a:prstGeom prst="rect">
+              <a:avLst/>
+            </a:prstGeom>
+            <a:solidFill>
+              <a:schemeClr val="accent2">
+                <a:lumMod val="75000"/>
+              </a:schemeClr>
+            </a:solidFill>
+            <a:ln>
+              <a:solidFill>
+                <a:schemeClr val="accent2">
+                  <a:lumMod val="50000"/>
+                </a:schemeClr>
+              </a:solidFill>
+            </a:ln>
+          </p:spPr>
+          <p:style>
+            <a:lnRef idx="2">
+              <a:schemeClr val="accent1">
+                <a:shade val="50000"/>
+              </a:schemeClr>
+            </a:lnRef>
+            <a:fillRef idx="1">
+              <a:schemeClr val="accent1"/>
+            </a:fillRef>
+            <a:effectRef idx="0">
+              <a:schemeClr val="accent1"/>
+            </a:effectRef>
+            <a:fontRef idx="minor">
+              <a:schemeClr val="lt1"/>
+            </a:fontRef>
+          </p:style>
+          <p:txBody>
+            <a:bodyPr rtlCol="0" anchor="ctr"/>
+            <a:lstStyle/>
+            <a:p>
+              <a:pPr algn="ctr"/>
+              <a:r>
+                <a:rPr lang="en-US" sz="2200" dirty="0" smtClean="0">
+                  <a:latin typeface="Consolas" pitchFamily="49" charset="0"/>
+                  <a:cs typeface="Consolas" pitchFamily="49" charset="0"/>
+                </a:rPr>
+                <a:t>Feb</a:t>
+              </a:r>
+              <a:endParaRPr lang="en-US" sz="2200" dirty="0">
+                <a:latin typeface="Consolas" pitchFamily="49" charset="0"/>
+                <a:cs typeface="Consolas" pitchFamily="49" charset="0"/>
+              </a:endParaRPr>
+            </a:p>
+          </p:txBody>
+        </p:sp>
+        <p:sp>
+          <p:nvSpPr>
+            <p:cNvPr id="16" name="Rectangle 15"/>
+            <p:cNvSpPr/>
+            <p:nvPr/>
+          </p:nvSpPr>
+          <p:spPr>
+            <a:xfrm>
+              <a:off x="7147560" y="2407143"/>
+              <a:ext cx="731520" cy="564657"/>
+            </a:xfrm>
+            <a:prstGeom prst="rect">
+              <a:avLst/>
+            </a:prstGeom>
+            <a:gradFill flip="none" rotWithShape="1">
+              <a:gsLst>
+                <a:gs pos="0">
+                  <a:schemeClr val="accent2">
+                    <a:lumMod val="75000"/>
+                  </a:schemeClr>
+                </a:gs>
+                <a:gs pos="100000">
+                  <a:schemeClr val="accent2">
+                    <a:lumMod val="40000"/>
+                    <a:lumOff val="60000"/>
+                  </a:schemeClr>
+                </a:gs>
+                <a:gs pos="100000">
+                  <a:schemeClr val="accent1">
+                    <a:tint val="23500"/>
+                    <a:satMod val="160000"/>
+                  </a:schemeClr>
+                </a:gs>
+              </a:gsLst>
+              <a:lin ang="0" scaled="1"/>
+              <a:tileRect/>
+            </a:gradFill>
+            <a:ln>
+              <a:gradFill flip="none" rotWithShape="1">
+                <a:gsLst>
+                  <a:gs pos="0">
+                    <a:schemeClr val="accent2">
+                      <a:lumMod val="50000"/>
+                    </a:schemeClr>
+                  </a:gs>
+                  <a:gs pos="50000">
+                    <a:schemeClr val="accent2">
+                      <a:lumMod val="75000"/>
+                    </a:schemeClr>
+                  </a:gs>
+                  <a:gs pos="100000">
+                    <a:schemeClr val="accent2">
+                      <a:lumMod val="60000"/>
+                      <a:lumOff val="40000"/>
+                    </a:schemeClr>
+                  </a:gs>
+                </a:gsLst>
+                <a:lin ang="0" scaled="1"/>
+                <a:tileRect/>
+              </a:gradFill>
+            </a:ln>
+          </p:spPr>
+          <p:style>
+            <a:lnRef idx="2">
+              <a:schemeClr val="accent1">
+                <a:shade val="50000"/>
+              </a:schemeClr>
+            </a:lnRef>
+            <a:fillRef idx="1">
+              <a:schemeClr val="accent1"/>
+            </a:fillRef>
+            <a:effectRef idx="0">
+              <a:schemeClr val="accent1"/>
+            </a:effectRef>
+            <a:fontRef idx="minor">
+              <a:schemeClr val="lt1"/>
+            </a:fontRef>
+          </p:style>
+          <p:txBody>
+            <a:bodyPr rtlCol="0" anchor="ctr"/>
+            <a:lstStyle/>
+            <a:p>
+              <a:pPr algn="ctr"/>
+              <a:r>
+                <a:rPr lang="en-US" sz="2200" dirty="0" smtClean="0">
+                  <a:latin typeface="Consolas" pitchFamily="49" charset="0"/>
+                  <a:cs typeface="Consolas" pitchFamily="49" charset="0"/>
+                </a:rPr>
+                <a:t>Mar</a:t>
+              </a:r>
+              <a:endParaRPr lang="en-US" sz="2200" dirty="0">
+                <a:latin typeface="Consolas" pitchFamily="49" charset="0"/>
+                <a:cs typeface="Consolas" pitchFamily="49" charset="0"/>
+              </a:endParaRPr>
+            </a:p>
+          </p:txBody>
+        </p:sp>
+      </p:grpSp>
+      <p:cxnSp>
+        <p:nvCxnSpPr>
+          <p:cNvPr id="76" name="Straight Connector 75"/>
+          <p:cNvCxnSpPr>
+            <a:stCxn id="118" idx="1"/>
+            <a:endCxn id="4" idx="3"/>
+          </p:cNvCxnSpPr>
+          <p:nvPr/>
+        </p:nvCxnSpPr>
+        <p:spPr>
+          <a:xfrm flipH="1" flipV="1">
+            <a:off x="3355963" y="3414090"/>
+            <a:ext cx="1252557" cy="2126039"/>
+          </a:xfrm>
+          <a:prstGeom prst="line">
+            <a:avLst/>
+          </a:prstGeom>
+          <a:ln w="22225" cmpd="sng">
+            <a:solidFill>
+              <a:schemeClr val="bg1">
+                <a:lumMod val="50000"/>
+              </a:schemeClr>
+            </a:solidFill>
+            <a:prstDash val="sysDash"/>
+          </a:ln>
+        </p:spPr>
+        <p:style>
+          <a:lnRef idx="1">
+            <a:schemeClr val="accent1"/>
+          </a:lnRef>
+          <a:fillRef idx="0">
+            <a:schemeClr val="accent1"/>
+          </a:fillRef>
+          <a:effectRef idx="0">
+            <a:schemeClr val="accent1"/>
+          </a:effectRef>
+          <a:fontRef idx="minor">
+            <a:schemeClr val="tx1"/>
+          </a:fontRef>
+        </p:style>
+      </p:cxnSp>
+      <p:cxnSp>
+        <p:nvCxnSpPr>
+          <p:cNvPr id="79" name="Straight Connector 78"/>
+          <p:cNvCxnSpPr>
+            <a:stCxn id="111" idx="1"/>
+            <a:endCxn id="4" idx="3"/>
+          </p:cNvCxnSpPr>
+          <p:nvPr/>
+        </p:nvCxnSpPr>
+        <p:spPr>
+          <a:xfrm flipH="1" flipV="1">
+            <a:off x="3355963" y="3414090"/>
+            <a:ext cx="1077439" cy="1002448"/>
+          </a:xfrm>
+          <a:prstGeom prst="line">
+            <a:avLst/>
+          </a:prstGeom>
+          <a:ln w="22225" cmpd="sng">
+            <a:solidFill>
+              <a:schemeClr val="bg1">
+                <a:lumMod val="50000"/>
+              </a:schemeClr>
+            </a:solidFill>
+            <a:prstDash val="sysDash"/>
+          </a:ln>
+        </p:spPr>
+        <p:style>
+          <a:lnRef idx="1">
+            <a:schemeClr val="accent1"/>
+          </a:lnRef>
+          <a:fillRef idx="0">
+            <a:schemeClr val="accent1"/>
+          </a:fillRef>
+          <a:effectRef idx="0">
+            <a:schemeClr val="accent1"/>
+          </a:effectRef>
+          <a:fontRef idx="minor">
+            <a:schemeClr val="tx1"/>
+          </a:fontRef>
+        </p:style>
+      </p:cxnSp>
+      <p:grpSp>
+        <p:nvGrpSpPr>
+          <p:cNvPr id="110" name="Group 109"/>
+          <p:cNvGrpSpPr/>
+          <p:nvPr/>
+        </p:nvGrpSpPr>
+        <p:grpSpPr>
+          <a:xfrm>
+            <a:off x="4433402" y="4134209"/>
+            <a:ext cx="4389120" cy="564657"/>
+            <a:chOff x="3489960" y="2407143"/>
+            <a:chExt cx="4389120" cy="564657"/>
+          </a:xfrm>
+        </p:grpSpPr>
+        <p:sp>
+          <p:nvSpPr>
+            <p:cNvPr id="111" name="Rectangle 110"/>
+            <p:cNvSpPr/>
+            <p:nvPr/>
+          </p:nvSpPr>
+          <p:spPr>
+            <a:xfrm>
+              <a:off x="3489960" y="2407143"/>
+              <a:ext cx="731520" cy="564657"/>
+            </a:xfrm>
+            <a:prstGeom prst="rect">
+              <a:avLst/>
+            </a:prstGeom>
+            <a:solidFill>
+              <a:schemeClr val="accent2">
+                <a:lumMod val="75000"/>
+              </a:schemeClr>
+            </a:solidFill>
+            <a:ln>
+              <a:solidFill>
+                <a:schemeClr val="accent2">
+                  <a:lumMod val="50000"/>
+                </a:schemeClr>
+              </a:solidFill>
+            </a:ln>
+          </p:spPr>
+          <p:style>
+            <a:lnRef idx="2">
+              <a:schemeClr val="accent1">
+                <a:shade val="50000"/>
+              </a:schemeClr>
+            </a:lnRef>
+            <a:fillRef idx="1">
+              <a:schemeClr val="accent1"/>
+            </a:fillRef>
+            <a:effectRef idx="0">
+              <a:schemeClr val="accent1"/>
+            </a:effectRef>
+            <a:fontRef idx="minor">
+              <a:schemeClr val="lt1"/>
+            </a:fontRef>
+          </p:style>
+          <p:txBody>
+            <a:bodyPr rtlCol="0" anchor="ctr"/>
+            <a:lstStyle/>
+            <a:p>
+              <a:pPr algn="ctr"/>
+              <a:r>
+                <a:rPr lang="en-US" sz="2200" dirty="0" smtClean="0">
+                  <a:latin typeface="Consolas" pitchFamily="49" charset="0"/>
+                  <a:cs typeface="Consolas" pitchFamily="49" charset="0"/>
+                </a:rPr>
+                <a:t>Oct</a:t>
+              </a:r>
+              <a:endParaRPr lang="en-US" sz="2200" dirty="0">
+                <a:latin typeface="Consolas" pitchFamily="49" charset="0"/>
+                <a:cs typeface="Consolas" pitchFamily="49" charset="0"/>
+              </a:endParaRPr>
+            </a:p>
+          </p:txBody>
+        </p:sp>
+        <p:sp>
+          <p:nvSpPr>
+            <p:cNvPr id="112" name="Rectangle 111"/>
+            <p:cNvSpPr/>
+            <p:nvPr/>
+          </p:nvSpPr>
+          <p:spPr>
+            <a:xfrm>
+              <a:off x="4221480" y="2407143"/>
+              <a:ext cx="731520" cy="564657"/>
+            </a:xfrm>
+            <a:prstGeom prst="rect">
+              <a:avLst/>
+            </a:prstGeom>
+            <a:solidFill>
+              <a:schemeClr val="accent2">
+                <a:lumMod val="75000"/>
+              </a:schemeClr>
+            </a:solidFill>
+            <a:ln>
+              <a:solidFill>
+                <a:schemeClr val="accent2">
+                  <a:lumMod val="50000"/>
+                </a:schemeClr>
+              </a:solidFill>
+            </a:ln>
+          </p:spPr>
+          <p:style>
+            <a:lnRef idx="2">
+              <a:schemeClr val="accent1">
+                <a:shade val="50000"/>
+              </a:schemeClr>
+            </a:lnRef>
+            <a:fillRef idx="1">
+              <a:schemeClr val="accent1"/>
+            </a:fillRef>
+            <a:effectRef idx="0">
+              <a:schemeClr val="accent1"/>
+            </a:effectRef>
+            <a:fontRef idx="minor">
+              <a:schemeClr val="lt1"/>
+            </a:fontRef>
+          </p:style>
+          <p:txBody>
+            <a:bodyPr rtlCol="0" anchor="ctr"/>
+            <a:lstStyle/>
+            <a:p>
+              <a:pPr algn="ctr"/>
+              <a:r>
+                <a:rPr lang="en-US" sz="2200" dirty="0" smtClean="0">
+                  <a:latin typeface="Consolas" pitchFamily="49" charset="0"/>
+                  <a:cs typeface="Consolas" pitchFamily="49" charset="0"/>
+                </a:rPr>
+                <a:t>Nov</a:t>
+              </a:r>
+              <a:endParaRPr lang="en-US" sz="2200" dirty="0">
+                <a:latin typeface="Consolas" pitchFamily="49" charset="0"/>
+                <a:cs typeface="Consolas" pitchFamily="49" charset="0"/>
+              </a:endParaRPr>
+            </a:p>
+          </p:txBody>
+        </p:sp>
+        <p:sp>
+          <p:nvSpPr>
+            <p:cNvPr id="113" name="Rectangle 112"/>
+            <p:cNvSpPr/>
+            <p:nvPr/>
+          </p:nvSpPr>
+          <p:spPr>
+            <a:xfrm>
+              <a:off x="4953000" y="2407143"/>
+              <a:ext cx="731520" cy="564657"/>
+            </a:xfrm>
+            <a:prstGeom prst="rect">
+              <a:avLst/>
+            </a:prstGeom>
+            <a:solidFill>
+              <a:schemeClr val="accent2">
+                <a:lumMod val="75000"/>
+              </a:schemeClr>
+            </a:solidFill>
+            <a:ln>
+              <a:solidFill>
+                <a:schemeClr val="accent2">
+                  <a:lumMod val="50000"/>
+                </a:schemeClr>
+              </a:solidFill>
+            </a:ln>
+          </p:spPr>
+          <p:style>
+            <a:lnRef idx="2">
+              <a:schemeClr val="accent1">
+                <a:shade val="50000"/>
+              </a:schemeClr>
+            </a:lnRef>
+            <a:fillRef idx="1">
+              <a:schemeClr val="accent1"/>
+            </a:fillRef>
+            <a:effectRef idx="0">
+              <a:schemeClr val="accent1"/>
+            </a:effectRef>
+            <a:fontRef idx="minor">
+              <a:schemeClr val="lt1"/>
+            </a:fontRef>
+          </p:style>
+          <p:txBody>
+            <a:bodyPr rtlCol="0" anchor="ctr"/>
+            <a:lstStyle/>
+            <a:p>
+              <a:pPr algn="ctr"/>
+              <a:r>
+                <a:rPr lang="en-US" sz="2200" dirty="0" smtClean="0">
+                  <a:latin typeface="Consolas" pitchFamily="49" charset="0"/>
+                  <a:cs typeface="Consolas" pitchFamily="49" charset="0"/>
+                </a:rPr>
+                <a:t>Dec</a:t>
+              </a:r>
+              <a:endParaRPr lang="en-US" sz="2200" dirty="0">
+                <a:latin typeface="Consolas" pitchFamily="49" charset="0"/>
+                <a:cs typeface="Consolas" pitchFamily="49" charset="0"/>
+              </a:endParaRPr>
+            </a:p>
+          </p:txBody>
+        </p:sp>
+        <p:sp>
+          <p:nvSpPr>
+            <p:cNvPr id="114" name="Rectangle 113"/>
+            <p:cNvSpPr/>
+            <p:nvPr/>
+          </p:nvSpPr>
+          <p:spPr>
+            <a:xfrm>
+              <a:off x="5684520" y="2407143"/>
+              <a:ext cx="731520" cy="564657"/>
+            </a:xfrm>
+            <a:prstGeom prst="rect">
+              <a:avLst/>
+            </a:prstGeom>
+            <a:solidFill>
+              <a:schemeClr val="accent2">
+                <a:lumMod val="75000"/>
+              </a:schemeClr>
+            </a:solidFill>
+            <a:ln>
+              <a:solidFill>
+                <a:schemeClr val="accent2">
+                  <a:lumMod val="50000"/>
+                </a:schemeClr>
+              </a:solidFill>
+            </a:ln>
+          </p:spPr>
+          <p:style>
+            <a:lnRef idx="2">
+              <a:schemeClr val="accent1">
+                <a:shade val="50000"/>
+              </a:schemeClr>
+            </a:lnRef>
+            <a:fillRef idx="1">
+              <a:schemeClr val="accent1"/>
+            </a:fillRef>
+            <a:effectRef idx="0">
+              <a:schemeClr val="accent1"/>
+            </a:effectRef>
+            <a:fontRef idx="minor">
+              <a:schemeClr val="lt1"/>
+            </a:fontRef>
+          </p:style>
+          <p:txBody>
+            <a:bodyPr rtlCol="0" anchor="ctr"/>
+            <a:lstStyle/>
+            <a:p>
+              <a:pPr algn="ctr"/>
+              <a:r>
+                <a:rPr lang="en-US" sz="2200" dirty="0" smtClean="0">
+                  <a:latin typeface="Consolas" pitchFamily="49" charset="0"/>
+                  <a:cs typeface="Consolas" pitchFamily="49" charset="0"/>
+                </a:rPr>
+                <a:t>Jan</a:t>
+              </a:r>
+              <a:endParaRPr lang="en-US" sz="2200" dirty="0">
+                <a:latin typeface="Consolas" pitchFamily="49" charset="0"/>
+                <a:cs typeface="Consolas" pitchFamily="49" charset="0"/>
+              </a:endParaRPr>
+            </a:p>
+          </p:txBody>
+        </p:sp>
+        <p:sp>
+          <p:nvSpPr>
+            <p:cNvPr id="115" name="Rectangle 114"/>
+            <p:cNvSpPr/>
+            <p:nvPr/>
+          </p:nvSpPr>
+          <p:spPr>
+            <a:xfrm>
+              <a:off x="6416040" y="2407143"/>
+              <a:ext cx="731520" cy="564657"/>
+            </a:xfrm>
+            <a:prstGeom prst="rect">
+              <a:avLst/>
+            </a:prstGeom>
+            <a:solidFill>
+              <a:schemeClr val="accent2">
+                <a:lumMod val="75000"/>
+              </a:schemeClr>
+            </a:solidFill>
+            <a:ln>
+              <a:solidFill>
+                <a:schemeClr val="accent2">
+                  <a:lumMod val="50000"/>
+                </a:schemeClr>
+              </a:solidFill>
+            </a:ln>
+          </p:spPr>
+          <p:style>
+            <a:lnRef idx="2">
+              <a:schemeClr val="accent1">
+                <a:shade val="50000"/>
+              </a:schemeClr>
+            </a:lnRef>
+            <a:fillRef idx="1">
+              <a:schemeClr val="accent1"/>
+            </a:fillRef>
+            <a:effectRef idx="0">
+              <a:schemeClr val="accent1"/>
+            </a:effectRef>
+            <a:fontRef idx="minor">
+              <a:schemeClr val="lt1"/>
+            </a:fontRef>
+          </p:style>
+          <p:txBody>
+            <a:bodyPr rtlCol="0" anchor="ctr"/>
+            <a:lstStyle/>
+            <a:p>
+              <a:pPr algn="ctr"/>
+              <a:r>
+                <a:rPr lang="en-US" sz="2200" dirty="0" smtClean="0">
+                  <a:latin typeface="Consolas" pitchFamily="49" charset="0"/>
+                  <a:cs typeface="Consolas" pitchFamily="49" charset="0"/>
+                </a:rPr>
+                <a:t>Feb</a:t>
+              </a:r>
+              <a:endParaRPr lang="en-US" sz="2200" dirty="0">
+                <a:latin typeface="Consolas" pitchFamily="49" charset="0"/>
+                <a:cs typeface="Consolas" pitchFamily="49" charset="0"/>
+              </a:endParaRPr>
+            </a:p>
+          </p:txBody>
+        </p:sp>
+        <p:sp>
+          <p:nvSpPr>
+            <p:cNvPr id="116" name="Rectangle 115"/>
+            <p:cNvSpPr/>
+            <p:nvPr/>
+          </p:nvSpPr>
+          <p:spPr>
+            <a:xfrm>
+              <a:off x="7147560" y="2407143"/>
+              <a:ext cx="731520" cy="564657"/>
+            </a:xfrm>
+            <a:prstGeom prst="rect">
+              <a:avLst/>
+            </a:prstGeom>
+            <a:gradFill flip="none" rotWithShape="1">
+              <a:gsLst>
+                <a:gs pos="0">
+                  <a:schemeClr val="accent2">
+                    <a:lumMod val="75000"/>
+                  </a:schemeClr>
+                </a:gs>
+                <a:gs pos="100000">
+                  <a:schemeClr val="accent2">
+                    <a:lumMod val="40000"/>
+                    <a:lumOff val="60000"/>
+                  </a:schemeClr>
+                </a:gs>
+                <a:gs pos="100000">
+                  <a:schemeClr val="accent1">
+                    <a:tint val="23500"/>
+                    <a:satMod val="160000"/>
+                  </a:schemeClr>
+                </a:gs>
+              </a:gsLst>
+              <a:lin ang="0" scaled="1"/>
+              <a:tileRect/>
+            </a:gradFill>
+            <a:ln>
+              <a:gradFill flip="none" rotWithShape="1">
+                <a:gsLst>
+                  <a:gs pos="0">
+                    <a:schemeClr val="accent2">
+                      <a:lumMod val="50000"/>
+                    </a:schemeClr>
+                  </a:gs>
+                  <a:gs pos="50000">
+                    <a:schemeClr val="accent2">
+                      <a:lumMod val="75000"/>
+                    </a:schemeClr>
+                  </a:gs>
+                  <a:gs pos="100000">
+                    <a:schemeClr val="accent2">
+                      <a:lumMod val="60000"/>
+                      <a:lumOff val="40000"/>
+                    </a:schemeClr>
+                  </a:gs>
+                </a:gsLst>
+                <a:lin ang="0" scaled="1"/>
+                <a:tileRect/>
+              </a:gradFill>
+            </a:ln>
+          </p:spPr>
+          <p:style>
+            <a:lnRef idx="2">
+              <a:schemeClr val="accent1">
+                <a:shade val="50000"/>
+              </a:schemeClr>
+            </a:lnRef>
+            <a:fillRef idx="1">
+              <a:schemeClr val="accent1"/>
+            </a:fillRef>
+            <a:effectRef idx="0">
+              <a:schemeClr val="accent1"/>
+            </a:effectRef>
+            <a:fontRef idx="minor">
+              <a:schemeClr val="lt1"/>
+            </a:fontRef>
+          </p:style>
+          <p:txBody>
+            <a:bodyPr rtlCol="0" anchor="ctr"/>
+            <a:lstStyle/>
+            <a:p>
+              <a:pPr algn="ctr"/>
+              <a:r>
+                <a:rPr lang="en-US" sz="2200" dirty="0" smtClean="0">
+                  <a:latin typeface="Consolas" pitchFamily="49" charset="0"/>
+                  <a:cs typeface="Consolas" pitchFamily="49" charset="0"/>
+                </a:rPr>
+                <a:t>Mar</a:t>
+              </a:r>
+              <a:endParaRPr lang="en-US" sz="2200" dirty="0">
+                <a:latin typeface="Consolas" pitchFamily="49" charset="0"/>
+                <a:cs typeface="Consolas" pitchFamily="49" charset="0"/>
+              </a:endParaRPr>
+            </a:p>
+          </p:txBody>
+        </p:sp>
+      </p:grpSp>
+      <p:grpSp>
+        <p:nvGrpSpPr>
+          <p:cNvPr id="117" name="Group 116"/>
+          <p:cNvGrpSpPr/>
+          <p:nvPr/>
+        </p:nvGrpSpPr>
+        <p:grpSpPr>
+          <a:xfrm>
+            <a:off x="4608520" y="5257800"/>
+            <a:ext cx="4358640" cy="564657"/>
+            <a:chOff x="3489960" y="2407143"/>
+            <a:chExt cx="4358640" cy="564657"/>
+          </a:xfrm>
+        </p:grpSpPr>
+        <p:sp>
+          <p:nvSpPr>
+            <p:cNvPr id="118" name="Rectangle 117"/>
+            <p:cNvSpPr/>
+            <p:nvPr/>
+          </p:nvSpPr>
+          <p:spPr>
+            <a:xfrm>
+              <a:off x="3489960" y="2407143"/>
+              <a:ext cx="731520" cy="564657"/>
+            </a:xfrm>
+            <a:prstGeom prst="rect">
+              <a:avLst/>
+            </a:prstGeom>
+            <a:solidFill>
+              <a:schemeClr val="accent2">
+                <a:lumMod val="75000"/>
+              </a:schemeClr>
+            </a:solidFill>
+            <a:ln>
+              <a:solidFill>
+                <a:schemeClr val="accent2">
+                  <a:lumMod val="50000"/>
+                </a:schemeClr>
+              </a:solidFill>
+            </a:ln>
+          </p:spPr>
+          <p:style>
+            <a:lnRef idx="2">
+              <a:schemeClr val="accent1">
+                <a:shade val="50000"/>
+              </a:schemeClr>
+            </a:lnRef>
+            <a:fillRef idx="1">
+              <a:schemeClr val="accent1"/>
+            </a:fillRef>
+            <a:effectRef idx="0">
+              <a:schemeClr val="accent1"/>
+            </a:effectRef>
+            <a:fontRef idx="minor">
+              <a:schemeClr val="lt1"/>
+            </a:fontRef>
+          </p:style>
+          <p:txBody>
+            <a:bodyPr rtlCol="0" anchor="ctr"/>
+            <a:lstStyle/>
+            <a:p>
+              <a:pPr algn="ctr"/>
+              <a:r>
+                <a:rPr lang="en-US" sz="2200" dirty="0" smtClean="0">
+                  <a:latin typeface="Consolas" pitchFamily="49" charset="0"/>
+                  <a:cs typeface="Consolas" pitchFamily="49" charset="0"/>
+                </a:rPr>
+                <a:t>Oct</a:t>
+              </a:r>
+              <a:endParaRPr lang="en-US" sz="2200" dirty="0">
+                <a:latin typeface="Consolas" pitchFamily="49" charset="0"/>
+                <a:cs typeface="Consolas" pitchFamily="49" charset="0"/>
+              </a:endParaRPr>
+            </a:p>
+          </p:txBody>
+        </p:sp>
+        <p:sp>
+          <p:nvSpPr>
+            <p:cNvPr id="119" name="Rectangle 118"/>
+            <p:cNvSpPr/>
+            <p:nvPr/>
+          </p:nvSpPr>
+          <p:spPr>
+            <a:xfrm>
+              <a:off x="4221480" y="2407143"/>
+              <a:ext cx="731520" cy="564657"/>
+            </a:xfrm>
+            <a:prstGeom prst="rect">
+              <a:avLst/>
+            </a:prstGeom>
+            <a:solidFill>
+              <a:schemeClr val="accent2">
+                <a:lumMod val="75000"/>
+              </a:schemeClr>
+            </a:solidFill>
+            <a:ln>
+              <a:solidFill>
+                <a:schemeClr val="accent2">
+                  <a:lumMod val="50000"/>
+                </a:schemeClr>
+              </a:solidFill>
+            </a:ln>
+          </p:spPr>
+          <p:style>
+            <a:lnRef idx="2">
+              <a:schemeClr val="accent1">
+                <a:shade val="50000"/>
+              </a:schemeClr>
+            </a:lnRef>
+            <a:fillRef idx="1">
+              <a:schemeClr val="accent1"/>
+            </a:fillRef>
+            <a:effectRef idx="0">
+              <a:schemeClr val="accent1"/>
+            </a:effectRef>
+            <a:fontRef idx="minor">
+              <a:schemeClr val="lt1"/>
+            </a:fontRef>
+          </p:style>
+          <p:txBody>
+            <a:bodyPr rtlCol="0" anchor="ctr"/>
+            <a:lstStyle/>
+            <a:p>
+              <a:pPr algn="ctr"/>
+              <a:r>
+                <a:rPr lang="en-US" sz="2200" dirty="0" smtClean="0">
+                  <a:latin typeface="Consolas" pitchFamily="49" charset="0"/>
+                  <a:cs typeface="Consolas" pitchFamily="49" charset="0"/>
+                </a:rPr>
+                <a:t>Nov</a:t>
+              </a:r>
+              <a:endParaRPr lang="en-US" sz="2200" dirty="0">
+                <a:latin typeface="Consolas" pitchFamily="49" charset="0"/>
+                <a:cs typeface="Consolas" pitchFamily="49" charset="0"/>
+              </a:endParaRPr>
+            </a:p>
+          </p:txBody>
+        </p:sp>
+        <p:sp>
+          <p:nvSpPr>
+            <p:cNvPr id="120" name="Rectangle 119"/>
+            <p:cNvSpPr/>
+            <p:nvPr/>
+          </p:nvSpPr>
+          <p:spPr>
+            <a:xfrm>
+              <a:off x="4953000" y="2407143"/>
+              <a:ext cx="731520" cy="564657"/>
+            </a:xfrm>
+            <a:prstGeom prst="rect">
+              <a:avLst/>
+            </a:prstGeom>
+            <a:solidFill>
+              <a:schemeClr val="accent2">
+                <a:lumMod val="75000"/>
+              </a:schemeClr>
+            </a:solidFill>
+            <a:ln>
+              <a:solidFill>
+                <a:schemeClr val="accent2">
+                  <a:lumMod val="50000"/>
+                </a:schemeClr>
+              </a:solidFill>
+            </a:ln>
+          </p:spPr>
+          <p:style>
+            <a:lnRef idx="2">
+              <a:schemeClr val="accent1">
+                <a:shade val="50000"/>
+              </a:schemeClr>
+            </a:lnRef>
+            <a:fillRef idx="1">
+              <a:schemeClr val="accent1"/>
+            </a:fillRef>
+            <a:effectRef idx="0">
+              <a:schemeClr val="accent1"/>
+            </a:effectRef>
+            <a:fontRef idx="minor">
+              <a:schemeClr val="lt1"/>
+            </a:fontRef>
+          </p:style>
+          <p:txBody>
+            <a:bodyPr rtlCol="0" anchor="ctr"/>
+            <a:lstStyle/>
+            <a:p>
+              <a:pPr algn="ctr"/>
+              <a:r>
+                <a:rPr lang="en-US" sz="2200" dirty="0" smtClean="0">
+                  <a:latin typeface="Consolas" pitchFamily="49" charset="0"/>
+                  <a:cs typeface="Consolas" pitchFamily="49" charset="0"/>
+                </a:rPr>
+                <a:t>Dec</a:t>
+              </a:r>
+              <a:endParaRPr lang="en-US" sz="2200" dirty="0">
+                <a:latin typeface="Consolas" pitchFamily="49" charset="0"/>
+                <a:cs typeface="Consolas" pitchFamily="49" charset="0"/>
+              </a:endParaRPr>
+            </a:p>
+          </p:txBody>
+        </p:sp>
+        <p:sp>
+          <p:nvSpPr>
+            <p:cNvPr id="121" name="Rectangle 120"/>
+            <p:cNvSpPr/>
+            <p:nvPr/>
+          </p:nvSpPr>
+          <p:spPr>
+            <a:xfrm>
+              <a:off x="5684520" y="2407143"/>
+              <a:ext cx="731520" cy="564657"/>
+            </a:xfrm>
+            <a:prstGeom prst="rect">
+              <a:avLst/>
+            </a:prstGeom>
+            <a:solidFill>
+              <a:schemeClr val="accent2">
+                <a:lumMod val="75000"/>
+              </a:schemeClr>
+            </a:solidFill>
+            <a:ln>
+              <a:solidFill>
+                <a:schemeClr val="accent2">
+                  <a:lumMod val="50000"/>
+                </a:schemeClr>
+              </a:solidFill>
+            </a:ln>
+          </p:spPr>
+          <p:style>
+            <a:lnRef idx="2">
+              <a:schemeClr val="accent1">
+                <a:shade val="50000"/>
+              </a:schemeClr>
+            </a:lnRef>
+            <a:fillRef idx="1">
+              <a:schemeClr val="accent1"/>
+            </a:fillRef>
+            <a:effectRef idx="0">
+              <a:schemeClr val="accent1"/>
+            </a:effectRef>
+            <a:fontRef idx="minor">
+              <a:schemeClr val="lt1"/>
+            </a:fontRef>
+          </p:style>
+          <p:txBody>
+            <a:bodyPr rtlCol="0" anchor="ctr"/>
+            <a:lstStyle/>
+            <a:p>
+              <a:pPr algn="ctr"/>
+              <a:r>
+                <a:rPr lang="en-US" sz="2200" dirty="0" smtClean="0">
+                  <a:latin typeface="Consolas" pitchFamily="49" charset="0"/>
+                  <a:cs typeface="Consolas" pitchFamily="49" charset="0"/>
+                </a:rPr>
+                <a:t>Jan</a:t>
+              </a:r>
+              <a:endParaRPr lang="en-US" sz="2200" dirty="0">
+                <a:latin typeface="Consolas" pitchFamily="49" charset="0"/>
+                <a:cs typeface="Consolas" pitchFamily="49" charset="0"/>
+              </a:endParaRPr>
+            </a:p>
+          </p:txBody>
+        </p:sp>
+        <p:sp>
+          <p:nvSpPr>
+            <p:cNvPr id="122" name="Rectangle 121"/>
+            <p:cNvSpPr/>
+            <p:nvPr/>
+          </p:nvSpPr>
+          <p:spPr>
+            <a:xfrm>
+              <a:off x="6416040" y="2407143"/>
+              <a:ext cx="731520" cy="564657"/>
+            </a:xfrm>
+            <a:prstGeom prst="rect">
+              <a:avLst/>
+            </a:prstGeom>
+            <a:solidFill>
+              <a:schemeClr val="accent2">
+                <a:lumMod val="75000"/>
+              </a:schemeClr>
+            </a:solidFill>
+            <a:ln>
+              <a:solidFill>
+                <a:schemeClr val="accent2">
+                  <a:lumMod val="50000"/>
+                </a:schemeClr>
+              </a:solidFill>
+            </a:ln>
+          </p:spPr>
+          <p:style>
+            <a:lnRef idx="2">
+              <a:schemeClr val="accent1">
+                <a:shade val="50000"/>
+              </a:schemeClr>
+            </a:lnRef>
+            <a:fillRef idx="1">
+              <a:schemeClr val="accent1"/>
+            </a:fillRef>
+            <a:effectRef idx="0">
+              <a:schemeClr val="accent1"/>
+            </a:effectRef>
+            <a:fontRef idx="minor">
+              <a:schemeClr val="lt1"/>
+            </a:fontRef>
+          </p:style>
+          <p:txBody>
+            <a:bodyPr rtlCol="0" anchor="ctr"/>
+            <a:lstStyle/>
+            <a:p>
+              <a:pPr algn="ctr"/>
+              <a:r>
+                <a:rPr lang="en-US" sz="2200" dirty="0" smtClean="0">
+                  <a:latin typeface="Consolas" pitchFamily="49" charset="0"/>
+                  <a:cs typeface="Consolas" pitchFamily="49" charset="0"/>
+                </a:rPr>
+                <a:t>Feb</a:t>
+              </a:r>
+              <a:endParaRPr lang="en-US" sz="2200" dirty="0">
+                <a:latin typeface="Consolas" pitchFamily="49" charset="0"/>
+                <a:cs typeface="Consolas" pitchFamily="49" charset="0"/>
+              </a:endParaRPr>
+            </a:p>
+          </p:txBody>
+        </p:sp>
+        <p:sp>
+          <p:nvSpPr>
+            <p:cNvPr id="123" name="Rectangle 122"/>
+            <p:cNvSpPr/>
+            <p:nvPr/>
+          </p:nvSpPr>
+          <p:spPr>
+            <a:xfrm>
+              <a:off x="7117080" y="2407143"/>
+              <a:ext cx="731520" cy="564657"/>
+            </a:xfrm>
+            <a:prstGeom prst="rect">
+              <a:avLst/>
+            </a:prstGeom>
+            <a:gradFill flip="none" rotWithShape="1">
+              <a:gsLst>
+                <a:gs pos="0">
+                  <a:schemeClr val="accent2">
+                    <a:lumMod val="75000"/>
+                  </a:schemeClr>
+                </a:gs>
+                <a:gs pos="100000">
+                  <a:schemeClr val="accent2">
+                    <a:lumMod val="40000"/>
+                    <a:lumOff val="60000"/>
+                  </a:schemeClr>
+                </a:gs>
+                <a:gs pos="100000">
+                  <a:schemeClr val="accent1">
+                    <a:tint val="23500"/>
+                    <a:satMod val="160000"/>
+                  </a:schemeClr>
+                </a:gs>
+              </a:gsLst>
+              <a:lin ang="0" scaled="1"/>
+              <a:tileRect/>
+            </a:gradFill>
+            <a:ln>
+              <a:gradFill flip="none" rotWithShape="1">
+                <a:gsLst>
+                  <a:gs pos="0">
+                    <a:schemeClr val="accent2">
+                      <a:lumMod val="50000"/>
+                    </a:schemeClr>
+                  </a:gs>
+                  <a:gs pos="50000">
+                    <a:schemeClr val="accent2">
+                      <a:lumMod val="75000"/>
+                    </a:schemeClr>
+                  </a:gs>
+                  <a:gs pos="100000">
+                    <a:schemeClr val="accent2">
+                      <a:lumMod val="60000"/>
+                      <a:lumOff val="40000"/>
+                    </a:schemeClr>
+                  </a:gs>
+                </a:gsLst>
+                <a:lin ang="0" scaled="1"/>
+                <a:tileRect/>
+              </a:gradFill>
+            </a:ln>
+          </p:spPr>
+          <p:style>
+            <a:lnRef idx="2">
+              <a:schemeClr val="accent1">
+                <a:shade val="50000"/>
+              </a:schemeClr>
+            </a:lnRef>
+            <a:fillRef idx="1">
+              <a:schemeClr val="accent1"/>
+            </a:fillRef>
+            <a:effectRef idx="0">
+              <a:schemeClr val="accent1"/>
+            </a:effectRef>
+            <a:fontRef idx="minor">
+              <a:schemeClr val="lt1"/>
+            </a:fontRef>
+          </p:style>
+          <p:txBody>
+            <a:bodyPr rtlCol="0" anchor="ctr"/>
+            <a:lstStyle/>
+            <a:p>
+              <a:pPr algn="ctr"/>
+              <a:r>
+                <a:rPr lang="en-US" sz="2200" dirty="0" smtClean="0">
+                  <a:latin typeface="Consolas" pitchFamily="49" charset="0"/>
+                  <a:cs typeface="Consolas" pitchFamily="49" charset="0"/>
+                </a:rPr>
+                <a:t>Mar</a:t>
+              </a:r>
+              <a:endParaRPr lang="en-US" sz="2200" dirty="0">
+                <a:latin typeface="Consolas" pitchFamily="49" charset="0"/>
+                <a:cs typeface="Consolas" pitchFamily="49" charset="0"/>
+              </a:endParaRPr>
+            </a:p>
+          </p:txBody>
+        </p:sp>
+      </p:grpSp>
+      <p:sp>
+        <p:nvSpPr>
+          <p:cNvPr id="34" name="Rectangle 33"/>
+          <p:cNvSpPr/>
+          <p:nvPr/>
+        </p:nvSpPr>
+        <p:spPr>
+          <a:xfrm>
+            <a:off x="4032849" y="3425247"/>
+            <a:ext cx="1607678" cy="440839"/>
+          </a:xfrm>
+          <a:prstGeom prst="rect">
+            <a:avLst/>
+          </a:prstGeom>
+          <a:noFill/>
+          <a:ln>
+            <a:noFill/>
+          </a:ln>
+        </p:spPr>
+        <p:style>
+          <a:lnRef idx="2">
+            <a:schemeClr val="accent1">
+              <a:shade val="50000"/>
+            </a:schemeClr>
+          </a:lnRef>
+          <a:fillRef idx="1">
+            <a:schemeClr val="accent1"/>
+          </a:fillRef>
+          <a:effectRef idx="0">
+            <a:schemeClr val="accent1"/>
+          </a:effectRef>
+          <a:fontRef idx="minor">
+            <a:schemeClr val="lt1"/>
+          </a:fontRef>
+        </p:style>
+        <p:txBody>
+          <a:bodyPr rtlCol="0" anchor="ctr"/>
+          <a:lstStyle/>
+          <a:p>
+            <a:pPr algn="ctr"/>
+            <a:r>
+              <a:rPr lang="en-US" sz="2400" b="1" dirty="0" smtClean="0">
+                <a:solidFill>
+                  <a:schemeClr val="tx2">
+                    <a:lumMod val="75000"/>
+                  </a:schemeClr>
+                </a:solidFill>
+                <a:latin typeface="Consolas" pitchFamily="49" charset="0"/>
+                <a:cs typeface="Consolas" pitchFamily="49" charset="0"/>
+              </a:rPr>
+              <a:t>1976</a:t>
+            </a:r>
+            <a:endParaRPr lang="en-US" sz="2400" b="1" dirty="0">
+              <a:solidFill>
+                <a:schemeClr val="tx2">
+                  <a:lumMod val="75000"/>
+                </a:schemeClr>
+              </a:solidFill>
+              <a:latin typeface="Consolas" pitchFamily="49" charset="0"/>
+              <a:cs typeface="Consolas" pitchFamily="49" charset="0"/>
+            </a:endParaRPr>
+          </a:p>
+        </p:txBody>
+      </p:sp>
+      <p:sp>
+        <p:nvSpPr>
+          <p:cNvPr id="35" name="Rectangle 34"/>
+          <p:cNvSpPr/>
+          <p:nvPr/>
+        </p:nvSpPr>
+        <p:spPr>
+          <a:xfrm>
+            <a:off x="4448643" y="4705709"/>
+            <a:ext cx="1607678" cy="440839"/>
+          </a:xfrm>
+          <a:prstGeom prst="rect">
+            <a:avLst/>
+          </a:prstGeom>
+          <a:noFill/>
+          <a:ln>
+            <a:noFill/>
+          </a:ln>
+        </p:spPr>
+        <p:style>
+          <a:lnRef idx="2">
+            <a:schemeClr val="accent1">
+              <a:shade val="50000"/>
+            </a:schemeClr>
+          </a:lnRef>
+          <a:fillRef idx="1">
+            <a:schemeClr val="accent1"/>
+          </a:fillRef>
+          <a:effectRef idx="0">
+            <a:schemeClr val="accent1"/>
+          </a:effectRef>
+          <a:fontRef idx="minor">
+            <a:schemeClr val="lt1"/>
+          </a:fontRef>
+        </p:style>
+        <p:txBody>
+          <a:bodyPr rtlCol="0" anchor="ctr"/>
+          <a:lstStyle/>
+          <a:p>
+            <a:pPr algn="ctr"/>
+            <a:r>
+              <a:rPr lang="en-US" sz="2400" b="1" dirty="0" smtClean="0">
+                <a:solidFill>
+                  <a:schemeClr val="tx2">
+                    <a:lumMod val="75000"/>
+                  </a:schemeClr>
+                </a:solidFill>
+                <a:latin typeface="Consolas" pitchFamily="49" charset="0"/>
+                <a:cs typeface="Consolas" pitchFamily="49" charset="0"/>
+              </a:rPr>
+              <a:t>1977</a:t>
+            </a:r>
+            <a:endParaRPr lang="en-US" sz="2400" b="1" dirty="0">
+              <a:solidFill>
+                <a:schemeClr val="tx2">
+                  <a:lumMod val="75000"/>
+                </a:schemeClr>
+              </a:solidFill>
+              <a:latin typeface="Consolas" pitchFamily="49" charset="0"/>
+              <a:cs typeface="Consolas" pitchFamily="49" charset="0"/>
+            </a:endParaRPr>
+          </a:p>
+        </p:txBody>
+      </p:sp>
+      <p:sp>
+        <p:nvSpPr>
+          <p:cNvPr id="36" name="Rectangle 35"/>
+          <p:cNvSpPr/>
+          <p:nvPr/>
+        </p:nvSpPr>
+        <p:spPr>
+          <a:xfrm>
+            <a:off x="4601044" y="5854703"/>
+            <a:ext cx="1607678" cy="440839"/>
+          </a:xfrm>
+          <a:prstGeom prst="rect">
+            <a:avLst/>
+          </a:prstGeom>
+          <a:noFill/>
+          <a:ln>
+            <a:noFill/>
+          </a:ln>
+        </p:spPr>
+        <p:style>
+          <a:lnRef idx="2">
+            <a:schemeClr val="accent1">
+              <a:shade val="50000"/>
+            </a:schemeClr>
+          </a:lnRef>
+          <a:fillRef idx="1">
+            <a:schemeClr val="accent1"/>
+          </a:fillRef>
+          <a:effectRef idx="0">
+            <a:schemeClr val="accent1"/>
+          </a:effectRef>
+          <a:fontRef idx="minor">
+            <a:schemeClr val="lt1"/>
+          </a:fontRef>
+        </p:style>
+        <p:txBody>
+          <a:bodyPr rtlCol="0" anchor="ctr"/>
+          <a:lstStyle/>
+          <a:p>
+            <a:pPr algn="ctr"/>
+            <a:r>
+              <a:rPr lang="en-US" sz="2400" b="1" dirty="0" smtClean="0">
+                <a:solidFill>
+                  <a:schemeClr val="tx2">
+                    <a:lumMod val="75000"/>
+                  </a:schemeClr>
+                </a:solidFill>
+                <a:latin typeface="Consolas" pitchFamily="49" charset="0"/>
+                <a:cs typeface="Consolas" pitchFamily="49" charset="0"/>
+              </a:rPr>
+              <a:t>1983</a:t>
+            </a:r>
+            <a:endParaRPr lang="en-US" sz="2400" b="1" dirty="0">
+              <a:solidFill>
+                <a:schemeClr val="tx2">
+                  <a:lumMod val="75000"/>
+                </a:schemeClr>
+              </a:solidFill>
+              <a:latin typeface="Consolas" pitchFamily="49" charset="0"/>
+              <a:cs typeface="Consolas" pitchFamily="49" charset="0"/>
+            </a:endParaRPr>
+          </a:p>
+        </p:txBody>
+      </p:sp>
+      <p:cxnSp>
+        <p:nvCxnSpPr>
+          <p:cNvPr id="37" name="Straight Connector 36"/>
+          <p:cNvCxnSpPr>
+            <a:endCxn id="4" idx="3"/>
+          </p:cNvCxnSpPr>
+          <p:nvPr/>
+        </p:nvCxnSpPr>
+        <p:spPr>
+          <a:xfrm flipH="1" flipV="1">
+            <a:off x="3355963" y="3414090"/>
+            <a:ext cx="1048397" cy="3113748"/>
+          </a:xfrm>
+          <a:prstGeom prst="line">
+            <a:avLst/>
+          </a:prstGeom>
+          <a:ln w="22225" cmpd="sng">
+            <a:solidFill>
+              <a:schemeClr val="bg1">
+                <a:lumMod val="50000"/>
+              </a:schemeClr>
+            </a:solidFill>
+            <a:prstDash val="sysDash"/>
+          </a:ln>
+        </p:spPr>
+        <p:style>
+          <a:lnRef idx="1">
+            <a:schemeClr val="accent1"/>
+          </a:lnRef>
+          <a:fillRef idx="0">
+            <a:schemeClr val="accent1"/>
+          </a:fillRef>
+          <a:effectRef idx="0">
+            <a:schemeClr val="accent1"/>
+          </a:effectRef>
+          <a:fontRef idx="minor">
+            <a:schemeClr val="tx1"/>
+          </a:fontRef>
+        </p:style>
+      </p:cxnSp>
+    </p:spTree>
+    <p:extLst>
+      <p:ext uri="{BB962C8B-B14F-4D97-AF65-F5344CB8AC3E}">
+        <p14:creationId xmlns:p14="http://schemas.microsoft.com/office/powerpoint/2010/main" val="4012828053"/>
+      </p:ext>
+    </p:extLst>
+  </p:cSld>
+  <p:clrMapOvr>
+    <a:masterClrMapping/>
+  </p:clrMapOvr>
+</p:sld>
+</file>
+
+<file path=ppt/slides/slide4.xml><?xml version="1.0" encoding="utf-8"?>
+<p:sld xmlns:a="http://schemas.openxmlformats.org/drawingml/2006/main" xmlns:r="http://schemas.openxmlformats.org/officeDocument/2006/relationships" xmlns:p="http://schemas.openxmlformats.org/presentationml/2006/main">
+  <p:cSld>
+    <p:spTree>
+      <p:nvGrpSpPr>
+        <p:cNvPr id="1" name=""/>
+        <p:cNvGrpSpPr/>
+        <p:nvPr/>
+      </p:nvGrpSpPr>
+      <p:grpSpPr>
+        <a:xfrm>
+          <a:off x="0" y="0"/>
+          <a:ext cx="0" cy="0"/>
+          <a:chOff x="0" y="0"/>
+          <a:chExt cx="0" cy="0"/>
+        </a:xfrm>
+      </p:grpSpPr>
+      <p:sp>
+        <p:nvSpPr>
+          <p:cNvPr id="4" name="Title 1"/>
           <p:cNvSpPr>
             <a:spLocks noGrp="1"/>
           </p:cNvSpPr>
           <p:nvPr>
-            <p:ph idx="1"/>
+            <p:ph type="title"/>
           </p:nvPr>
         </p:nvSpPr>
         <p:spPr/>
         <p:txBody>
           <a:bodyPr>
-            <a:normAutofit fontScale="92500"/>
+            <a:normAutofit/>
           </a:bodyPr>
           <a:lstStyle/>
           <a:p>
             <a:r>
-              <a:rPr lang="en-US" sz="2800" dirty="0" smtClean="0"/>
+              <a:rPr lang="en-US" sz="3600" dirty="0"/>
+              <a:t>Step 1</a:t>
+            </a:r>
+            <a:r>
+              <a:rPr lang="en-US" sz="3600" dirty="0" smtClean="0"/>
+              <a:t>. Prepare initial data</a:t>
+            </a:r>
+            <a:endParaRPr lang="en-US" sz="3600" u="sng" dirty="0"/>
+          </a:p>
+        </p:txBody>
+      </p:sp>
+      <p:pic>
+        <p:nvPicPr>
+          <p:cNvPr id="4098" name="Picture 2"/>
+          <p:cNvPicPr>
+            <a:picLocks noChangeAspect="1" noChangeArrowheads="1"/>
+          </p:cNvPicPr>
+          <p:nvPr/>
+        </p:nvPicPr>
+        <p:blipFill>
+          <a:blip r:embed="rId2">
+            <a:extLst>
+              <a:ext uri="{28A0092B-C50C-407E-A947-70E740481C1C}">
+                <a14:useLocalDpi xmlns:a14="http://schemas.microsoft.com/office/drawing/2010/main" val="0"/>
+              </a:ext>
+            </a:extLst>
+          </a:blip>
+          <a:srcRect/>
+          <a:stretch>
+            <a:fillRect/>
+          </a:stretch>
+        </p:blipFill>
+        <p:spPr bwMode="auto">
+          <a:xfrm>
+            <a:off x="859538" y="1351761"/>
+            <a:ext cx="7446262" cy="5196488"/>
+          </a:xfrm>
+          <a:prstGeom prst="rect">
+            <a:avLst/>
+          </a:prstGeom>
+          <a:noFill/>
+          <a:ln>
+            <a:noFill/>
+          </a:ln>
+          <a:extLst>
+            <a:ext uri="{909E8E84-426E-40DD-AFC4-6F175D3DCCD1}">
+              <a14:hiddenFill xmlns:a14="http://schemas.microsoft.com/office/drawing/2010/main">
+                <a:solidFill>
+                  <a:schemeClr val="accent1"/>
+                </a:solidFill>
+              </a14:hiddenFill>
+            </a:ext>
+            <a:ext uri="{91240B29-F687-4F45-9708-019B960494DF}">
+              <a14:hiddenLine xmlns:a14="http://schemas.microsoft.com/office/drawing/2010/main" w="9525">
+                <a:solidFill>
+                  <a:schemeClr val="tx1"/>
+                </a:solidFill>
+                <a:miter lim="800000"/>
+                <a:headEnd/>
+                <a:tailEnd/>
+              </a14:hiddenLine>
+            </a:ext>
+          </a:extLst>
+        </p:spPr>
+      </p:pic>
+    </p:spTree>
+    <p:extLst>
+      <p:ext uri="{BB962C8B-B14F-4D97-AF65-F5344CB8AC3E}">
+        <p14:creationId xmlns:p14="http://schemas.microsoft.com/office/powerpoint/2010/main" val="3121743744"/>
+      </p:ext>
+    </p:extLst>
+  </p:cSld>
+  <p:clrMapOvr>
+    <a:masterClrMapping/>
+  </p:clrMapOvr>
+</p:sld>
+</file>
+
+<file path=ppt/slides/slide5.xml><?xml version="1.0" encoding="utf-8"?>
+<p:sld xmlns:a="http://schemas.openxmlformats.org/drawingml/2006/main" xmlns:r="http://schemas.openxmlformats.org/officeDocument/2006/relationships" xmlns:p="http://schemas.openxmlformats.org/presentationml/2006/main">
+  <p:cSld>
+    <p:spTree>
+      <p:nvGrpSpPr>
+        <p:cNvPr id="1" name=""/>
+        <p:cNvGrpSpPr/>
+        <p:nvPr/>
+      </p:nvGrpSpPr>
+      <p:grpSpPr>
+        <a:xfrm>
+          <a:off x="0" y="0"/>
+          <a:ext cx="0" cy="0"/>
+          <a:chOff x="0" y="0"/>
+          <a:chExt cx="0" cy="0"/>
+        </a:xfrm>
+      </p:grpSpPr>
+      <p:sp>
+        <p:nvSpPr>
+          <p:cNvPr id="4" name="Title 1"/>
+          <p:cNvSpPr>
+            <a:spLocks noGrp="1"/>
+          </p:cNvSpPr>
+          <p:nvPr>
+            <p:ph type="title"/>
+          </p:nvPr>
+        </p:nvSpPr>
+        <p:spPr/>
+        <p:txBody>
+          <a:bodyPr>
+            <a:normAutofit fontScale="90000"/>
+          </a:bodyPr>
+          <a:lstStyle/>
+          <a:p>
+            <a:r>
+              <a:rPr lang="en-US" sz="3600" dirty="0"/>
               <a:t>Step </a:t>
             </a:r>
             <a:r>
-              <a:rPr lang="en-US" sz="2800" dirty="0"/>
-              <a:t>1. Provide initial data for decision variables. See .\Run\DSS\CL_INIT_2012.</a:t>
-            </a:r>
-            <a:r>
-              <a:rPr lang="en-US" sz="2800" u="sng" dirty="0"/>
-              <a:t>dss</a:t>
-            </a:r>
-          </a:p>
-          <a:p>
-            <a:r>
-              <a:rPr lang="en-US" sz="2800" dirty="0" smtClean="0"/>
+              <a:rPr lang="en-US" sz="3600" dirty="0" smtClean="0"/>
+              <a:t>2. Copy historical yearly tables to future   </a:t>
+            </a:r>
+            <a:endParaRPr lang="en-US" sz="3600" u="sng" dirty="0"/>
+          </a:p>
+        </p:txBody>
+      </p:sp>
+      <p:pic>
+        <p:nvPicPr>
+          <p:cNvPr id="1029" name="Picture 5"/>
+          <p:cNvPicPr>
+            <a:picLocks noChangeAspect="1" noChangeArrowheads="1"/>
+          </p:cNvPicPr>
+          <p:nvPr/>
+        </p:nvPicPr>
+        <p:blipFill>
+          <a:blip r:embed="rId2">
+            <a:extLst>
+              <a:ext uri="{28A0092B-C50C-407E-A947-70E740481C1C}">
+                <a14:useLocalDpi xmlns:a14="http://schemas.microsoft.com/office/drawing/2010/main" val="0"/>
+              </a:ext>
+            </a:extLst>
+          </a:blip>
+          <a:srcRect/>
+          <a:stretch>
+            <a:fillRect/>
+          </a:stretch>
+        </p:blipFill>
+        <p:spPr bwMode="auto">
+          <a:xfrm>
+            <a:off x="84265" y="1295400"/>
+            <a:ext cx="9026667" cy="4986667"/>
+          </a:xfrm>
+          <a:prstGeom prst="rect">
+            <a:avLst/>
+          </a:prstGeom>
+          <a:noFill/>
+          <a:ln>
+            <a:noFill/>
+          </a:ln>
+          <a:extLst>
+            <a:ext uri="{909E8E84-426E-40DD-AFC4-6F175D3DCCD1}">
+              <a14:hiddenFill xmlns:a14="http://schemas.microsoft.com/office/drawing/2010/main">
+                <a:solidFill>
+                  <a:schemeClr val="accent1"/>
+                </a:solidFill>
+              </a14:hiddenFill>
+            </a:ext>
+            <a:ext uri="{91240B29-F687-4F45-9708-019B960494DF}">
+              <a14:hiddenLine xmlns:a14="http://schemas.microsoft.com/office/drawing/2010/main" w="9525">
+                <a:solidFill>
+                  <a:schemeClr val="tx1"/>
+                </a:solidFill>
+                <a:miter lim="800000"/>
+                <a:headEnd/>
+                <a:tailEnd/>
+              </a14:hiddenLine>
+            </a:ext>
+          </a:extLst>
+        </p:spPr>
+      </p:pic>
+    </p:spTree>
+    <p:extLst>
+      <p:ext uri="{BB962C8B-B14F-4D97-AF65-F5344CB8AC3E}">
+        <p14:creationId xmlns:p14="http://schemas.microsoft.com/office/powerpoint/2010/main" val="3878534205"/>
+      </p:ext>
+    </p:extLst>
+  </p:cSld>
+  <p:clrMapOvr>
+    <a:masterClrMapping/>
+  </p:clrMapOvr>
+</p:sld>
+</file>
+
+<file path=ppt/slides/slide6.xml><?xml version="1.0" encoding="utf-8"?>
+<p:sld xmlns:a="http://schemas.openxmlformats.org/drawingml/2006/main" xmlns:r="http://schemas.openxmlformats.org/officeDocument/2006/relationships" xmlns:p="http://schemas.openxmlformats.org/presentationml/2006/main">
+  <p:cSld>
+    <p:spTree>
+      <p:nvGrpSpPr>
+        <p:cNvPr id="1" name=""/>
+        <p:cNvGrpSpPr/>
+        <p:nvPr/>
+      </p:nvGrpSpPr>
+      <p:grpSpPr>
+        <a:xfrm>
+          <a:off x="0" y="0"/>
+          <a:ext cx="0" cy="0"/>
+          <a:chOff x="0" y="0"/>
+          <a:chExt cx="0" cy="0"/>
+        </a:xfrm>
+      </p:grpSpPr>
+      <p:sp>
+        <p:nvSpPr>
+          <p:cNvPr id="4" name="Title 1"/>
+          <p:cNvSpPr>
+            <a:spLocks noGrp="1"/>
+          </p:cNvSpPr>
+          <p:nvPr>
+            <p:ph type="title"/>
+          </p:nvPr>
+        </p:nvSpPr>
+        <p:spPr/>
+        <p:txBody>
+          <a:bodyPr>
+            <a:normAutofit fontScale="90000"/>
+          </a:bodyPr>
+          <a:lstStyle/>
+          <a:p>
+            <a:r>
+              <a:rPr lang="en-US" sz="3600" dirty="0"/>
+              <a:t>Step 3</a:t>
+            </a:r>
+            <a:r>
+              <a:rPr lang="en-US" sz="3600" dirty="0" smtClean="0"/>
+              <a:t>. Copy historical monthly tables to future   </a:t>
+            </a:r>
+            <a:endParaRPr lang="en-US" sz="3600" u="sng" dirty="0"/>
+          </a:p>
+        </p:txBody>
+      </p:sp>
+      <p:pic>
+        <p:nvPicPr>
+          <p:cNvPr id="5" name="Picture 3"/>
+          <p:cNvPicPr>
+            <a:picLocks noChangeAspect="1" noChangeArrowheads="1"/>
+          </p:cNvPicPr>
+          <p:nvPr/>
+        </p:nvPicPr>
+        <p:blipFill>
+          <a:blip r:embed="rId2">
+            <a:extLst>
+              <a:ext uri="{28A0092B-C50C-407E-A947-70E740481C1C}">
+                <a14:useLocalDpi xmlns:a14="http://schemas.microsoft.com/office/drawing/2010/main" val="0"/>
+              </a:ext>
+            </a:extLst>
+          </a:blip>
+          <a:srcRect/>
+          <a:stretch>
+            <a:fillRect/>
+          </a:stretch>
+        </p:blipFill>
+        <p:spPr bwMode="auto">
+          <a:xfrm>
+            <a:off x="1662112" y="1524000"/>
+            <a:ext cx="5819775" cy="5181600"/>
+          </a:xfrm>
+          <a:prstGeom prst="rect">
+            <a:avLst/>
+          </a:prstGeom>
+          <a:noFill/>
+          <a:ln>
+            <a:noFill/>
+          </a:ln>
+          <a:extLst>
+            <a:ext uri="{909E8E84-426E-40DD-AFC4-6F175D3DCCD1}">
+              <a14:hiddenFill xmlns:a14="http://schemas.microsoft.com/office/drawing/2010/main">
+                <a:solidFill>
+                  <a:schemeClr val="accent1"/>
+                </a:solidFill>
+              </a14:hiddenFill>
+            </a:ext>
+            <a:ext uri="{91240B29-F687-4F45-9708-019B960494DF}">
+              <a14:hiddenLine xmlns:a14="http://schemas.microsoft.com/office/drawing/2010/main" w="9525">
+                <a:solidFill>
+                  <a:schemeClr val="tx1"/>
+                </a:solidFill>
+                <a:miter lim="800000"/>
+                <a:headEnd/>
+                <a:tailEnd/>
+              </a14:hiddenLine>
+            </a:ext>
+          </a:extLst>
+        </p:spPr>
+      </p:pic>
+    </p:spTree>
+    <p:extLst>
+      <p:ext uri="{BB962C8B-B14F-4D97-AF65-F5344CB8AC3E}">
+        <p14:creationId xmlns:p14="http://schemas.microsoft.com/office/powerpoint/2010/main" val="3242479500"/>
+      </p:ext>
+    </p:extLst>
+  </p:cSld>
+  <p:clrMapOvr>
+    <a:masterClrMapping/>
+  </p:clrMapOvr>
+</p:sld>
+</file>
+
+<file path=ppt/slides/slide7.xml><?xml version="1.0" encoding="utf-8"?>
+<p:sld xmlns:a="http://schemas.openxmlformats.org/drawingml/2006/main" xmlns:r="http://schemas.openxmlformats.org/officeDocument/2006/relationships" xmlns:p="http://schemas.openxmlformats.org/presentationml/2006/main">
+  <p:cSld>
+    <p:spTree>
+      <p:nvGrpSpPr>
+        <p:cNvPr id="1" name=""/>
+        <p:cNvGrpSpPr/>
+        <p:nvPr/>
+      </p:nvGrpSpPr>
+      <p:grpSpPr>
+        <a:xfrm>
+          <a:off x="0" y="0"/>
+          <a:ext cx="0" cy="0"/>
+          <a:chOff x="0" y="0"/>
+          <a:chExt cx="0" cy="0"/>
+        </a:xfrm>
+      </p:grpSpPr>
+      <p:sp>
+        <p:nvSpPr>
+          <p:cNvPr id="4" name="Title 1"/>
+          <p:cNvSpPr>
+            <a:spLocks noGrp="1"/>
+          </p:cNvSpPr>
+          <p:nvPr>
+            <p:ph type="title"/>
+          </p:nvPr>
+        </p:nvSpPr>
+        <p:spPr/>
+        <p:txBody>
+          <a:bodyPr>
+            <a:normAutofit fontScale="90000"/>
+          </a:bodyPr>
+          <a:lstStyle/>
+          <a:p>
+            <a:r>
+              <a:rPr lang="en-US" sz="3600" dirty="0"/>
               <a:t>Step </a:t>
             </a:r>
             <a:r>
-              <a:rPr lang="en-US" sz="2800" dirty="0"/>
-              <a:t>2. Provide 2012 annual requests data in this table: \Run\Lookup\PA_Base_D1641_Existing\</a:t>
-            </a:r>
-            <a:r>
-              <a:rPr lang="en-US" sz="2800" dirty="0" err="1"/>
-              <a:t>AnnualReqDel_swp.table</a:t>
-            </a:r>
-            <a:endParaRPr lang="en-US" sz="2800" dirty="0"/>
-          </a:p>
-          <a:p>
-            <a:r>
-              <a:rPr lang="en-US" sz="2800" dirty="0" smtClean="0"/>
+              <a:rPr lang="en-US" sz="3600" dirty="0" smtClean="0"/>
+              <a:t>4. Create lookup table to convert future WY to historical WY   </a:t>
+            </a:r>
+            <a:endParaRPr lang="en-US" sz="3600" u="sng" dirty="0"/>
+          </a:p>
+        </p:txBody>
+      </p:sp>
+      <p:pic>
+        <p:nvPicPr>
+          <p:cNvPr id="2050" name="Picture 2"/>
+          <p:cNvPicPr>
+            <a:picLocks noChangeAspect="1" noChangeArrowheads="1"/>
+          </p:cNvPicPr>
+          <p:nvPr/>
+        </p:nvPicPr>
+        <p:blipFill>
+          <a:blip r:embed="rId2">
+            <a:extLst>
+              <a:ext uri="{28A0092B-C50C-407E-A947-70E740481C1C}">
+                <a14:useLocalDpi xmlns:a14="http://schemas.microsoft.com/office/drawing/2010/main" val="0"/>
+              </a:ext>
+            </a:extLst>
+          </a:blip>
+          <a:srcRect/>
+          <a:stretch>
+            <a:fillRect/>
+          </a:stretch>
+        </p:blipFill>
+        <p:spPr bwMode="auto">
+          <a:xfrm>
+            <a:off x="1352550" y="2886073"/>
+            <a:ext cx="6038850" cy="1294039"/>
+          </a:xfrm>
+          <a:prstGeom prst="rect">
+            <a:avLst/>
+          </a:prstGeom>
+          <a:noFill/>
+          <a:ln>
+            <a:noFill/>
+          </a:ln>
+          <a:extLst>
+            <a:ext uri="{909E8E84-426E-40DD-AFC4-6F175D3DCCD1}">
+              <a14:hiddenFill xmlns:a14="http://schemas.microsoft.com/office/drawing/2010/main">
+                <a:solidFill>
+                  <a:schemeClr val="accent1"/>
+                </a:solidFill>
+              </a14:hiddenFill>
+            </a:ext>
+            <a:ext uri="{91240B29-F687-4F45-9708-019B960494DF}">
+              <a14:hiddenLine xmlns:a14="http://schemas.microsoft.com/office/drawing/2010/main" w="9525">
+                <a:solidFill>
+                  <a:schemeClr val="tx1"/>
+                </a:solidFill>
+                <a:miter lim="800000"/>
+                <a:headEnd/>
+                <a:tailEnd/>
+              </a14:hiddenLine>
+            </a:ext>
+          </a:extLst>
+        </p:spPr>
+      </p:pic>
+    </p:spTree>
+    <p:extLst>
+      <p:ext uri="{BB962C8B-B14F-4D97-AF65-F5344CB8AC3E}">
+        <p14:creationId xmlns:p14="http://schemas.microsoft.com/office/powerpoint/2010/main" val="3312649026"/>
+      </p:ext>
+    </p:extLst>
+  </p:cSld>
+  <p:clrMapOvr>
+    <a:masterClrMapping/>
+  </p:clrMapOvr>
+</p:sld>
+</file>
+
+<file path=ppt/slides/slide8.xml><?xml version="1.0" encoding="utf-8"?>
+<p:sld xmlns:a="http://schemas.openxmlformats.org/drawingml/2006/main" xmlns:r="http://schemas.openxmlformats.org/officeDocument/2006/relationships" xmlns:p="http://schemas.openxmlformats.org/presentationml/2006/main">
+  <p:cSld>
+    <p:spTree>
+      <p:nvGrpSpPr>
+        <p:cNvPr id="1" name=""/>
+        <p:cNvGrpSpPr/>
+        <p:nvPr/>
+      </p:nvGrpSpPr>
+      <p:grpSpPr>
+        <a:xfrm>
+          <a:off x="0" y="0"/>
+          <a:ext cx="0" cy="0"/>
+          <a:chOff x="0" y="0"/>
+          <a:chExt cx="0" cy="0"/>
+        </a:xfrm>
+      </p:grpSpPr>
+      <p:sp>
+        <p:nvSpPr>
+          <p:cNvPr id="4" name="Title 1"/>
+          <p:cNvSpPr>
+            <a:spLocks noGrp="1"/>
+          </p:cNvSpPr>
+          <p:nvPr>
+            <p:ph type="title"/>
+          </p:nvPr>
+        </p:nvSpPr>
+        <p:spPr/>
+        <p:txBody>
+          <a:bodyPr>
+            <a:normAutofit/>
+          </a:bodyPr>
+          <a:lstStyle/>
+          <a:p>
+            <a:r>
+              <a:rPr lang="en-US" sz="3600" dirty="0"/>
+              <a:t>Step 5</a:t>
+            </a:r>
+            <a:r>
+              <a:rPr lang="en-US" sz="3600" dirty="0" smtClean="0"/>
+              <a:t>. Copy historical Svar data to future   </a:t>
+            </a:r>
+            <a:endParaRPr lang="en-US" sz="3600" u="sng" dirty="0"/>
+          </a:p>
+        </p:txBody>
+      </p:sp>
+      <p:pic>
+        <p:nvPicPr>
+          <p:cNvPr id="3074" name="Picture 2"/>
+          <p:cNvPicPr>
+            <a:picLocks noChangeAspect="1" noChangeArrowheads="1"/>
+          </p:cNvPicPr>
+          <p:nvPr/>
+        </p:nvPicPr>
+        <p:blipFill>
+          <a:blip r:embed="rId2">
+            <a:extLst>
+              <a:ext uri="{28A0092B-C50C-407E-A947-70E740481C1C}">
+                <a14:useLocalDpi xmlns:a14="http://schemas.microsoft.com/office/drawing/2010/main" val="0"/>
+              </a:ext>
+            </a:extLst>
+          </a:blip>
+          <a:srcRect/>
+          <a:stretch>
+            <a:fillRect/>
+          </a:stretch>
+        </p:blipFill>
+        <p:spPr bwMode="auto">
+          <a:xfrm>
+            <a:off x="446126" y="1304923"/>
+            <a:ext cx="8316874" cy="5377132"/>
+          </a:xfrm>
+          <a:prstGeom prst="rect">
+            <a:avLst/>
+          </a:prstGeom>
+          <a:noFill/>
+          <a:ln>
+            <a:noFill/>
+          </a:ln>
+          <a:extLst>
+            <a:ext uri="{909E8E84-426E-40DD-AFC4-6F175D3DCCD1}">
+              <a14:hiddenFill xmlns:a14="http://schemas.microsoft.com/office/drawing/2010/main">
+                <a:solidFill>
+                  <a:schemeClr val="accent1"/>
+                </a:solidFill>
+              </a14:hiddenFill>
+            </a:ext>
+            <a:ext uri="{91240B29-F687-4F45-9708-019B960494DF}">
+              <a14:hiddenLine xmlns:a14="http://schemas.microsoft.com/office/drawing/2010/main" w="9525">
+                <a:solidFill>
+                  <a:schemeClr val="tx1"/>
+                </a:solidFill>
+                <a:miter lim="800000"/>
+                <a:headEnd/>
+                <a:tailEnd/>
+              </a14:hiddenLine>
+            </a:ext>
+          </a:extLst>
+        </p:spPr>
+      </p:pic>
+    </p:spTree>
+    <p:extLst>
+      <p:ext uri="{BB962C8B-B14F-4D97-AF65-F5344CB8AC3E}">
+        <p14:creationId xmlns:p14="http://schemas.microsoft.com/office/powerpoint/2010/main" val="2234562571"/>
+      </p:ext>
+    </p:extLst>
+  </p:cSld>
+  <p:clrMapOvr>
+    <a:masterClrMapping/>
+  </p:clrMapOvr>
+</p:sld>
+</file>
+
+<file path=ppt/slides/slide9.xml><?xml version="1.0" encoding="utf-8"?>
+<p:sld xmlns:a="http://schemas.openxmlformats.org/drawingml/2006/main" xmlns:r="http://schemas.openxmlformats.org/officeDocument/2006/relationships" xmlns:p="http://schemas.openxmlformats.org/presentationml/2006/main">
+  <p:cSld>
+    <p:spTree>
+      <p:nvGrpSpPr>
+        <p:cNvPr id="1" name=""/>
+        <p:cNvGrpSpPr/>
+        <p:nvPr/>
+      </p:nvGrpSpPr>
+      <p:grpSpPr>
+        <a:xfrm>
+          <a:off x="0" y="0"/>
+          <a:ext cx="0" cy="0"/>
+          <a:chOff x="0" y="0"/>
+          <a:chExt cx="0" cy="0"/>
+        </a:xfrm>
+      </p:grpSpPr>
+      <p:sp>
+        <p:nvSpPr>
+          <p:cNvPr id="4" name="Title 1"/>
+          <p:cNvSpPr>
+            <a:spLocks noGrp="1"/>
+          </p:cNvSpPr>
+          <p:nvPr>
+            <p:ph type="title"/>
+          </p:nvPr>
+        </p:nvSpPr>
+        <p:spPr/>
+        <p:txBody>
+          <a:bodyPr>
+            <a:normAutofit/>
+          </a:bodyPr>
+          <a:lstStyle/>
+          <a:p>
+            <a:r>
+              <a:rPr lang="en-US" sz="3600" dirty="0"/>
               <a:t>Step </a:t>
             </a:r>
             <a:r>
-              <a:rPr lang="en-US" sz="2800" dirty="0"/>
-              <a:t>3. Enter data in the following "User Input" section</a:t>
-            </a:r>
-          </a:p>
-          <a:p>
-            <a:r>
-              <a:rPr lang="en-US" sz="2800" dirty="0" smtClean="0"/>
-              <a:t>Step </a:t>
-            </a:r>
-            <a:r>
-              <a:rPr lang="en-US" sz="2800" dirty="0"/>
-              <a:t>4. Open a command prompt and type </a:t>
-            </a:r>
-            <a:r>
-              <a:rPr lang="en-US" sz="2800" dirty="0"/>
-              <a:t>"</a:t>
-            </a:r>
-            <a:r>
-              <a:rPr lang="en-US" sz="2800" dirty="0" err="1"/>
-              <a:t>vscript</a:t>
-            </a:r>
-            <a:r>
-              <a:rPr lang="en-US" sz="2800" dirty="0"/>
-              <a:t> example_positionAnalysis.py"</a:t>
-            </a:r>
-            <a:endParaRPr lang="en-US" sz="2800" u="sng" dirty="0"/>
-          </a:p>
-          <a:p>
-            <a:r>
-              <a:rPr lang="en-US" sz="2800" dirty="0" smtClean="0"/>
-              <a:t>Step </a:t>
-            </a:r>
-            <a:r>
-              <a:rPr lang="en-US" sz="2800" dirty="0"/>
-              <a:t>5. A batch file named "CalLitePA_demo.bat" will be generated. Double click this batch file to run the project.</a:t>
-            </a:r>
-          </a:p>
-          <a:p>
-            <a:endParaRPr lang="en-US" dirty="0"/>
+              <a:rPr lang="en-US" sz="3600" dirty="0" smtClean="0"/>
+              <a:t>6. Prepare delivery request table</a:t>
+            </a:r>
+            <a:endParaRPr lang="en-US" sz="3600" u="sng" dirty="0"/>
           </a:p>
         </p:txBody>
       </p:sp>
     </p:spTree>
     <p:extLst>
       <p:ext uri="{BB962C8B-B14F-4D97-AF65-F5344CB8AC3E}">
-        <p14:creationId xmlns:p14="http://schemas.microsoft.com/office/powerpoint/2010/main" val="1959426926"/>
+        <p14:creationId xmlns:p14="http://schemas.microsoft.com/office/powerpoint/2010/main" val="950758688"/>
       </p:ext>
     </p:extLst>
   </p:cSld>
